--- a/Outline_PokemonEVCounterApp.pptx
+++ b/Outline_PokemonEVCounterApp.pptx
@@ -9,20 +9,26 @@
     <p:sldId id="273" r:id="rId3"/>
     <p:sldId id="265" r:id="rId4"/>
     <p:sldId id="271" r:id="rId5"/>
-    <p:sldId id="260" r:id="rId6"/>
-    <p:sldId id="269" r:id="rId7"/>
-    <p:sldId id="272" r:id="rId8"/>
-    <p:sldId id="262" r:id="rId9"/>
-    <p:sldId id="259" r:id="rId10"/>
-    <p:sldId id="256" r:id="rId11"/>
-    <p:sldId id="270" r:id="rId12"/>
-    <p:sldId id="266" r:id="rId13"/>
-    <p:sldId id="267" r:id="rId14"/>
-    <p:sldId id="268" r:id="rId15"/>
-    <p:sldId id="261" r:id="rId16"/>
-    <p:sldId id="263" r:id="rId17"/>
-    <p:sldId id="258" r:id="rId18"/>
-    <p:sldId id="257" r:id="rId19"/>
+    <p:sldId id="278" r:id="rId6"/>
+    <p:sldId id="279" r:id="rId7"/>
+    <p:sldId id="260" r:id="rId8"/>
+    <p:sldId id="269" r:id="rId9"/>
+    <p:sldId id="272" r:id="rId10"/>
+    <p:sldId id="262" r:id="rId11"/>
+    <p:sldId id="259" r:id="rId12"/>
+    <p:sldId id="256" r:id="rId13"/>
+    <p:sldId id="270" r:id="rId14"/>
+    <p:sldId id="266" r:id="rId15"/>
+    <p:sldId id="274" r:id="rId16"/>
+    <p:sldId id="276" r:id="rId17"/>
+    <p:sldId id="267" r:id="rId18"/>
+    <p:sldId id="268" r:id="rId19"/>
+    <p:sldId id="261" r:id="rId20"/>
+    <p:sldId id="275" r:id="rId21"/>
+    <p:sldId id="277" r:id="rId22"/>
+    <p:sldId id="263" r:id="rId23"/>
+    <p:sldId id="258" r:id="rId24"/>
+    <p:sldId id="257" r:id="rId25"/>
   </p:sldIdLst>
   <p:sldSz cx="12192000" cy="6858000"/>
   <p:notesSz cx="6858000" cy="9144000"/>
@@ -2109,25 +2115,21 @@
         </a:p>
       </dgm:t>
     </dgm:pt>
-    <dgm:pt modelId="{AD93DD70-B37E-4452-B256-5364963A35B1}">
+    <dgm:pt modelId="{9CCEF8ED-6F3F-4013-B9A7-D173561B1DB5}">
       <dgm:prSet/>
-      <dgm:spPr>
-        <a:solidFill>
-          <a:srgbClr val="D4B9FF"/>
-        </a:solidFill>
-      </dgm:spPr>
+      <dgm:spPr/>
       <dgm:t>
         <a:bodyPr/>
         <a:lstStyle/>
         <a:p>
           <a:r>
             <a:rPr lang="en-US" dirty="0"/>
-            <a:t>EVModsG4</a:t>
+            <a:t>PokemonG4</a:t>
           </a:r>
         </a:p>
       </dgm:t>
     </dgm:pt>
-    <dgm:pt modelId="{F57D1E05-8D73-42BD-A427-C99631FB3EB3}" type="parTrans" cxnId="{E8804E7C-6E63-4EEF-9BB0-FE29FFB948FF}">
+    <dgm:pt modelId="{9254D009-95F6-4DA5-AF6A-8AB07DDD074A}" type="parTrans" cxnId="{7ECB37E7-1275-485D-A228-E2D7323437C7}">
       <dgm:prSet/>
       <dgm:spPr/>
       <dgm:t>
@@ -2138,7 +2140,7 @@
         </a:p>
       </dgm:t>
     </dgm:pt>
-    <dgm:pt modelId="{AF34034D-96AF-4643-A0C1-E343B06B9ADD}" type="sibTrans" cxnId="{E8804E7C-6E63-4EEF-9BB0-FE29FFB948FF}">
+    <dgm:pt modelId="{47AF5D56-CF10-4445-945D-30B33E3A50A6}" type="sibTrans" cxnId="{7ECB37E7-1275-485D-A228-E2D7323437C7}">
       <dgm:prSet/>
       <dgm:spPr/>
       <dgm:t>
@@ -2178,11 +2180,11 @@
       <dgm:spPr/>
     </dgm:pt>
     <dgm:pt modelId="{DE7CA87A-E23A-45B0-9ACD-88B63A3D6C92}" type="pres">
-      <dgm:prSet presAssocID="{09884949-084A-4C0C-BFDB-C326FA1A17D5}" presName="conn2-1" presStyleLbl="parChTrans1D2" presStyleIdx="0" presStyleCnt="2"/>
+      <dgm:prSet presAssocID="{09884949-084A-4C0C-BFDB-C326FA1A17D5}" presName="conn2-1" presStyleLbl="parChTrans1D2" presStyleIdx="0" presStyleCnt="1"/>
       <dgm:spPr/>
     </dgm:pt>
     <dgm:pt modelId="{2D0B4797-684A-42DF-BAFC-F41013DCD4AD}" type="pres">
-      <dgm:prSet presAssocID="{09884949-084A-4C0C-BFDB-C326FA1A17D5}" presName="connTx" presStyleLbl="parChTrans1D2" presStyleIdx="0" presStyleCnt="2"/>
+      <dgm:prSet presAssocID="{09884949-084A-4C0C-BFDB-C326FA1A17D5}" presName="connTx" presStyleLbl="parChTrans1D2" presStyleIdx="0" presStyleCnt="1"/>
       <dgm:spPr/>
     </dgm:pt>
     <dgm:pt modelId="{C13F199B-9144-45AE-96F8-3075E9D4024D}" type="pres">
@@ -2190,7 +2192,7 @@
       <dgm:spPr/>
     </dgm:pt>
     <dgm:pt modelId="{97413047-90FF-4E9B-8070-C1420D9BA39F}" type="pres">
-      <dgm:prSet presAssocID="{55395B5B-F408-4AE6-B5F7-FDCF69C1939C}" presName="LevelTwoTextNode" presStyleLbl="node2" presStyleIdx="0" presStyleCnt="2">
+      <dgm:prSet presAssocID="{55395B5B-F408-4AE6-B5F7-FDCF69C1939C}" presName="LevelTwoTextNode" presStyleLbl="node2" presStyleIdx="0" presStyleCnt="1">
         <dgm:presLayoutVars>
           <dgm:chPref val="3"/>
         </dgm:presLayoutVars>
@@ -2201,42 +2203,42 @@
       <dgm:prSet presAssocID="{55395B5B-F408-4AE6-B5F7-FDCF69C1939C}" presName="level3hierChild" presStyleCnt="0"/>
       <dgm:spPr/>
     </dgm:pt>
-    <dgm:pt modelId="{E5DB7764-3BDE-4CAD-8ACB-2F9F805F804F}" type="pres">
-      <dgm:prSet presAssocID="{F57D1E05-8D73-42BD-A427-C99631FB3EB3}" presName="conn2-1" presStyleLbl="parChTrans1D2" presStyleIdx="1" presStyleCnt="2"/>
+    <dgm:pt modelId="{D3D9519F-87CC-4125-810C-93BFABE2D170}" type="pres">
+      <dgm:prSet presAssocID="{9254D009-95F6-4DA5-AF6A-8AB07DDD074A}" presName="conn2-1" presStyleLbl="parChTrans1D3" presStyleIdx="0" presStyleCnt="1"/>
       <dgm:spPr/>
     </dgm:pt>
-    <dgm:pt modelId="{286581A1-3E56-495B-AE96-ECA968B6F383}" type="pres">
-      <dgm:prSet presAssocID="{F57D1E05-8D73-42BD-A427-C99631FB3EB3}" presName="connTx" presStyleLbl="parChTrans1D2" presStyleIdx="1" presStyleCnt="2"/>
+    <dgm:pt modelId="{430D3FBA-3DC1-4963-9D46-6FAAECC70D94}" type="pres">
+      <dgm:prSet presAssocID="{9254D009-95F6-4DA5-AF6A-8AB07DDD074A}" presName="connTx" presStyleLbl="parChTrans1D3" presStyleIdx="0" presStyleCnt="1"/>
       <dgm:spPr/>
     </dgm:pt>
-    <dgm:pt modelId="{5D809254-FD5D-408D-9837-53EE22D35A80}" type="pres">
-      <dgm:prSet presAssocID="{AD93DD70-B37E-4452-B256-5364963A35B1}" presName="root2" presStyleCnt="0"/>
+    <dgm:pt modelId="{0E5ACF4A-5D83-4756-B020-3EDEAA10B1A5}" type="pres">
+      <dgm:prSet presAssocID="{9CCEF8ED-6F3F-4013-B9A7-D173561B1DB5}" presName="root2" presStyleCnt="0"/>
       <dgm:spPr/>
     </dgm:pt>
-    <dgm:pt modelId="{6DECCC05-A168-424F-868A-1280C28B72B5}" type="pres">
-      <dgm:prSet presAssocID="{AD93DD70-B37E-4452-B256-5364963A35B1}" presName="LevelTwoTextNode" presStyleLbl="node2" presStyleIdx="1" presStyleCnt="2">
+    <dgm:pt modelId="{4BAECFCD-37E3-441B-8F9E-10E7C29F2690}" type="pres">
+      <dgm:prSet presAssocID="{9CCEF8ED-6F3F-4013-B9A7-D173561B1DB5}" presName="LevelTwoTextNode" presStyleLbl="node3" presStyleIdx="0" presStyleCnt="1">
         <dgm:presLayoutVars>
           <dgm:chPref val="3"/>
         </dgm:presLayoutVars>
       </dgm:prSet>
       <dgm:spPr/>
     </dgm:pt>
-    <dgm:pt modelId="{B72DABD8-F0B4-4751-9542-8D88102502DA}" type="pres">
-      <dgm:prSet presAssocID="{AD93DD70-B37E-4452-B256-5364963A35B1}" presName="level3hierChild" presStyleCnt="0"/>
+    <dgm:pt modelId="{B2A414AE-02EA-40F2-9C8E-C64BBA17158F}" type="pres">
+      <dgm:prSet presAssocID="{9CCEF8ED-6F3F-4013-B9A7-D173561B1DB5}" presName="level3hierChild" presStyleCnt="0"/>
       <dgm:spPr/>
     </dgm:pt>
   </dgm:ptLst>
   <dgm:cxnLst>
+    <dgm:cxn modelId="{79269D06-0D3E-47B3-90E6-F57A229AF2DA}" type="presOf" srcId="{9254D009-95F6-4DA5-AF6A-8AB07DDD074A}" destId="{D3D9519F-87CC-4125-810C-93BFABE2D170}" srcOrd="0" destOrd="0" presId="urn:microsoft.com/office/officeart/2005/8/layout/hierarchy2"/>
     <dgm:cxn modelId="{0EE00307-8C7E-4728-A874-9D0F3751448B}" type="presOf" srcId="{09884949-084A-4C0C-BFDB-C326FA1A17D5}" destId="{2D0B4797-684A-42DF-BAFC-F41013DCD4AD}" srcOrd="1" destOrd="0" presId="urn:microsoft.com/office/officeart/2005/8/layout/hierarchy2"/>
-    <dgm:cxn modelId="{64293220-C576-4AE8-A12E-4A93C2EDE557}" type="presOf" srcId="{F57D1E05-8D73-42BD-A427-C99631FB3EB3}" destId="{286581A1-3E56-495B-AE96-ECA968B6F383}" srcOrd="1" destOrd="0" presId="urn:microsoft.com/office/officeart/2005/8/layout/hierarchy2"/>
+    <dgm:cxn modelId="{492A454C-A9DD-4E34-AD75-39C110F63C9B}" type="presOf" srcId="{9254D009-95F6-4DA5-AF6A-8AB07DDD074A}" destId="{430D3FBA-3DC1-4963-9D46-6FAAECC70D94}" srcOrd="1" destOrd="0" presId="urn:microsoft.com/office/officeart/2005/8/layout/hierarchy2"/>
     <dgm:cxn modelId="{EC404A73-2DEE-462A-BB77-19F97034A27C}" type="presOf" srcId="{09884949-084A-4C0C-BFDB-C326FA1A17D5}" destId="{DE7CA87A-E23A-45B0-9ACD-88B63A3D6C92}" srcOrd="0" destOrd="0" presId="urn:microsoft.com/office/officeart/2005/8/layout/hierarchy2"/>
-    <dgm:cxn modelId="{E8804E7C-6E63-4EEF-9BB0-FE29FFB948FF}" srcId="{E2FE0495-ECBC-4679-9301-1ABB48A5D746}" destId="{AD93DD70-B37E-4452-B256-5364963A35B1}" srcOrd="1" destOrd="0" parTransId="{F57D1E05-8D73-42BD-A427-C99631FB3EB3}" sibTransId="{AF34034D-96AF-4643-A0C1-E343B06B9ADD}"/>
     <dgm:cxn modelId="{2897FD7C-E467-43AF-BFDA-47AA927AC68F}" srcId="{E2FE0495-ECBC-4679-9301-1ABB48A5D746}" destId="{55395B5B-F408-4AE6-B5F7-FDCF69C1939C}" srcOrd="0" destOrd="0" parTransId="{09884949-084A-4C0C-BFDB-C326FA1A17D5}" sibTransId="{1A636E3E-E569-4122-8A0E-BD306030C4E0}"/>
     <dgm:cxn modelId="{BB34317D-5B67-4C23-868E-2B5610652928}" type="presOf" srcId="{55395B5B-F408-4AE6-B5F7-FDCF69C1939C}" destId="{97413047-90FF-4E9B-8070-C1420D9BA39F}" srcOrd="0" destOrd="0" presId="urn:microsoft.com/office/officeart/2005/8/layout/hierarchy2"/>
+    <dgm:cxn modelId="{1951F589-DA35-4E8D-A147-2F59343B6A0D}" type="presOf" srcId="{9CCEF8ED-6F3F-4013-B9A7-D173561B1DB5}" destId="{4BAECFCD-37E3-441B-8F9E-10E7C29F2690}" srcOrd="0" destOrd="0" presId="urn:microsoft.com/office/officeart/2005/8/layout/hierarchy2"/>
     <dgm:cxn modelId="{CE911E9D-DC92-42D3-8996-65626081EA8D}" type="presOf" srcId="{E2FE0495-ECBC-4679-9301-1ABB48A5D746}" destId="{C8E9CBD6-6523-4C87-B71B-FE401A040FF1}" srcOrd="0" destOrd="0" presId="urn:microsoft.com/office/officeart/2005/8/layout/hierarchy2"/>
-    <dgm:cxn modelId="{C5D47DB0-96BE-469C-9883-A49302BF8E76}" type="presOf" srcId="{F57D1E05-8D73-42BD-A427-C99631FB3EB3}" destId="{E5DB7764-3BDE-4CAD-8ACB-2F9F805F804F}" srcOrd="0" destOrd="0" presId="urn:microsoft.com/office/officeart/2005/8/layout/hierarchy2"/>
     <dgm:cxn modelId="{95878BE4-674C-4A6C-9FB4-DE6D11B9CC81}" srcId="{D3B040BD-5B0D-4472-ADEB-FB65C983106C}" destId="{E2FE0495-ECBC-4679-9301-1ABB48A5D746}" srcOrd="0" destOrd="0" parTransId="{C0ECFB0B-2B5C-4ABF-B9C4-A470EC6343F0}" sibTransId="{101B6267-18D3-4622-AA87-8AFD7425E1B0}"/>
-    <dgm:cxn modelId="{C774FEF1-991E-4466-9403-6EB307825592}" type="presOf" srcId="{AD93DD70-B37E-4452-B256-5364963A35B1}" destId="{6DECCC05-A168-424F-868A-1280C28B72B5}" srcOrd="0" destOrd="0" presId="urn:microsoft.com/office/officeart/2005/8/layout/hierarchy2"/>
+    <dgm:cxn modelId="{7ECB37E7-1275-485D-A228-E2D7323437C7}" srcId="{55395B5B-F408-4AE6-B5F7-FDCF69C1939C}" destId="{9CCEF8ED-6F3F-4013-B9A7-D173561B1DB5}" srcOrd="0" destOrd="0" parTransId="{9254D009-95F6-4DA5-AF6A-8AB07DDD074A}" sibTransId="{47AF5D56-CF10-4445-945D-30B33E3A50A6}"/>
     <dgm:cxn modelId="{A5782DF7-FE88-4E37-9110-C9A254A165C8}" type="presOf" srcId="{D3B040BD-5B0D-4472-ADEB-FB65C983106C}" destId="{6CFE9FC3-3DE8-44FC-884D-EB04D639CA2F}" srcOrd="0" destOrd="0" presId="urn:microsoft.com/office/officeart/2005/8/layout/hierarchy2"/>
     <dgm:cxn modelId="{20B147FF-0869-4D6C-AF30-CC4DD434FDC6}" type="presParOf" srcId="{6CFE9FC3-3DE8-44FC-884D-EB04D639CA2F}" destId="{69A0D9E9-2158-4CEB-804A-BF2CABE99000}" srcOrd="0" destOrd="0" presId="urn:microsoft.com/office/officeart/2005/8/layout/hierarchy2"/>
     <dgm:cxn modelId="{6C466CA6-C706-45F2-8802-3F3AC84752D3}" type="presParOf" srcId="{69A0D9E9-2158-4CEB-804A-BF2CABE99000}" destId="{C8E9CBD6-6523-4C87-B71B-FE401A040FF1}" srcOrd="0" destOrd="0" presId="urn:microsoft.com/office/officeart/2005/8/layout/hierarchy2"/>
@@ -2246,11 +2248,11 @@
     <dgm:cxn modelId="{F340D519-BC16-457D-88D0-4D1252045533}" type="presParOf" srcId="{A02107FD-AB6B-4FBC-B30F-5AB339BF7B86}" destId="{C13F199B-9144-45AE-96F8-3075E9D4024D}" srcOrd="1" destOrd="0" presId="urn:microsoft.com/office/officeart/2005/8/layout/hierarchy2"/>
     <dgm:cxn modelId="{44FBC99E-E4A4-4AE5-9A52-6640B058B384}" type="presParOf" srcId="{C13F199B-9144-45AE-96F8-3075E9D4024D}" destId="{97413047-90FF-4E9B-8070-C1420D9BA39F}" srcOrd="0" destOrd="0" presId="urn:microsoft.com/office/officeart/2005/8/layout/hierarchy2"/>
     <dgm:cxn modelId="{A89B7393-FEA7-4B46-A21B-39E4773F278A}" type="presParOf" srcId="{C13F199B-9144-45AE-96F8-3075E9D4024D}" destId="{A98A0F78-3356-4691-935C-3CBA6B7835B3}" srcOrd="1" destOrd="0" presId="urn:microsoft.com/office/officeart/2005/8/layout/hierarchy2"/>
-    <dgm:cxn modelId="{FD31EB58-4C81-4651-AE3B-918AA33D3259}" type="presParOf" srcId="{A02107FD-AB6B-4FBC-B30F-5AB339BF7B86}" destId="{E5DB7764-3BDE-4CAD-8ACB-2F9F805F804F}" srcOrd="2" destOrd="0" presId="urn:microsoft.com/office/officeart/2005/8/layout/hierarchy2"/>
-    <dgm:cxn modelId="{B492A097-EE69-47F0-A05F-23048A0966DF}" type="presParOf" srcId="{E5DB7764-3BDE-4CAD-8ACB-2F9F805F804F}" destId="{286581A1-3E56-495B-AE96-ECA968B6F383}" srcOrd="0" destOrd="0" presId="urn:microsoft.com/office/officeart/2005/8/layout/hierarchy2"/>
-    <dgm:cxn modelId="{1F239F66-044C-4074-B5DE-7E1E64D9DF36}" type="presParOf" srcId="{A02107FD-AB6B-4FBC-B30F-5AB339BF7B86}" destId="{5D809254-FD5D-408D-9837-53EE22D35A80}" srcOrd="3" destOrd="0" presId="urn:microsoft.com/office/officeart/2005/8/layout/hierarchy2"/>
-    <dgm:cxn modelId="{61369134-1906-4D0C-B55A-5B4EAC55B560}" type="presParOf" srcId="{5D809254-FD5D-408D-9837-53EE22D35A80}" destId="{6DECCC05-A168-424F-868A-1280C28B72B5}" srcOrd="0" destOrd="0" presId="urn:microsoft.com/office/officeart/2005/8/layout/hierarchy2"/>
-    <dgm:cxn modelId="{DD6DCAC6-D41F-43A6-A8C1-C0B3C0B7504C}" type="presParOf" srcId="{5D809254-FD5D-408D-9837-53EE22D35A80}" destId="{B72DABD8-F0B4-4751-9542-8D88102502DA}" srcOrd="1" destOrd="0" presId="urn:microsoft.com/office/officeart/2005/8/layout/hierarchy2"/>
+    <dgm:cxn modelId="{B2AAEA09-CCE3-4897-AA32-F988091DD45E}" type="presParOf" srcId="{A98A0F78-3356-4691-935C-3CBA6B7835B3}" destId="{D3D9519F-87CC-4125-810C-93BFABE2D170}" srcOrd="0" destOrd="0" presId="urn:microsoft.com/office/officeart/2005/8/layout/hierarchy2"/>
+    <dgm:cxn modelId="{DC57D4FA-F121-40D0-8A9E-D5B6EF0DEE39}" type="presParOf" srcId="{D3D9519F-87CC-4125-810C-93BFABE2D170}" destId="{430D3FBA-3DC1-4963-9D46-6FAAECC70D94}" srcOrd="0" destOrd="0" presId="urn:microsoft.com/office/officeart/2005/8/layout/hierarchy2"/>
+    <dgm:cxn modelId="{026C0182-DF58-405D-8DAA-5B40A44C48E3}" type="presParOf" srcId="{A98A0F78-3356-4691-935C-3CBA6B7835B3}" destId="{0E5ACF4A-5D83-4756-B020-3EDEAA10B1A5}" srcOrd="1" destOrd="0" presId="urn:microsoft.com/office/officeart/2005/8/layout/hierarchy2"/>
+    <dgm:cxn modelId="{D70D1B72-F12E-4ECD-8F69-B45FDE362FC2}" type="presParOf" srcId="{0E5ACF4A-5D83-4756-B020-3EDEAA10B1A5}" destId="{4BAECFCD-37E3-441B-8F9E-10E7C29F2690}" srcOrd="0" destOrd="0" presId="urn:microsoft.com/office/officeart/2005/8/layout/hierarchy2"/>
+    <dgm:cxn modelId="{FB654B5D-EC81-49FA-B4B2-6F07A7163CAB}" type="presParOf" srcId="{0E5ACF4A-5D83-4756-B020-3EDEAA10B1A5}" destId="{B2A414AE-02EA-40F2-9C8E-C64BBA17158F}" srcOrd="1" destOrd="0" presId="urn:microsoft.com/office/officeart/2005/8/layout/hierarchy2"/>
   </dgm:cxnLst>
   <dgm:bg/>
   <dgm:whole/>
@@ -2645,8 +2647,8 @@
       </dsp:nvSpPr>
       <dsp:spPr>
         <a:xfrm>
-          <a:off x="403338" y="1164322"/>
-          <a:ext cx="4045384" cy="2022692"/>
+          <a:off x="1774" y="1484086"/>
+          <a:ext cx="2766329" cy="1383164"/>
         </a:xfrm>
         <a:prstGeom prst="roundRect">
           <a:avLst>
@@ -2685,12 +2687,12 @@
         </a:fontRef>
       </dsp:style>
       <dsp:txBody>
-        <a:bodyPr spcFirstLastPara="0" vert="horz" wrap="square" lIns="38735" tIns="38735" rIns="38735" bIns="38735" numCol="1" spcCol="1270" anchor="ctr" anchorCtr="0">
+        <a:bodyPr spcFirstLastPara="0" vert="horz" wrap="square" lIns="26670" tIns="26670" rIns="26670" bIns="26670" numCol="1" spcCol="1270" anchor="ctr" anchorCtr="0">
           <a:noAutofit/>
         </a:bodyPr>
         <a:lstStyle/>
         <a:p>
-          <a:pPr marL="0" lvl="0" indent="0" algn="ctr" defTabSz="2711450">
+          <a:pPr marL="0" lvl="0" indent="0" algn="ctr" defTabSz="1866900">
             <a:lnSpc>
               <a:spcPct val="90000"/>
             </a:lnSpc>
@@ -2703,15 +2705,15 @@
             <a:buNone/>
           </a:pPr>
           <a:r>
-            <a:rPr lang="en-US" sz="6100" kern="1200" dirty="0" err="1"/>
+            <a:rPr lang="en-US" sz="4200" kern="1200" dirty="0" err="1"/>
             <a:t>EVMods</a:t>
           </a:r>
-          <a:endParaRPr lang="en-US" sz="6100" kern="1200" dirty="0"/>
+          <a:endParaRPr lang="en-US" sz="4200" kern="1200" dirty="0"/>
         </a:p>
       </dsp:txBody>
       <dsp:txXfrm>
-        <a:off x="462581" y="1223565"/>
-        <a:ext cx="3926898" cy="1904206"/>
+        <a:off x="42285" y="1524597"/>
+        <a:ext cx="2685307" cy="1302142"/>
       </dsp:txXfrm>
     </dsp:sp>
     <dsp:sp modelId="{DE7CA87A-E23A-45B0-9ACD-88B63A3D6C92}">
@@ -2720,9 +2722,9 @@
         <dsp:cNvSpPr/>
       </dsp:nvSpPr>
       <dsp:spPr>
-        <a:xfrm rot="19457599">
-          <a:off x="4261418" y="1552309"/>
-          <a:ext cx="1992762" cy="83671"/>
+        <a:xfrm>
+          <a:off x="2768103" y="2147060"/>
+          <a:ext cx="1106531" cy="57216"/>
         </a:xfrm>
         <a:custGeom>
           <a:avLst/>
@@ -2733,10 +2735,10 @@
           <a:pathLst>
             <a:path>
               <a:moveTo>
-                <a:pt x="0" y="41835"/>
+                <a:pt x="0" y="28608"/>
               </a:moveTo>
               <a:lnTo>
-                <a:pt x="1992762" y="41835"/>
+                <a:pt x="1106531" y="28608"/>
               </a:lnTo>
             </a:path>
           </a:pathLst>
@@ -2775,7 +2777,7 @@
         </a:bodyPr>
         <a:lstStyle/>
         <a:p>
-          <a:pPr marL="0" lvl="0" indent="0" algn="ctr" defTabSz="311150">
+          <a:pPr marL="0" lvl="0" indent="0" algn="ctr" defTabSz="222250">
             <a:lnSpc>
               <a:spcPct val="90000"/>
             </a:lnSpc>
@@ -2787,12 +2789,12 @@
             </a:spcAft>
             <a:buNone/>
           </a:pPr>
-          <a:endParaRPr lang="en-US" sz="700" kern="1200"/>
+          <a:endParaRPr lang="en-US" sz="500" kern="1200"/>
         </a:p>
       </dsp:txBody>
       <dsp:txXfrm>
-        <a:off x="5207980" y="1544325"/>
-        <a:ext cx="99638" cy="99638"/>
+        <a:off x="3293706" y="2148005"/>
+        <a:ext cx="55326" cy="55326"/>
       </dsp:txXfrm>
     </dsp:sp>
     <dsp:sp modelId="{97413047-90FF-4E9B-8070-C1420D9BA39F}">
@@ -2802,8 +2804,8 @@
       </dsp:nvSpPr>
       <dsp:spPr>
         <a:xfrm>
-          <a:off x="6066876" y="1274"/>
-          <a:ext cx="4045384" cy="2022692"/>
+          <a:off x="3874635" y="1484086"/>
+          <a:ext cx="2766329" cy="1383164"/>
         </a:xfrm>
         <a:prstGeom prst="roundRect">
           <a:avLst>
@@ -2842,12 +2844,12 @@
         </a:fontRef>
       </dsp:style>
       <dsp:txBody>
-        <a:bodyPr spcFirstLastPara="0" vert="horz" wrap="square" lIns="38735" tIns="38735" rIns="38735" bIns="38735" numCol="1" spcCol="1270" anchor="ctr" anchorCtr="0">
+        <a:bodyPr spcFirstLastPara="0" vert="horz" wrap="square" lIns="26670" tIns="26670" rIns="26670" bIns="26670" numCol="1" spcCol="1270" anchor="ctr" anchorCtr="0">
           <a:noAutofit/>
         </a:bodyPr>
         <a:lstStyle/>
         <a:p>
-          <a:pPr marL="0" lvl="0" indent="0" algn="ctr" defTabSz="2711450">
+          <a:pPr marL="0" lvl="0" indent="0" algn="ctr" defTabSz="1866900">
             <a:lnSpc>
               <a:spcPct val="90000"/>
             </a:lnSpc>
@@ -2860,25 +2862,25 @@
             <a:buNone/>
           </a:pPr>
           <a:r>
-            <a:rPr lang="en-US" sz="6100" kern="1200" dirty="0"/>
+            <a:rPr lang="en-US" sz="4200" kern="1200" dirty="0"/>
             <a:t>PokemonG3</a:t>
           </a:r>
         </a:p>
       </dsp:txBody>
       <dsp:txXfrm>
-        <a:off x="6126119" y="60517"/>
-        <a:ext cx="3926898" cy="1904206"/>
+        <a:off x="3915146" y="1524597"/>
+        <a:ext cx="2685307" cy="1302142"/>
       </dsp:txXfrm>
     </dsp:sp>
-    <dsp:sp modelId="{E5DB7764-3BDE-4CAD-8ACB-2F9F805F804F}">
+    <dsp:sp modelId="{D3D9519F-87CC-4125-810C-93BFABE2D170}">
       <dsp:nvSpPr>
         <dsp:cNvPr id="0" name=""/>
         <dsp:cNvSpPr/>
       </dsp:nvSpPr>
       <dsp:spPr>
-        <a:xfrm rot="2142401">
-          <a:off x="4261418" y="2715357"/>
-          <a:ext cx="1992762" cy="83671"/>
+        <a:xfrm>
+          <a:off x="6640964" y="2147060"/>
+          <a:ext cx="1106531" cy="57216"/>
         </a:xfrm>
         <a:custGeom>
           <a:avLst/>
@@ -2889,10 +2891,10 @@
           <a:pathLst>
             <a:path>
               <a:moveTo>
-                <a:pt x="0" y="41835"/>
+                <a:pt x="0" y="28608"/>
               </a:moveTo>
               <a:lnTo>
-                <a:pt x="1992762" y="41835"/>
+                <a:pt x="1106531" y="28608"/>
               </a:lnTo>
             </a:path>
           </a:pathLst>
@@ -2901,7 +2903,7 @@
         <a:ln w="12700" cap="flat" cmpd="sng" algn="ctr">
           <a:solidFill>
             <a:schemeClr val="accent1">
-              <a:shade val="60000"/>
+              <a:shade val="80000"/>
               <a:hueOff val="0"/>
               <a:satOff val="0"/>
               <a:lumOff val="0"/>
@@ -2931,7 +2933,7 @@
         </a:bodyPr>
         <a:lstStyle/>
         <a:p>
-          <a:pPr marL="0" lvl="0" indent="0" algn="ctr" defTabSz="311150">
+          <a:pPr marL="0" lvl="0" indent="0" algn="ctr" defTabSz="222250">
             <a:lnSpc>
               <a:spcPct val="90000"/>
             </a:lnSpc>
@@ -2943,23 +2945,23 @@
             </a:spcAft>
             <a:buNone/>
           </a:pPr>
-          <a:endParaRPr lang="en-US" sz="700" kern="1200"/>
+          <a:endParaRPr lang="en-US" sz="500" kern="1200"/>
         </a:p>
       </dsp:txBody>
       <dsp:txXfrm>
-        <a:off x="5207980" y="2707373"/>
-        <a:ext cx="99638" cy="99638"/>
+        <a:off x="7166567" y="2148005"/>
+        <a:ext cx="55326" cy="55326"/>
       </dsp:txXfrm>
     </dsp:sp>
-    <dsp:sp modelId="{6DECCC05-A168-424F-868A-1280C28B72B5}">
+    <dsp:sp modelId="{4BAECFCD-37E3-441B-8F9E-10E7C29F2690}">
       <dsp:nvSpPr>
         <dsp:cNvPr id="0" name=""/>
         <dsp:cNvSpPr/>
       </dsp:nvSpPr>
       <dsp:spPr>
         <a:xfrm>
-          <a:off x="6066876" y="2327370"/>
-          <a:ext cx="4045384" cy="2022692"/>
+          <a:off x="7747496" y="1484086"/>
+          <a:ext cx="2766329" cy="1383164"/>
         </a:xfrm>
         <a:prstGeom prst="roundRect">
           <a:avLst>
@@ -2967,7 +2969,12 @@
           </a:avLst>
         </a:prstGeom>
         <a:solidFill>
-          <a:srgbClr val="D4B9FF"/>
+          <a:schemeClr val="accent1">
+            <a:hueOff val="0"/>
+            <a:satOff val="0"/>
+            <a:lumOff val="0"/>
+            <a:alphaOff val="0"/>
+          </a:schemeClr>
         </a:solidFill>
         <a:ln w="12700" cap="flat" cmpd="sng" algn="ctr">
           <a:solidFill>
@@ -2998,12 +3005,12 @@
         </a:fontRef>
       </dsp:style>
       <dsp:txBody>
-        <a:bodyPr spcFirstLastPara="0" vert="horz" wrap="square" lIns="38735" tIns="38735" rIns="38735" bIns="38735" numCol="1" spcCol="1270" anchor="ctr" anchorCtr="0">
+        <a:bodyPr spcFirstLastPara="0" vert="horz" wrap="square" lIns="26670" tIns="26670" rIns="26670" bIns="26670" numCol="1" spcCol="1270" anchor="ctr" anchorCtr="0">
           <a:noAutofit/>
         </a:bodyPr>
         <a:lstStyle/>
         <a:p>
-          <a:pPr marL="0" lvl="0" indent="0" algn="ctr" defTabSz="2711450">
+          <a:pPr marL="0" lvl="0" indent="0" algn="ctr" defTabSz="1866900">
             <a:lnSpc>
               <a:spcPct val="90000"/>
             </a:lnSpc>
@@ -3016,14 +3023,14 @@
             <a:buNone/>
           </a:pPr>
           <a:r>
-            <a:rPr lang="en-US" sz="6100" kern="1200" dirty="0"/>
-            <a:t>EVModsG4</a:t>
+            <a:rPr lang="en-US" sz="4200" kern="1200" dirty="0"/>
+            <a:t>PokemonG4</a:t>
           </a:r>
         </a:p>
       </dsp:txBody>
       <dsp:txXfrm>
-        <a:off x="6126119" y="2386613"/>
-        <a:ext cx="3926898" cy="1904206"/>
+        <a:off x="7788007" y="1524597"/>
+        <a:ext cx="2685307" cy="1302142"/>
       </dsp:txXfrm>
     </dsp:sp>
   </dsp:spTree>
@@ -6171,7 +6178,7 @@
           <a:p>
             <a:fld id="{8683F127-5722-4A5D-A693-71685CFA9954}" type="datetimeFigureOut">
               <a:rPr lang="en-US" smtClean="0"/>
-              <a:t>7/24/2020</a:t>
+              <a:t>7/31/2020</a:t>
             </a:fld>
             <a:endParaRPr lang="en-US"/>
           </a:p>
@@ -6369,7 +6376,7 @@
           <a:p>
             <a:fld id="{8683F127-5722-4A5D-A693-71685CFA9954}" type="datetimeFigureOut">
               <a:rPr lang="en-US" smtClean="0"/>
-              <a:t>7/24/2020</a:t>
+              <a:t>7/31/2020</a:t>
             </a:fld>
             <a:endParaRPr lang="en-US"/>
           </a:p>
@@ -6577,7 +6584,7 @@
           <a:p>
             <a:fld id="{8683F127-5722-4A5D-A693-71685CFA9954}" type="datetimeFigureOut">
               <a:rPr lang="en-US" smtClean="0"/>
-              <a:t>7/24/2020</a:t>
+              <a:t>7/31/2020</a:t>
             </a:fld>
             <a:endParaRPr lang="en-US"/>
           </a:p>
@@ -6775,7 +6782,7 @@
           <a:p>
             <a:fld id="{8683F127-5722-4A5D-A693-71685CFA9954}" type="datetimeFigureOut">
               <a:rPr lang="en-US" smtClean="0"/>
-              <a:t>7/24/2020</a:t>
+              <a:t>7/31/2020</a:t>
             </a:fld>
             <a:endParaRPr lang="en-US"/>
           </a:p>
@@ -7050,7 +7057,7 @@
           <a:p>
             <a:fld id="{8683F127-5722-4A5D-A693-71685CFA9954}" type="datetimeFigureOut">
               <a:rPr lang="en-US" smtClean="0"/>
-              <a:t>7/24/2020</a:t>
+              <a:t>7/31/2020</a:t>
             </a:fld>
             <a:endParaRPr lang="en-US"/>
           </a:p>
@@ -7315,7 +7322,7 @@
           <a:p>
             <a:fld id="{8683F127-5722-4A5D-A693-71685CFA9954}" type="datetimeFigureOut">
               <a:rPr lang="en-US" smtClean="0"/>
-              <a:t>7/24/2020</a:t>
+              <a:t>7/31/2020</a:t>
             </a:fld>
             <a:endParaRPr lang="en-US"/>
           </a:p>
@@ -7727,7 +7734,7 @@
           <a:p>
             <a:fld id="{8683F127-5722-4A5D-A693-71685CFA9954}" type="datetimeFigureOut">
               <a:rPr lang="en-US" smtClean="0"/>
-              <a:t>7/24/2020</a:t>
+              <a:t>7/31/2020</a:t>
             </a:fld>
             <a:endParaRPr lang="en-US"/>
           </a:p>
@@ -7868,7 +7875,7 @@
           <a:p>
             <a:fld id="{8683F127-5722-4A5D-A693-71685CFA9954}" type="datetimeFigureOut">
               <a:rPr lang="en-US" smtClean="0"/>
-              <a:t>7/24/2020</a:t>
+              <a:t>7/31/2020</a:t>
             </a:fld>
             <a:endParaRPr lang="en-US"/>
           </a:p>
@@ -7981,7 +7988,7 @@
           <a:p>
             <a:fld id="{8683F127-5722-4A5D-A693-71685CFA9954}" type="datetimeFigureOut">
               <a:rPr lang="en-US" smtClean="0"/>
-              <a:t>7/24/2020</a:t>
+              <a:t>7/31/2020</a:t>
             </a:fld>
             <a:endParaRPr lang="en-US"/>
           </a:p>
@@ -8292,7 +8299,7 @@
           <a:p>
             <a:fld id="{8683F127-5722-4A5D-A693-71685CFA9954}" type="datetimeFigureOut">
               <a:rPr lang="en-US" smtClean="0"/>
-              <a:t>7/24/2020</a:t>
+              <a:t>7/31/2020</a:t>
             </a:fld>
             <a:endParaRPr lang="en-US"/>
           </a:p>
@@ -8580,7 +8587,7 @@
           <a:p>
             <a:fld id="{8683F127-5722-4A5D-A693-71685CFA9954}" type="datetimeFigureOut">
               <a:rPr lang="en-US" smtClean="0"/>
-              <a:t>7/24/2020</a:t>
+              <a:t>7/31/2020</a:t>
             </a:fld>
             <a:endParaRPr lang="en-US"/>
           </a:p>
@@ -8821,7 +8828,7 @@
           <a:p>
             <a:fld id="{8683F127-5722-4A5D-A693-71685CFA9954}" type="datetimeFigureOut">
               <a:rPr lang="en-US" smtClean="0"/>
-              <a:t>7/24/2020</a:t>
+              <a:t>7/31/2020</a:t>
             </a:fld>
             <a:endParaRPr lang="en-US"/>
           </a:p>
@@ -9327,12 +9334,12 @@
 </file>
 
 <file path=ppt/slides/slide10.xml><?xml version="1.0" encoding="utf-8"?>
-<p:sld xmlns:a="http://schemas.openxmlformats.org/drawingml/2006/main" xmlns:r="http://schemas.openxmlformats.org/officeDocument/2006/relationships" xmlns:p="http://schemas.openxmlformats.org/presentationml/2006/main">
+<p:sld xmlns:a="http://schemas.openxmlformats.org/drawingml/2006/main" xmlns:r="http://schemas.openxmlformats.org/officeDocument/2006/relationships" xmlns:p="http://schemas.openxmlformats.org/presentationml/2006/main" show="0">
   <p:cSld>
     <p:bg>
       <p:bgPr>
         <a:solidFill>
-          <a:srgbClr val="BDA29F"/>
+          <a:srgbClr val="D4B9FF"/>
         </a:solidFill>
         <a:effectLst/>
       </p:bgPr>
@@ -9353,10 +9360,10 @@
       </p:grpSpPr>
       <p:sp>
         <p:nvSpPr>
-          <p:cNvPr id="4" name="Title 3">
+          <p:cNvPr id="2" name="Title 1">
             <a:extLst>
               <a:ext uri="{FF2B5EF4-FFF2-40B4-BE49-F238E27FC236}">
-                <a16:creationId xmlns:a16="http://schemas.microsoft.com/office/drawing/2014/main" id="{5CF680DB-865E-4582-94B8-A0452A00D434}"/>
+                <a16:creationId xmlns:a16="http://schemas.microsoft.com/office/drawing/2014/main" id="{DE3AD186-F4BD-4DFC-9D88-5CBECE66F389}"/>
               </a:ext>
             </a:extLst>
           </p:cNvPr>
@@ -9374,17 +9381,17 @@
           <a:p>
             <a:r>
               <a:rPr lang="en-US" dirty="0"/>
-              <a:t>Stat Types</a:t>
+              <a:t>Interface: EVModsG4</a:t>
             </a:r>
           </a:p>
         </p:txBody>
       </p:sp>
       <p:sp>
         <p:nvSpPr>
-          <p:cNvPr id="6" name="Content Placeholder 5">
+          <p:cNvPr id="5" name="Content Placeholder 4">
             <a:extLst>
               <a:ext uri="{FF2B5EF4-FFF2-40B4-BE49-F238E27FC236}">
-                <a16:creationId xmlns:a16="http://schemas.microsoft.com/office/drawing/2014/main" id="{D884021E-8786-4CEA-BD90-89D011831542}"/>
+                <a16:creationId xmlns:a16="http://schemas.microsoft.com/office/drawing/2014/main" id="{E339DA95-E903-4B14-80A4-3E8C57351168}"/>
               </a:ext>
             </a:extLst>
           </p:cNvPr>
@@ -9395,25 +9402,68 @@
             <p:ph idx="1"/>
           </p:nvPr>
         </p:nvSpPr>
-        <p:spPr>
-          <a:xfrm>
-            <a:off x="838200" y="1825625"/>
-            <a:ext cx="4515709" cy="4351338"/>
-          </a:xfrm>
-        </p:spPr>
+        <p:spPr/>
         <p:txBody>
           <a:bodyPr/>
           <a:lstStyle/>
           <a:p>
             <a:r>
-              <a:rPr lang="en-US" dirty="0"/>
-              <a:t>Type: int</a:t>
-            </a:r>
-          </a:p>
-          <a:p>
-            <a:r>
-              <a:rPr lang="en-US" dirty="0"/>
-              <a:t>Modifier: private</a:t>
+              <a:rPr lang="en-US" dirty="0">
+                <a:solidFill>
+                  <a:srgbClr val="E50101"/>
+                </a:solidFill>
+              </a:rPr>
+              <a:t>weight()</a:t>
+            </a:r>
+          </a:p>
+          <a:p>
+            <a:r>
+              <a:rPr lang="en-US" dirty="0">
+                <a:solidFill>
+                  <a:schemeClr val="accent2"/>
+                </a:solidFill>
+              </a:rPr>
+              <a:t>bracer()</a:t>
+            </a:r>
+          </a:p>
+          <a:p>
+            <a:r>
+              <a:rPr lang="en-US" dirty="0">
+                <a:solidFill>
+                  <a:schemeClr val="accent4"/>
+                </a:solidFill>
+              </a:rPr>
+              <a:t>belt()</a:t>
+            </a:r>
+          </a:p>
+          <a:p>
+            <a:r>
+              <a:rPr lang="en-US" dirty="0">
+                <a:solidFill>
+                  <a:schemeClr val="accent5"/>
+                </a:solidFill>
+              </a:rPr>
+              <a:t>lens()</a:t>
+            </a:r>
+          </a:p>
+          <a:p>
+            <a:r>
+              <a:rPr lang="en-US" dirty="0">
+                <a:solidFill>
+                  <a:schemeClr val="accent6"/>
+                </a:solidFill>
+              </a:rPr>
+              <a:t>band()</a:t>
+            </a:r>
+          </a:p>
+          <a:p>
+            <a:r>
+              <a:rPr lang="en-US" dirty="0">
+                <a:solidFill>
+                  <a:srgbClr val="FF118E"/>
+                </a:solidFill>
+              </a:rPr>
+              <a:t>anklet()</a:t>
             </a:r>
           </a:p>
           <a:p>
@@ -9425,43 +9475,15 @@
             </a:pPr>
             <a:r>
               <a:rPr lang="en-US" dirty="0"/>
-              <a:t>The EV points the Pokémon has.</a:t>
+              <a:t>Increases EV values per battle. Implemented differently by gen.</a:t>
             </a:r>
           </a:p>
         </p:txBody>
       </p:sp>
-      <p:graphicFrame>
-        <p:nvGraphicFramePr>
-          <p:cNvPr id="5" name="Diagram 4">
-            <a:extLst>
-              <a:ext uri="{FF2B5EF4-FFF2-40B4-BE49-F238E27FC236}">
-                <a16:creationId xmlns:a16="http://schemas.microsoft.com/office/drawing/2014/main" id="{896D6815-AA0E-468E-AA66-9DAD5D416052}"/>
-              </a:ext>
-            </a:extLst>
-          </p:cNvPr>
-          <p:cNvGraphicFramePr/>
-          <p:nvPr>
-            <p:extLst>
-              <p:ext uri="{D42A27DB-BD31-4B8C-83A1-F6EECF244321}">
-                <p14:modId xmlns:p14="http://schemas.microsoft.com/office/powerpoint/2010/main" val="474902718"/>
-              </p:ext>
-            </p:extLst>
-          </p:nvPr>
-        </p:nvGraphicFramePr>
-        <p:xfrm>
-          <a:off x="5353909" y="719666"/>
-          <a:ext cx="5999891" cy="5418667"/>
-        </p:xfrm>
-        <a:graphic>
-          <a:graphicData uri="http://schemas.openxmlformats.org/drawingml/2006/diagram">
-            <dgm:relIds xmlns:dgm="http://schemas.openxmlformats.org/drawingml/2006/diagram" xmlns:r="http://schemas.openxmlformats.org/officeDocument/2006/relationships" r:dm="rId2" r:lo="rId3" r:qs="rId4" r:cs="rId5"/>
-          </a:graphicData>
-        </a:graphic>
-      </p:graphicFrame>
     </p:spTree>
     <p:extLst>
       <p:ext uri="{BB962C8B-B14F-4D97-AF65-F5344CB8AC3E}">
-        <p14:creationId xmlns:p14="http://schemas.microsoft.com/office/powerpoint/2010/main" val="276238037"/>
+        <p14:creationId xmlns:p14="http://schemas.microsoft.com/office/powerpoint/2010/main" val="1758318770"/>
       </p:ext>
     </p:extLst>
   </p:cSld>
@@ -9518,10 +9540,9 @@
           <a:lstStyle/>
           <a:p>
             <a:r>
-              <a:rPr lang="en-US" dirty="0" err="1"/>
-              <a:t>totalEv</a:t>
-            </a:r>
-            <a:endParaRPr lang="en-US" dirty="0"/>
+              <a:rPr lang="en-US" dirty="0"/>
+              <a:t>Class: PokemonG3</a:t>
+            </a:r>
           </a:p>
         </p:txBody>
       </p:sp>
@@ -9538,7 +9559,7 @@
             <a:spLocks noGrp="1"/>
           </p:cNvSpPr>
           <p:nvPr>
-            <p:ph idx="1"/>
+            <p:ph sz="half" idx="1"/>
           </p:nvPr>
         </p:nvSpPr>
         <p:spPr/>
@@ -9546,27 +9567,91 @@
           <a:bodyPr/>
           <a:lstStyle/>
           <a:p>
-            <a:r>
-              <a:rPr lang="en-US" dirty="0"/>
-              <a:t>Type: int</a:t>
-            </a:r>
-          </a:p>
-          <a:p>
-            <a:r>
-              <a:rPr lang="en-US" dirty="0"/>
-              <a:t>Modifier: private</a:t>
-            </a:r>
-          </a:p>
-          <a:p>
-            <a:endParaRPr lang="en-US" dirty="0"/>
-          </a:p>
-          <a:p>
             <a:pPr marL="0" indent="0">
               <a:buNone/>
             </a:pPr>
             <a:r>
               <a:rPr lang="en-US" dirty="0"/>
-              <a:t>Stores total EV held by the Pokémon. Used to compare with 510 limit.</a:t>
+              <a:t>Members:</a:t>
+            </a:r>
+          </a:p>
+          <a:p>
+            <a:r>
+              <a:rPr lang="en-US" dirty="0"/>
+              <a:t>&lt;stat types&gt;</a:t>
+            </a:r>
+          </a:p>
+          <a:p>
+            <a:r>
+              <a:rPr lang="en-US" dirty="0" err="1"/>
+              <a:t>totalEv</a:t>
+            </a:r>
+            <a:endParaRPr lang="en-US" dirty="0"/>
+          </a:p>
+          <a:p>
+            <a:r>
+              <a:rPr lang="en-US" dirty="0"/>
+              <a:t>equipment</a:t>
+            </a:r>
+          </a:p>
+          <a:p>
+            <a:r>
+              <a:rPr lang="en-US" dirty="0" err="1"/>
+              <a:t>pokerus</a:t>
+            </a:r>
+            <a:endParaRPr lang="en-US" dirty="0"/>
+          </a:p>
+          <a:p>
+            <a:r>
+              <a:rPr lang="en-US" dirty="0"/>
+              <a:t>name</a:t>
+            </a:r>
+          </a:p>
+        </p:txBody>
+      </p:sp>
+      <p:sp>
+        <p:nvSpPr>
+          <p:cNvPr id="5" name="Content Placeholder 4">
+            <a:extLst>
+              <a:ext uri="{FF2B5EF4-FFF2-40B4-BE49-F238E27FC236}">
+                <a16:creationId xmlns:a16="http://schemas.microsoft.com/office/drawing/2014/main" id="{6A95C44A-8A61-4569-A819-8E3DBE20F60E}"/>
+              </a:ext>
+            </a:extLst>
+          </p:cNvPr>
+          <p:cNvSpPr>
+            <a:spLocks noGrp="1"/>
+          </p:cNvSpPr>
+          <p:nvPr>
+            <p:ph sz="half" idx="2"/>
+          </p:nvPr>
+        </p:nvSpPr>
+        <p:spPr/>
+        <p:txBody>
+          <a:bodyPr/>
+          <a:lstStyle/>
+          <a:p>
+            <a:pPr marL="0" indent="0">
+              <a:buNone/>
+            </a:pPr>
+            <a:r>
+              <a:rPr lang="en-US" dirty="0"/>
+              <a:t>Methods:</a:t>
+            </a:r>
+          </a:p>
+          <a:p>
+            <a:r>
+              <a:rPr lang="en-US" dirty="0"/>
+              <a:t>equip()</a:t>
+            </a:r>
+          </a:p>
+          <a:p>
+            <a:r>
+              <a:rPr lang="en-US" dirty="0" err="1"/>
+              <a:t>pokerus</a:t>
+            </a:r>
+            <a:r>
+              <a:rPr lang="en-US" dirty="0"/>
+              <a:t>()</a:t>
             </a:r>
           </a:p>
         </p:txBody>
@@ -9574,7 +9659,7 @@
     </p:spTree>
     <p:extLst>
       <p:ext uri="{BB962C8B-B14F-4D97-AF65-F5344CB8AC3E}">
-        <p14:creationId xmlns:p14="http://schemas.microsoft.com/office/powerpoint/2010/main" val="3083328179"/>
+        <p14:creationId xmlns:p14="http://schemas.microsoft.com/office/powerpoint/2010/main" val="795195879"/>
       </p:ext>
     </p:extLst>
   </p:cSld>
@@ -9611,10 +9696,10 @@
       </p:grpSpPr>
       <p:sp>
         <p:nvSpPr>
-          <p:cNvPr id="2" name="Title 1">
+          <p:cNvPr id="4" name="Title 3">
             <a:extLst>
               <a:ext uri="{FF2B5EF4-FFF2-40B4-BE49-F238E27FC236}">
-                <a16:creationId xmlns:a16="http://schemas.microsoft.com/office/drawing/2014/main" id="{A0258CB8-C11B-46BB-BC49-E030980140A8}"/>
+                <a16:creationId xmlns:a16="http://schemas.microsoft.com/office/drawing/2014/main" id="{5CF680DB-865E-4582-94B8-A0452A00D434}"/>
               </a:ext>
             </a:extLst>
           </p:cNvPr>
@@ -9631,19 +9716,18 @@
           <a:lstStyle/>
           <a:p>
             <a:r>
-              <a:rPr lang="en-US" dirty="0" err="1"/>
-              <a:t>mBrace</a:t>
-            </a:r>
-            <a:endParaRPr lang="en-US" dirty="0"/>
+              <a:rPr lang="en-US" dirty="0"/>
+              <a:t>Stat Types</a:t>
+            </a:r>
           </a:p>
         </p:txBody>
       </p:sp>
       <p:sp>
         <p:nvSpPr>
-          <p:cNvPr id="4" name="Content Placeholder 3">
+          <p:cNvPr id="6" name="Content Placeholder 5">
             <a:extLst>
               <a:ext uri="{FF2B5EF4-FFF2-40B4-BE49-F238E27FC236}">
-                <a16:creationId xmlns:a16="http://schemas.microsoft.com/office/drawing/2014/main" id="{E2E0396D-392A-48E8-98F8-482AE1EE50C4}"/>
+                <a16:creationId xmlns:a16="http://schemas.microsoft.com/office/drawing/2014/main" id="{D884021E-8786-4CEA-BD90-89D011831542}"/>
               </a:ext>
             </a:extLst>
           </p:cNvPr>
@@ -9654,20 +9738,20 @@
             <p:ph idx="1"/>
           </p:nvPr>
         </p:nvSpPr>
-        <p:spPr/>
+        <p:spPr>
+          <a:xfrm>
+            <a:off x="838200" y="1825625"/>
+            <a:ext cx="4515709" cy="4351338"/>
+          </a:xfrm>
+        </p:spPr>
         <p:txBody>
           <a:bodyPr/>
           <a:lstStyle/>
           <a:p>
             <a:r>
               <a:rPr lang="en-US" dirty="0"/>
-              <a:t>Type: </a:t>
-            </a:r>
-            <a:r>
-              <a:rPr lang="en-US" dirty="0" err="1"/>
-              <a:t>boolean</a:t>
-            </a:r>
-            <a:endParaRPr lang="en-US" dirty="0"/>
+              <a:t>Type: int</a:t>
+            </a:r>
           </a:p>
           <a:p>
             <a:r>
@@ -9684,24 +9768,43 @@
             </a:pPr>
             <a:r>
               <a:rPr lang="en-US" dirty="0"/>
-              <a:t>Stands for Macho Brace. Doubles amount of EV earned per battle.</a:t>
-            </a:r>
-          </a:p>
-          <a:p>
-            <a:pPr marL="0" indent="0">
-              <a:buNone/>
-            </a:pPr>
-            <a:r>
-              <a:rPr lang="en-US" dirty="0"/>
-              <a:t>true = equipped, false = unequipped</a:t>
+              <a:t>The EV points the Pokémon has.</a:t>
             </a:r>
           </a:p>
         </p:txBody>
       </p:sp>
+      <p:graphicFrame>
+        <p:nvGraphicFramePr>
+          <p:cNvPr id="5" name="Diagram 4">
+            <a:extLst>
+              <a:ext uri="{FF2B5EF4-FFF2-40B4-BE49-F238E27FC236}">
+                <a16:creationId xmlns:a16="http://schemas.microsoft.com/office/drawing/2014/main" id="{896D6815-AA0E-468E-AA66-9DAD5D416052}"/>
+              </a:ext>
+            </a:extLst>
+          </p:cNvPr>
+          <p:cNvGraphicFramePr/>
+          <p:nvPr>
+            <p:extLst>
+              <p:ext uri="{D42A27DB-BD31-4B8C-83A1-F6EECF244321}">
+                <p14:modId xmlns:p14="http://schemas.microsoft.com/office/powerpoint/2010/main" val="474902718"/>
+              </p:ext>
+            </p:extLst>
+          </p:nvPr>
+        </p:nvGraphicFramePr>
+        <p:xfrm>
+          <a:off x="5353909" y="719666"/>
+          <a:ext cx="5999891" cy="5418667"/>
+        </p:xfrm>
+        <a:graphic>
+          <a:graphicData uri="http://schemas.openxmlformats.org/drawingml/2006/diagram">
+            <dgm:relIds xmlns:dgm="http://schemas.openxmlformats.org/drawingml/2006/diagram" xmlns:r="http://schemas.openxmlformats.org/officeDocument/2006/relationships" r:dm="rId2" r:lo="rId3" r:qs="rId4" r:cs="rId5"/>
+          </a:graphicData>
+        </a:graphic>
+      </p:graphicFrame>
     </p:spTree>
     <p:extLst>
       <p:ext uri="{BB962C8B-B14F-4D97-AF65-F5344CB8AC3E}">
-        <p14:creationId xmlns:p14="http://schemas.microsoft.com/office/powerpoint/2010/main" val="942501396"/>
+        <p14:creationId xmlns:p14="http://schemas.microsoft.com/office/powerpoint/2010/main" val="276238037"/>
       </p:ext>
     </p:extLst>
   </p:cSld>
@@ -9752,19 +9855,16 @@
             <p:ph type="title"/>
           </p:nvPr>
         </p:nvSpPr>
-        <p:spPr>
-          <a:solidFill>
-            <a:srgbClr val="BDA29F"/>
-          </a:solidFill>
-        </p:spPr>
+        <p:spPr/>
         <p:txBody>
           <a:bodyPr/>
           <a:lstStyle/>
           <a:p>
             <a:r>
-              <a:rPr lang="en-US" dirty="0"/>
-              <a:t>name</a:t>
-            </a:r>
+              <a:rPr lang="en-US" dirty="0" err="1"/>
+              <a:t>totalEv</a:t>
+            </a:r>
+            <a:endParaRPr lang="en-US" dirty="0"/>
           </a:p>
         </p:txBody>
       </p:sp>
@@ -9791,7 +9891,7 @@
           <a:p>
             <a:r>
               <a:rPr lang="en-US" dirty="0"/>
-              <a:t>Type: String</a:t>
+              <a:t>Type: int</a:t>
             </a:r>
           </a:p>
           <a:p>
@@ -9809,7 +9909,7 @@
             </a:pPr>
             <a:r>
               <a:rPr lang="en-US" dirty="0"/>
-              <a:t>The name to identify the Pokémon with.</a:t>
+              <a:t>Stores total EV held by the Pokémon. Used to compare with 510 limit.</a:t>
             </a:r>
           </a:p>
         </p:txBody>
@@ -9817,7 +9917,7 @@
     </p:spTree>
     <p:extLst>
       <p:ext uri="{BB962C8B-B14F-4D97-AF65-F5344CB8AC3E}">
-        <p14:creationId xmlns:p14="http://schemas.microsoft.com/office/powerpoint/2010/main" val="535161983"/>
+        <p14:creationId xmlns:p14="http://schemas.microsoft.com/office/powerpoint/2010/main" val="3083328179"/>
       </p:ext>
     </p:extLst>
   </p:cSld>
@@ -9828,7 +9928,7 @@
 </file>
 
 <file path=ppt/slides/slide14.xml><?xml version="1.0" encoding="utf-8"?>
-<p:sld xmlns:a="http://schemas.openxmlformats.org/drawingml/2006/main" xmlns:r="http://schemas.openxmlformats.org/officeDocument/2006/relationships" xmlns:p="http://schemas.openxmlformats.org/presentationml/2006/main">
+<p:sld xmlns:a="http://schemas.openxmlformats.org/drawingml/2006/main" xmlns:r="http://schemas.openxmlformats.org/officeDocument/2006/relationships" xmlns:p="http://schemas.openxmlformats.org/presentationml/2006/main" show="0">
   <p:cSld>
     <p:bg>
       <p:bgPr>
@@ -9875,36 +9975,9 @@
           <a:p>
             <a:r>
               <a:rPr lang="en-US" dirty="0" err="1"/>
-              <a:t>battleUp</a:t>
-            </a:r>
-            <a:r>
-              <a:rPr lang="en-US" dirty="0"/>
-              <a:t>&lt;stat type&gt;(): </a:t>
-            </a:r>
-            <a:r>
-              <a:rPr lang="en-US" dirty="0" err="1"/>
-              <a:t>battleUpHp</a:t>
-            </a:r>
-            <a:r>
-              <a:rPr lang="en-US" dirty="0"/>
-              <a:t>(), </a:t>
-            </a:r>
-            <a:r>
-              <a:rPr lang="en-US" dirty="0" err="1"/>
-              <a:t>battleUpAtk</a:t>
-            </a:r>
-            <a:r>
-              <a:rPr lang="en-US" dirty="0"/>
-              <a:t>(), </a:t>
-            </a:r>
-            <a:r>
-              <a:rPr lang="en-US" dirty="0" err="1"/>
-              <a:t>etc</a:t>
-            </a:r>
-            <a:r>
-              <a:rPr lang="en-US" dirty="0"/>
-              <a:t>…</a:t>
-            </a:r>
+              <a:t>mBrace</a:t>
+            </a:r>
+            <a:endParaRPr lang="en-US" dirty="0"/>
           </a:p>
         </p:txBody>
       </p:sp>
@@ -9931,7 +10004,18 @@
           <a:p>
             <a:r>
               <a:rPr lang="en-US" dirty="0"/>
-              <a:t>Setter methods for the stat members</a:t>
+              <a:t>Type: </a:t>
+            </a:r>
+            <a:r>
+              <a:rPr lang="en-US" dirty="0" err="1"/>
+              <a:t>boolean</a:t>
+            </a:r>
+            <a:endParaRPr lang="en-US" dirty="0"/>
+          </a:p>
+          <a:p>
+            <a:r>
+              <a:rPr lang="en-US" dirty="0"/>
+              <a:t>Modifier: private</a:t>
             </a:r>
           </a:p>
           <a:p>
@@ -9943,7 +10027,7 @@
             </a:pPr>
             <a:r>
               <a:rPr lang="en-US" dirty="0"/>
-              <a:t>For incrementing stats after each battle.</a:t>
+              <a:t>Stands for Macho Brace. Doubles amount of EV earned per battle.</a:t>
             </a:r>
           </a:p>
           <a:p>
@@ -9952,50 +10036,7 @@
             </a:pPr>
             <a:r>
               <a:rPr lang="en-US" dirty="0"/>
-              <a:t>Increments 1 EV per method call.</a:t>
-            </a:r>
-          </a:p>
-          <a:p>
-            <a:pPr marL="0" indent="0">
-              <a:buNone/>
-            </a:pPr>
-            <a:r>
-              <a:rPr lang="en-US" dirty="0"/>
-              <a:t>Doubled to 2 if </a:t>
-            </a:r>
-            <a:r>
-              <a:rPr lang="en-US" dirty="0" err="1"/>
-              <a:t>mBrace</a:t>
-            </a:r>
-            <a:r>
-              <a:rPr lang="en-US" dirty="0"/>
-              <a:t> == true.</a:t>
-            </a:r>
-          </a:p>
-          <a:p>
-            <a:pPr marL="0" indent="0">
-              <a:buNone/>
-            </a:pPr>
-            <a:r>
-              <a:rPr lang="en-US" dirty="0"/>
-              <a:t>IF stat being incremented will exceed 255 OR </a:t>
-            </a:r>
-            <a:r>
-              <a:rPr lang="en-US" dirty="0" err="1"/>
-              <a:t>totalEv</a:t>
-            </a:r>
-            <a:r>
-              <a:rPr lang="en-US" dirty="0"/>
-              <a:t> will exceed 510</a:t>
-            </a:r>
-          </a:p>
-          <a:p>
-            <a:pPr marL="0" indent="0">
-              <a:buNone/>
-            </a:pPr>
-            <a:r>
-              <a:rPr lang="en-US" dirty="0"/>
-              <a:t>=&gt; the stat will be incremented to the max possible value</a:t>
+              <a:t>true = equipped, false = unequipped</a:t>
             </a:r>
           </a:p>
         </p:txBody>
@@ -10003,7 +10044,7 @@
     </p:spTree>
     <p:extLst>
       <p:ext uri="{BB962C8B-B14F-4D97-AF65-F5344CB8AC3E}">
-        <p14:creationId xmlns:p14="http://schemas.microsoft.com/office/powerpoint/2010/main" val="2001697382"/>
+        <p14:creationId xmlns:p14="http://schemas.microsoft.com/office/powerpoint/2010/main" val="942501396"/>
       </p:ext>
     </p:extLst>
   </p:cSld>
@@ -10060,12 +10101,8 @@
           <a:lstStyle/>
           <a:p>
             <a:r>
-              <a:rPr lang="en-US" dirty="0" err="1"/>
-              <a:t>mBraceEquip</a:t>
-            </a:r>
-            <a:r>
               <a:rPr lang="en-US" dirty="0"/>
-              <a:t>()</a:t>
+              <a:t>equipment</a:t>
             </a:r>
           </a:p>
         </p:txBody>
@@ -10093,13 +10130,14 @@
           <a:p>
             <a:r>
               <a:rPr lang="en-US" dirty="0"/>
-              <a:t>Setter method for </a:t>
-            </a:r>
-            <a:r>
-              <a:rPr lang="en-US" dirty="0" err="1"/>
-              <a:t>mBrace</a:t>
-            </a:r>
-            <a:endParaRPr lang="en-US" dirty="0"/>
+              <a:t>Type: int</a:t>
+            </a:r>
+          </a:p>
+          <a:p>
+            <a:r>
+              <a:rPr lang="en-US" dirty="0"/>
+              <a:t>Modifier: private</a:t>
+            </a:r>
           </a:p>
           <a:p>
             <a:endParaRPr lang="en-US" dirty="0"/>
@@ -10110,7 +10148,7 @@
             </a:pPr>
             <a:r>
               <a:rPr lang="en-US" dirty="0"/>
-              <a:t>Equips/unequips the Macho Brace.</a:t>
+              <a:t>Identifier for the type of equipment used.</a:t>
             </a:r>
           </a:p>
           <a:p>
@@ -10119,7 +10157,31 @@
             </a:pPr>
             <a:r>
               <a:rPr lang="en-US" dirty="0"/>
-              <a:t>Simply inverses the value.</a:t>
+              <a:t>0: Nothing</a:t>
+            </a:r>
+            <a:br>
+              <a:rPr lang="en-US" dirty="0"/>
+            </a:br>
+            <a:r>
+              <a:rPr lang="en-US" dirty="0"/>
+              <a:t>1: Macho Brace</a:t>
+            </a:r>
+          </a:p>
+          <a:p>
+            <a:pPr marL="0" indent="0">
+              <a:buNone/>
+            </a:pPr>
+            <a:r>
+              <a:rPr lang="en-US" dirty="0"/>
+              <a:t>2-7: Power items (in order of HP, </a:t>
+            </a:r>
+            <a:r>
+              <a:rPr lang="en-US" dirty="0" err="1"/>
+              <a:t>Atk</a:t>
+            </a:r>
+            <a:r>
+              <a:rPr lang="en-US" dirty="0"/>
+              <a:t>, Def…)</a:t>
             </a:r>
           </a:p>
         </p:txBody>
@@ -10127,7 +10189,7 @@
     </p:spTree>
     <p:extLst>
       <p:ext uri="{BB962C8B-B14F-4D97-AF65-F5344CB8AC3E}">
-        <p14:creationId xmlns:p14="http://schemas.microsoft.com/office/powerpoint/2010/main" val="2538001394"/>
+        <p14:creationId xmlns:p14="http://schemas.microsoft.com/office/powerpoint/2010/main" val="1360087678"/>
       </p:ext>
     </p:extLst>
   </p:cSld>
@@ -10138,8 +10200,16 @@
 </file>
 
 <file path=ppt/slides/slide16.xml><?xml version="1.0" encoding="utf-8"?>
-<p:sld xmlns:a="http://schemas.openxmlformats.org/drawingml/2006/main" xmlns:r="http://schemas.openxmlformats.org/officeDocument/2006/relationships" xmlns:p="http://schemas.openxmlformats.org/presentationml/2006/main" show="0">
+<p:sld xmlns:a="http://schemas.openxmlformats.org/drawingml/2006/main" xmlns:r="http://schemas.openxmlformats.org/officeDocument/2006/relationships" xmlns:p="http://schemas.openxmlformats.org/presentationml/2006/main">
   <p:cSld>
+    <p:bg>
+      <p:bgPr>
+        <a:solidFill>
+          <a:srgbClr val="BDA29F"/>
+        </a:solidFill>
+        <a:effectLst/>
+      </p:bgPr>
+    </p:bg>
     <p:spTree>
       <p:nvGrpSpPr>
         <p:cNvPr id="1" name=""/>
@@ -10176,18 +10246,19 @@
           <a:lstStyle/>
           <a:p>
             <a:r>
-              <a:rPr lang="en-US" dirty="0"/>
-              <a:t>Class: Pokemon4</a:t>
-            </a:r>
+              <a:rPr lang="en-US" dirty="0" err="1"/>
+              <a:t>pokerus</a:t>
+            </a:r>
+            <a:endParaRPr lang="en-US" dirty="0"/>
           </a:p>
         </p:txBody>
       </p:sp>
       <p:sp>
         <p:nvSpPr>
-          <p:cNvPr id="3" name="Content Placeholder 2">
+          <p:cNvPr id="5" name="Content Placeholder 4">
             <a:extLst>
               <a:ext uri="{FF2B5EF4-FFF2-40B4-BE49-F238E27FC236}">
-                <a16:creationId xmlns:a16="http://schemas.microsoft.com/office/drawing/2014/main" id="{8EBE809C-E90A-43D4-B1AE-57A0481BD4BE}"/>
+                <a16:creationId xmlns:a16="http://schemas.microsoft.com/office/drawing/2014/main" id="{CCEBDE4F-2629-4A13-BE40-1D82C0890D36}"/>
               </a:ext>
             </a:extLst>
           </p:cNvPr>
@@ -10195,7 +10266,7 @@
             <a:spLocks noGrp="1"/>
           </p:cNvSpPr>
           <p:nvPr>
-            <p:ph sz="half" idx="1"/>
+            <p:ph idx="1"/>
           </p:nvPr>
         </p:nvSpPr>
         <p:spPr/>
@@ -10203,39 +10274,51 @@
           <a:bodyPr/>
           <a:lstStyle/>
           <a:p>
+            <a:r>
+              <a:rPr lang="en-US" dirty="0"/>
+              <a:t>Type: </a:t>
+            </a:r>
+            <a:r>
+              <a:rPr lang="en-US" dirty="0" err="1"/>
+              <a:t>boolean</a:t>
+            </a:r>
             <a:endParaRPr lang="en-US" dirty="0"/>
           </a:p>
-        </p:txBody>
-      </p:sp>
-      <p:sp>
-        <p:nvSpPr>
-          <p:cNvPr id="4" name="Content Placeholder 3">
-            <a:extLst>
-              <a:ext uri="{FF2B5EF4-FFF2-40B4-BE49-F238E27FC236}">
-                <a16:creationId xmlns:a16="http://schemas.microsoft.com/office/drawing/2014/main" id="{60B9F578-AD0D-4F75-A784-39B7F9D48432}"/>
-              </a:ext>
-            </a:extLst>
-          </p:cNvPr>
-          <p:cNvSpPr>
-            <a:spLocks noGrp="1"/>
-          </p:cNvSpPr>
-          <p:nvPr>
-            <p:ph sz="half" idx="2"/>
-          </p:nvPr>
-        </p:nvSpPr>
-        <p:spPr/>
-        <p:txBody>
-          <a:bodyPr/>
-          <a:lstStyle/>
-          <a:p>
-            <a:endParaRPr lang="en-US"/>
+          <a:p>
+            <a:r>
+              <a:rPr lang="en-US" dirty="0"/>
+              <a:t>Modifier: protected</a:t>
+            </a:r>
+          </a:p>
+          <a:p>
+            <a:pPr marL="0" indent="0">
+              <a:buNone/>
+            </a:pPr>
+            <a:endParaRPr lang="en-US" dirty="0"/>
+          </a:p>
+          <a:p>
+            <a:pPr marL="0" indent="0">
+              <a:buNone/>
+            </a:pPr>
+            <a:r>
+              <a:rPr lang="en-US" dirty="0"/>
+              <a:t>Indicates if the </a:t>
+            </a:r>
+            <a:r>
+              <a:rPr lang="en-US" dirty="0" err="1"/>
+              <a:t>Pokemon</a:t>
+            </a:r>
+            <a:r>
+              <a:rPr lang="en-US" dirty="0"/>
+              <a:t> has been infected.</a:t>
+            </a:r>
           </a:p>
         </p:txBody>
       </p:sp>
     </p:spTree>
     <p:extLst>
       <p:ext uri="{BB962C8B-B14F-4D97-AF65-F5344CB8AC3E}">
-        <p14:creationId xmlns:p14="http://schemas.microsoft.com/office/powerpoint/2010/main" val="3283481699"/>
+        <p14:creationId xmlns:p14="http://schemas.microsoft.com/office/powerpoint/2010/main" val="2367148444"/>
       </p:ext>
     </p:extLst>
   </p:cSld>
@@ -10248,6 +10331,14 @@
 <file path=ppt/slides/slide17.xml><?xml version="1.0" encoding="utf-8"?>
 <p:sld xmlns:a="http://schemas.openxmlformats.org/drawingml/2006/main" xmlns:r="http://schemas.openxmlformats.org/officeDocument/2006/relationships" xmlns:p="http://schemas.openxmlformats.org/presentationml/2006/main">
   <p:cSld>
+    <p:bg>
+      <p:bgPr>
+        <a:solidFill>
+          <a:srgbClr val="BDA29F"/>
+        </a:solidFill>
+        <a:effectLst/>
+      </p:bgPr>
+    </p:bg>
     <p:spTree>
       <p:nvGrpSpPr>
         <p:cNvPr id="1" name=""/>
@@ -10267,7 +10358,7 @@
           <p:cNvPr id="2" name="Title 1">
             <a:extLst>
               <a:ext uri="{FF2B5EF4-FFF2-40B4-BE49-F238E27FC236}">
-                <a16:creationId xmlns:a16="http://schemas.microsoft.com/office/drawing/2014/main" id="{2E696A49-3C0A-4036-BFB7-D614F1281F6A}"/>
+                <a16:creationId xmlns:a16="http://schemas.microsoft.com/office/drawing/2014/main" id="{A0258CB8-C11B-46BB-BC49-E030980140A8}"/>
               </a:ext>
             </a:extLst>
           </p:cNvPr>
@@ -10278,24 +10369,28 @@
             <p:ph type="title"/>
           </p:nvPr>
         </p:nvSpPr>
-        <p:spPr/>
+        <p:spPr>
+          <a:solidFill>
+            <a:srgbClr val="BDA29F"/>
+          </a:solidFill>
+        </p:spPr>
         <p:txBody>
           <a:bodyPr/>
           <a:lstStyle/>
           <a:p>
             <a:r>
               <a:rPr lang="en-US" dirty="0"/>
-              <a:t>Objectives</a:t>
+              <a:t>name</a:t>
             </a:r>
           </a:p>
         </p:txBody>
       </p:sp>
       <p:sp>
         <p:nvSpPr>
-          <p:cNvPr id="3" name="Content Placeholder 2">
+          <p:cNvPr id="4" name="Content Placeholder 3">
             <a:extLst>
               <a:ext uri="{FF2B5EF4-FFF2-40B4-BE49-F238E27FC236}">
-                <a16:creationId xmlns:a16="http://schemas.microsoft.com/office/drawing/2014/main" id="{0D718805-0B7A-44F2-AEF2-C3F9EDF3E5C0}"/>
+                <a16:creationId xmlns:a16="http://schemas.microsoft.com/office/drawing/2014/main" id="{E2E0396D-392A-48E8-98F8-482AE1EE50C4}"/>
               </a:ext>
             </a:extLst>
           </p:cNvPr>
@@ -10313,13 +10408,25 @@
           <a:p>
             <a:r>
               <a:rPr lang="en-US" dirty="0"/>
-              <a:t>Can have multiple Pokémon (objects)</a:t>
+              <a:t>Type: String</a:t>
             </a:r>
           </a:p>
           <a:p>
             <a:r>
               <a:rPr lang="en-US" dirty="0"/>
-              <a:t>Proper limits set for max EV values (Gen III: 255 per stat, 510 total)</a:t>
+              <a:t>Modifier: private</a:t>
+            </a:r>
+          </a:p>
+          <a:p>
+            <a:endParaRPr lang="en-US" dirty="0"/>
+          </a:p>
+          <a:p>
+            <a:pPr marL="0" indent="0">
+              <a:buNone/>
+            </a:pPr>
+            <a:r>
+              <a:rPr lang="en-US" dirty="0"/>
+              <a:t>The name to identify the Pokémon with.</a:t>
             </a:r>
           </a:p>
         </p:txBody>
@@ -10327,7 +10434,7 @@
     </p:spTree>
     <p:extLst>
       <p:ext uri="{BB962C8B-B14F-4D97-AF65-F5344CB8AC3E}">
-        <p14:creationId xmlns:p14="http://schemas.microsoft.com/office/powerpoint/2010/main" val="3206296773"/>
+        <p14:creationId xmlns:p14="http://schemas.microsoft.com/office/powerpoint/2010/main" val="535161983"/>
       </p:ext>
     </p:extLst>
   </p:cSld>
@@ -10340,6 +10447,14 @@
 <file path=ppt/slides/slide18.xml><?xml version="1.0" encoding="utf-8"?>
 <p:sld xmlns:a="http://schemas.openxmlformats.org/drawingml/2006/main" xmlns:r="http://schemas.openxmlformats.org/officeDocument/2006/relationships" xmlns:p="http://schemas.openxmlformats.org/presentationml/2006/main">
   <p:cSld>
+    <p:bg>
+      <p:bgPr>
+        <a:solidFill>
+          <a:srgbClr val="BDA29F"/>
+        </a:solidFill>
+        <a:effectLst/>
+      </p:bgPr>
+    </p:bg>
     <p:spTree>
       <p:nvGrpSpPr>
         <p:cNvPr id="1" name=""/>
@@ -10356,10 +10471,10 @@
       </p:grpSpPr>
       <p:sp>
         <p:nvSpPr>
-          <p:cNvPr id="3" name="Title 2">
+          <p:cNvPr id="2" name="Title 1">
             <a:extLst>
               <a:ext uri="{FF2B5EF4-FFF2-40B4-BE49-F238E27FC236}">
-                <a16:creationId xmlns:a16="http://schemas.microsoft.com/office/drawing/2014/main" id="{45DE5820-B653-4759-AC50-404437FE1E86}"/>
+                <a16:creationId xmlns:a16="http://schemas.microsoft.com/office/drawing/2014/main" id="{A0258CB8-C11B-46BB-BC49-E030980140A8}"/>
               </a:ext>
             </a:extLst>
           </p:cNvPr>
@@ -10376,8 +10491,36 @@
           <a:lstStyle/>
           <a:p>
             <a:r>
+              <a:rPr lang="en-US" dirty="0" err="1"/>
+              <a:t>battleUp</a:t>
+            </a:r>
+            <a:r>
               <a:rPr lang="en-US" dirty="0"/>
-              <a:t>Next steps</a:t>
+              <a:t>&lt;stat type&gt;(): </a:t>
+            </a:r>
+            <a:r>
+              <a:rPr lang="en-US" dirty="0" err="1"/>
+              <a:t>battleUpHp</a:t>
+            </a:r>
+            <a:r>
+              <a:rPr lang="en-US" dirty="0"/>
+              <a:t>(), </a:t>
+            </a:r>
+            <a:r>
+              <a:rPr lang="en-US" dirty="0" err="1"/>
+              <a:t>battleUpAtk</a:t>
+            </a:r>
+            <a:r>
+              <a:rPr lang="en-US" dirty="0"/>
+              <a:t>(), </a:t>
+            </a:r>
+            <a:r>
+              <a:rPr lang="en-US" dirty="0" err="1"/>
+              <a:t>etc</a:t>
+            </a:r>
+            <a:r>
+              <a:rPr lang="en-US" dirty="0"/>
+              <a:t>…</a:t>
             </a:r>
           </a:p>
         </p:txBody>
@@ -10387,7 +10530,7 @@
           <p:cNvPr id="4" name="Content Placeholder 3">
             <a:extLst>
               <a:ext uri="{FF2B5EF4-FFF2-40B4-BE49-F238E27FC236}">
-                <a16:creationId xmlns:a16="http://schemas.microsoft.com/office/drawing/2014/main" id="{571E808D-C156-41F2-9093-E8F3565BACEE}"/>
+                <a16:creationId xmlns:a16="http://schemas.microsoft.com/office/drawing/2014/main" id="{E2E0396D-392A-48E8-98F8-482AE1EE50C4}"/>
               </a:ext>
             </a:extLst>
           </p:cNvPr>
@@ -10405,19 +10548,71 @@
           <a:p>
             <a:r>
               <a:rPr lang="en-US" dirty="0"/>
-              <a:t>Add different definitions for different gens (3, 4)</a:t>
-            </a:r>
-          </a:p>
-          <a:p>
+              <a:t>Setter methods for the stat members</a:t>
+            </a:r>
+          </a:p>
+          <a:p>
+            <a:endParaRPr lang="en-US" dirty="0"/>
+          </a:p>
+          <a:p>
+            <a:pPr marL="0" indent="0">
+              <a:buNone/>
+            </a:pPr>
             <a:r>
               <a:rPr lang="en-US" dirty="0"/>
-              <a:t>Allow backups (to Google Drive, Dropbox, excel?)</a:t>
-            </a:r>
-          </a:p>
-          <a:p>
+              <a:t>For incrementing stats after each battle.</a:t>
+            </a:r>
+          </a:p>
+          <a:p>
+            <a:pPr marL="0" indent="0">
+              <a:buNone/>
+            </a:pPr>
             <a:r>
               <a:rPr lang="en-US" dirty="0"/>
-              <a:t>Add buttons (1,2,3) for defeating Pokémon of different EVs</a:t>
+              <a:t>Increments 1 EV per method call.</a:t>
+            </a:r>
+          </a:p>
+          <a:p>
+            <a:pPr marL="0" indent="0">
+              <a:buNone/>
+            </a:pPr>
+            <a:r>
+              <a:rPr lang="en-US" dirty="0"/>
+              <a:t>Doubled to 2 if </a:t>
+            </a:r>
+            <a:r>
+              <a:rPr lang="en-US" dirty="0" err="1"/>
+              <a:t>mBrace</a:t>
+            </a:r>
+            <a:r>
+              <a:rPr lang="en-US" dirty="0"/>
+              <a:t> == true.</a:t>
+            </a:r>
+          </a:p>
+          <a:p>
+            <a:pPr marL="0" indent="0">
+              <a:buNone/>
+            </a:pPr>
+            <a:r>
+              <a:rPr lang="en-US" dirty="0"/>
+              <a:t>IF stat being incremented will exceed 255 OR </a:t>
+            </a:r>
+            <a:r>
+              <a:rPr lang="en-US" dirty="0" err="1"/>
+              <a:t>totalEv</a:t>
+            </a:r>
+            <a:r>
+              <a:rPr lang="en-US" dirty="0"/>
+              <a:t> will exceed 510</a:t>
+            </a:r>
+          </a:p>
+          <a:p>
+            <a:pPr marL="0" indent="0">
+              <a:buNone/>
+            </a:pPr>
+            <a:r>
+              <a:rPr lang="en-US" dirty="0"/>
+              <a:t>=&gt; the stat will be incremented to the max possible value</a:t>
             </a:r>
           </a:p>
         </p:txBody>
@@ -10425,7 +10620,131 @@
     </p:spTree>
     <p:extLst>
       <p:ext uri="{BB962C8B-B14F-4D97-AF65-F5344CB8AC3E}">
-        <p14:creationId xmlns:p14="http://schemas.microsoft.com/office/powerpoint/2010/main" val="2517963255"/>
+        <p14:creationId xmlns:p14="http://schemas.microsoft.com/office/powerpoint/2010/main" val="2001697382"/>
+      </p:ext>
+    </p:extLst>
+  </p:cSld>
+  <p:clrMapOvr>
+    <a:masterClrMapping/>
+  </p:clrMapOvr>
+</p:sld>
+</file>
+
+<file path=ppt/slides/slide19.xml><?xml version="1.0" encoding="utf-8"?>
+<p:sld xmlns:a="http://schemas.openxmlformats.org/drawingml/2006/main" xmlns:r="http://schemas.openxmlformats.org/officeDocument/2006/relationships" xmlns:p="http://schemas.openxmlformats.org/presentationml/2006/main" show="0">
+  <p:cSld>
+    <p:bg>
+      <p:bgPr>
+        <a:solidFill>
+          <a:srgbClr val="BDA29F"/>
+        </a:solidFill>
+        <a:effectLst/>
+      </p:bgPr>
+    </p:bg>
+    <p:spTree>
+      <p:nvGrpSpPr>
+        <p:cNvPr id="1" name=""/>
+        <p:cNvGrpSpPr/>
+        <p:nvPr/>
+      </p:nvGrpSpPr>
+      <p:grpSpPr>
+        <a:xfrm>
+          <a:off x="0" y="0"/>
+          <a:ext cx="0" cy="0"/>
+          <a:chOff x="0" y="0"/>
+          <a:chExt cx="0" cy="0"/>
+        </a:xfrm>
+      </p:grpSpPr>
+      <p:sp>
+        <p:nvSpPr>
+          <p:cNvPr id="2" name="Title 1">
+            <a:extLst>
+              <a:ext uri="{FF2B5EF4-FFF2-40B4-BE49-F238E27FC236}">
+                <a16:creationId xmlns:a16="http://schemas.microsoft.com/office/drawing/2014/main" id="{3DA6AD9A-2E83-4B64-A482-B99A57BB8860}"/>
+              </a:ext>
+            </a:extLst>
+          </p:cNvPr>
+          <p:cNvSpPr>
+            <a:spLocks noGrp="1"/>
+          </p:cNvSpPr>
+          <p:nvPr>
+            <p:ph type="title"/>
+          </p:nvPr>
+        </p:nvSpPr>
+        <p:spPr/>
+        <p:txBody>
+          <a:bodyPr/>
+          <a:lstStyle/>
+          <a:p>
+            <a:r>
+              <a:rPr lang="en-US" dirty="0" err="1"/>
+              <a:t>mBraceEquip</a:t>
+            </a:r>
+            <a:r>
+              <a:rPr lang="en-US" dirty="0"/>
+              <a:t>()</a:t>
+            </a:r>
+          </a:p>
+        </p:txBody>
+      </p:sp>
+      <p:sp>
+        <p:nvSpPr>
+          <p:cNvPr id="5" name="Content Placeholder 4">
+            <a:extLst>
+              <a:ext uri="{FF2B5EF4-FFF2-40B4-BE49-F238E27FC236}">
+                <a16:creationId xmlns:a16="http://schemas.microsoft.com/office/drawing/2014/main" id="{CCEBDE4F-2629-4A13-BE40-1D82C0890D36}"/>
+              </a:ext>
+            </a:extLst>
+          </p:cNvPr>
+          <p:cNvSpPr>
+            <a:spLocks noGrp="1"/>
+          </p:cNvSpPr>
+          <p:nvPr>
+            <p:ph idx="1"/>
+          </p:nvPr>
+        </p:nvSpPr>
+        <p:spPr/>
+        <p:txBody>
+          <a:bodyPr/>
+          <a:lstStyle/>
+          <a:p>
+            <a:r>
+              <a:rPr lang="en-US" dirty="0"/>
+              <a:t>Setter method for </a:t>
+            </a:r>
+            <a:r>
+              <a:rPr lang="en-US" dirty="0" err="1"/>
+              <a:t>mBrace</a:t>
+            </a:r>
+            <a:endParaRPr lang="en-US" dirty="0"/>
+          </a:p>
+          <a:p>
+            <a:endParaRPr lang="en-US" dirty="0"/>
+          </a:p>
+          <a:p>
+            <a:pPr marL="0" indent="0">
+              <a:buNone/>
+            </a:pPr>
+            <a:r>
+              <a:rPr lang="en-US" dirty="0"/>
+              <a:t>Equips/unequips the Macho Brace.</a:t>
+            </a:r>
+          </a:p>
+          <a:p>
+            <a:pPr marL="0" indent="0">
+              <a:buNone/>
+            </a:pPr>
+            <a:r>
+              <a:rPr lang="en-US" dirty="0"/>
+              <a:t>Simply inverses the value.</a:t>
+            </a:r>
+          </a:p>
+        </p:txBody>
+      </p:sp>
+    </p:spTree>
+    <p:extLst>
+      <p:ext uri="{BB962C8B-B14F-4D97-AF65-F5344CB8AC3E}">
+        <p14:creationId xmlns:p14="http://schemas.microsoft.com/office/powerpoint/2010/main" val="2538001394"/>
       </p:ext>
     </p:extLst>
   </p:cSld>
@@ -10550,6 +10869,634 @@
     <p:extLst>
       <p:ext uri="{BB962C8B-B14F-4D97-AF65-F5344CB8AC3E}">
         <p14:creationId xmlns:p14="http://schemas.microsoft.com/office/powerpoint/2010/main" val="3160403927"/>
+      </p:ext>
+    </p:extLst>
+  </p:cSld>
+  <p:clrMapOvr>
+    <a:masterClrMapping/>
+  </p:clrMapOvr>
+</p:sld>
+</file>
+
+<file path=ppt/slides/slide20.xml><?xml version="1.0" encoding="utf-8"?>
+<p:sld xmlns:a="http://schemas.openxmlformats.org/drawingml/2006/main" xmlns:r="http://schemas.openxmlformats.org/officeDocument/2006/relationships" xmlns:p="http://schemas.openxmlformats.org/presentationml/2006/main">
+  <p:cSld>
+    <p:bg>
+      <p:bgPr>
+        <a:solidFill>
+          <a:srgbClr val="BDA29F"/>
+        </a:solidFill>
+        <a:effectLst/>
+      </p:bgPr>
+    </p:bg>
+    <p:spTree>
+      <p:nvGrpSpPr>
+        <p:cNvPr id="1" name=""/>
+        <p:cNvGrpSpPr/>
+        <p:nvPr/>
+      </p:nvGrpSpPr>
+      <p:grpSpPr>
+        <a:xfrm>
+          <a:off x="0" y="0"/>
+          <a:ext cx="0" cy="0"/>
+          <a:chOff x="0" y="0"/>
+          <a:chExt cx="0" cy="0"/>
+        </a:xfrm>
+      </p:grpSpPr>
+      <p:sp>
+        <p:nvSpPr>
+          <p:cNvPr id="2" name="Title 1">
+            <a:extLst>
+              <a:ext uri="{FF2B5EF4-FFF2-40B4-BE49-F238E27FC236}">
+                <a16:creationId xmlns:a16="http://schemas.microsoft.com/office/drawing/2014/main" id="{3DA6AD9A-2E83-4B64-A482-B99A57BB8860}"/>
+              </a:ext>
+            </a:extLst>
+          </p:cNvPr>
+          <p:cNvSpPr>
+            <a:spLocks noGrp="1"/>
+          </p:cNvSpPr>
+          <p:nvPr>
+            <p:ph type="title"/>
+          </p:nvPr>
+        </p:nvSpPr>
+        <p:spPr/>
+        <p:txBody>
+          <a:bodyPr/>
+          <a:lstStyle/>
+          <a:p>
+            <a:r>
+              <a:rPr lang="en-US" dirty="0"/>
+              <a:t>equip()</a:t>
+            </a:r>
+          </a:p>
+        </p:txBody>
+      </p:sp>
+      <p:sp>
+        <p:nvSpPr>
+          <p:cNvPr id="5" name="Content Placeholder 4">
+            <a:extLst>
+              <a:ext uri="{FF2B5EF4-FFF2-40B4-BE49-F238E27FC236}">
+                <a16:creationId xmlns:a16="http://schemas.microsoft.com/office/drawing/2014/main" id="{CCEBDE4F-2629-4A13-BE40-1D82C0890D36}"/>
+              </a:ext>
+            </a:extLst>
+          </p:cNvPr>
+          <p:cNvSpPr>
+            <a:spLocks noGrp="1"/>
+          </p:cNvSpPr>
+          <p:nvPr>
+            <p:ph idx="1"/>
+          </p:nvPr>
+        </p:nvSpPr>
+        <p:spPr/>
+        <p:txBody>
+          <a:bodyPr/>
+          <a:lstStyle/>
+          <a:p>
+            <a:r>
+              <a:rPr lang="en-US" dirty="0"/>
+              <a:t>Parameter: int (representing what to equip)</a:t>
+            </a:r>
+          </a:p>
+          <a:p>
+            <a:r>
+              <a:rPr lang="en-US" dirty="0"/>
+              <a:t>Return: void</a:t>
+            </a:r>
+          </a:p>
+          <a:p>
+            <a:endParaRPr lang="en-US" dirty="0"/>
+          </a:p>
+          <a:p>
+            <a:pPr marL="0" indent="0">
+              <a:buNone/>
+            </a:pPr>
+            <a:r>
+              <a:rPr lang="en-US" dirty="0"/>
+              <a:t>Sets the equipment member with the type of equipment used.</a:t>
+            </a:r>
+          </a:p>
+          <a:p>
+            <a:pPr marL="0" indent="0">
+              <a:buNone/>
+            </a:pPr>
+            <a:r>
+              <a:rPr lang="en-US" dirty="0"/>
+              <a:t>0: Nothing</a:t>
+            </a:r>
+            <a:br>
+              <a:rPr lang="en-US" dirty="0"/>
+            </a:br>
+            <a:r>
+              <a:rPr lang="en-US" dirty="0"/>
+              <a:t>1: Macho Brace</a:t>
+            </a:r>
+          </a:p>
+          <a:p>
+            <a:pPr marL="0" indent="0">
+              <a:buNone/>
+            </a:pPr>
+            <a:r>
+              <a:rPr lang="en-US" dirty="0"/>
+              <a:t>2-7: Power items (in order of HP, </a:t>
+            </a:r>
+            <a:r>
+              <a:rPr lang="en-US" dirty="0" err="1"/>
+              <a:t>Atk</a:t>
+            </a:r>
+            <a:r>
+              <a:rPr lang="en-US" dirty="0"/>
+              <a:t>, Def…)</a:t>
+            </a:r>
+          </a:p>
+        </p:txBody>
+      </p:sp>
+    </p:spTree>
+    <p:extLst>
+      <p:ext uri="{BB962C8B-B14F-4D97-AF65-F5344CB8AC3E}">
+        <p14:creationId xmlns:p14="http://schemas.microsoft.com/office/powerpoint/2010/main" val="939862364"/>
+      </p:ext>
+    </p:extLst>
+  </p:cSld>
+  <p:clrMapOvr>
+    <a:masterClrMapping/>
+  </p:clrMapOvr>
+</p:sld>
+</file>
+
+<file path=ppt/slides/slide21.xml><?xml version="1.0" encoding="utf-8"?>
+<p:sld xmlns:a="http://schemas.openxmlformats.org/drawingml/2006/main" xmlns:r="http://schemas.openxmlformats.org/officeDocument/2006/relationships" xmlns:p="http://schemas.openxmlformats.org/presentationml/2006/main">
+  <p:cSld>
+    <p:bg>
+      <p:bgPr>
+        <a:solidFill>
+          <a:srgbClr val="BDA29F"/>
+        </a:solidFill>
+        <a:effectLst/>
+      </p:bgPr>
+    </p:bg>
+    <p:spTree>
+      <p:nvGrpSpPr>
+        <p:cNvPr id="1" name=""/>
+        <p:cNvGrpSpPr/>
+        <p:nvPr/>
+      </p:nvGrpSpPr>
+      <p:grpSpPr>
+        <a:xfrm>
+          <a:off x="0" y="0"/>
+          <a:ext cx="0" cy="0"/>
+          <a:chOff x="0" y="0"/>
+          <a:chExt cx="0" cy="0"/>
+        </a:xfrm>
+      </p:grpSpPr>
+      <p:sp>
+        <p:nvSpPr>
+          <p:cNvPr id="2" name="Title 1">
+            <a:extLst>
+              <a:ext uri="{FF2B5EF4-FFF2-40B4-BE49-F238E27FC236}">
+                <a16:creationId xmlns:a16="http://schemas.microsoft.com/office/drawing/2014/main" id="{3DA6AD9A-2E83-4B64-A482-B99A57BB8860}"/>
+              </a:ext>
+            </a:extLst>
+          </p:cNvPr>
+          <p:cNvSpPr>
+            <a:spLocks noGrp="1"/>
+          </p:cNvSpPr>
+          <p:nvPr>
+            <p:ph type="title"/>
+          </p:nvPr>
+        </p:nvSpPr>
+        <p:spPr/>
+        <p:txBody>
+          <a:bodyPr/>
+          <a:lstStyle/>
+          <a:p>
+            <a:r>
+              <a:rPr lang="en-US" dirty="0" err="1"/>
+              <a:t>pokerus</a:t>
+            </a:r>
+            <a:r>
+              <a:rPr lang="en-US" dirty="0"/>
+              <a:t>()</a:t>
+            </a:r>
+          </a:p>
+        </p:txBody>
+      </p:sp>
+      <p:sp>
+        <p:nvSpPr>
+          <p:cNvPr id="5" name="Content Placeholder 4">
+            <a:extLst>
+              <a:ext uri="{FF2B5EF4-FFF2-40B4-BE49-F238E27FC236}">
+                <a16:creationId xmlns:a16="http://schemas.microsoft.com/office/drawing/2014/main" id="{CCEBDE4F-2629-4A13-BE40-1D82C0890D36}"/>
+              </a:ext>
+            </a:extLst>
+          </p:cNvPr>
+          <p:cNvSpPr>
+            <a:spLocks noGrp="1"/>
+          </p:cNvSpPr>
+          <p:nvPr>
+            <p:ph idx="1"/>
+          </p:nvPr>
+        </p:nvSpPr>
+        <p:spPr/>
+        <p:txBody>
+          <a:bodyPr/>
+          <a:lstStyle/>
+          <a:p>
+            <a:r>
+              <a:rPr lang="en-US" dirty="0"/>
+              <a:t>Setter method for </a:t>
+            </a:r>
+            <a:r>
+              <a:rPr lang="en-US" dirty="0" err="1"/>
+              <a:t>pokerus</a:t>
+            </a:r>
+            <a:endParaRPr lang="en-US" dirty="0"/>
+          </a:p>
+          <a:p>
+            <a:endParaRPr lang="en-US" dirty="0"/>
+          </a:p>
+          <a:p>
+            <a:pPr marL="0" indent="0">
+              <a:buNone/>
+            </a:pPr>
+            <a:r>
+              <a:rPr lang="en-US" dirty="0"/>
+              <a:t>Sets </a:t>
+            </a:r>
+            <a:r>
+              <a:rPr lang="en-US" dirty="0" err="1"/>
+              <a:t>Pokerus</a:t>
+            </a:r>
+            <a:r>
+              <a:rPr lang="en-US" dirty="0"/>
+              <a:t> on/off.</a:t>
+            </a:r>
+          </a:p>
+          <a:p>
+            <a:pPr marL="0" indent="0">
+              <a:buNone/>
+            </a:pPr>
+            <a:r>
+              <a:rPr lang="en-US" dirty="0"/>
+              <a:t>Simply inverses the value.</a:t>
+            </a:r>
+          </a:p>
+        </p:txBody>
+      </p:sp>
+    </p:spTree>
+    <p:extLst>
+      <p:ext uri="{BB962C8B-B14F-4D97-AF65-F5344CB8AC3E}">
+        <p14:creationId xmlns:p14="http://schemas.microsoft.com/office/powerpoint/2010/main" val="716457242"/>
+      </p:ext>
+    </p:extLst>
+  </p:cSld>
+  <p:clrMapOvr>
+    <a:masterClrMapping/>
+  </p:clrMapOvr>
+</p:sld>
+</file>
+
+<file path=ppt/slides/slide22.xml><?xml version="1.0" encoding="utf-8"?>
+<p:sld xmlns:a="http://schemas.openxmlformats.org/drawingml/2006/main" xmlns:r="http://schemas.openxmlformats.org/officeDocument/2006/relationships" xmlns:p="http://schemas.openxmlformats.org/presentationml/2006/main">
+  <p:cSld>
+    <p:spTree>
+      <p:nvGrpSpPr>
+        <p:cNvPr id="1" name=""/>
+        <p:cNvGrpSpPr/>
+        <p:nvPr/>
+      </p:nvGrpSpPr>
+      <p:grpSpPr>
+        <a:xfrm>
+          <a:off x="0" y="0"/>
+          <a:ext cx="0" cy="0"/>
+          <a:chOff x="0" y="0"/>
+          <a:chExt cx="0" cy="0"/>
+        </a:xfrm>
+      </p:grpSpPr>
+      <p:sp>
+        <p:nvSpPr>
+          <p:cNvPr id="2" name="Title 1">
+            <a:extLst>
+              <a:ext uri="{FF2B5EF4-FFF2-40B4-BE49-F238E27FC236}">
+                <a16:creationId xmlns:a16="http://schemas.microsoft.com/office/drawing/2014/main" id="{3DA6AD9A-2E83-4B64-A482-B99A57BB8860}"/>
+              </a:ext>
+            </a:extLst>
+          </p:cNvPr>
+          <p:cNvSpPr>
+            <a:spLocks noGrp="1"/>
+          </p:cNvSpPr>
+          <p:nvPr>
+            <p:ph type="title"/>
+          </p:nvPr>
+        </p:nvSpPr>
+        <p:spPr/>
+        <p:txBody>
+          <a:bodyPr/>
+          <a:lstStyle/>
+          <a:p>
+            <a:r>
+              <a:rPr lang="en-US" dirty="0"/>
+              <a:t>Class: PokemonG4</a:t>
+            </a:r>
+          </a:p>
+        </p:txBody>
+      </p:sp>
+      <p:sp>
+        <p:nvSpPr>
+          <p:cNvPr id="3" name="Content Placeholder 2">
+            <a:extLst>
+              <a:ext uri="{FF2B5EF4-FFF2-40B4-BE49-F238E27FC236}">
+                <a16:creationId xmlns:a16="http://schemas.microsoft.com/office/drawing/2014/main" id="{8EBE809C-E90A-43D4-B1AE-57A0481BD4BE}"/>
+              </a:ext>
+            </a:extLst>
+          </p:cNvPr>
+          <p:cNvSpPr>
+            <a:spLocks noGrp="1"/>
+          </p:cNvSpPr>
+          <p:nvPr>
+            <p:ph sz="half" idx="1"/>
+          </p:nvPr>
+        </p:nvSpPr>
+        <p:spPr/>
+        <p:txBody>
+          <a:bodyPr/>
+          <a:lstStyle/>
+          <a:p>
+            <a:pPr marL="0" indent="0">
+              <a:buNone/>
+            </a:pPr>
+            <a:r>
+              <a:rPr lang="en-US" dirty="0"/>
+              <a:t>Members:</a:t>
+            </a:r>
+          </a:p>
+          <a:p>
+            <a:r>
+              <a:rPr lang="en-US" dirty="0"/>
+              <a:t>&lt;stat types&gt;</a:t>
+            </a:r>
+          </a:p>
+          <a:p>
+            <a:r>
+              <a:rPr lang="en-US" dirty="0" err="1"/>
+              <a:t>totalEv</a:t>
+            </a:r>
+            <a:endParaRPr lang="en-US" dirty="0"/>
+          </a:p>
+          <a:p>
+            <a:r>
+              <a:rPr lang="en-US" dirty="0"/>
+              <a:t>equipment</a:t>
+            </a:r>
+          </a:p>
+          <a:p>
+            <a:r>
+              <a:rPr lang="en-US" dirty="0"/>
+              <a:t>name</a:t>
+            </a:r>
+          </a:p>
+          <a:p>
+            <a:endParaRPr lang="en-US" dirty="0"/>
+          </a:p>
+        </p:txBody>
+      </p:sp>
+      <p:sp>
+        <p:nvSpPr>
+          <p:cNvPr id="4" name="Content Placeholder 3">
+            <a:extLst>
+              <a:ext uri="{FF2B5EF4-FFF2-40B4-BE49-F238E27FC236}">
+                <a16:creationId xmlns:a16="http://schemas.microsoft.com/office/drawing/2014/main" id="{60B9F578-AD0D-4F75-A784-39B7F9D48432}"/>
+              </a:ext>
+            </a:extLst>
+          </p:cNvPr>
+          <p:cNvSpPr>
+            <a:spLocks noGrp="1"/>
+          </p:cNvSpPr>
+          <p:nvPr>
+            <p:ph sz="half" idx="2"/>
+          </p:nvPr>
+        </p:nvSpPr>
+        <p:spPr/>
+        <p:txBody>
+          <a:bodyPr/>
+          <a:lstStyle/>
+          <a:p>
+            <a:pPr marL="0" indent="0">
+              <a:buNone/>
+            </a:pPr>
+            <a:r>
+              <a:rPr lang="en-US" dirty="0"/>
+              <a:t>Methods:</a:t>
+            </a:r>
+          </a:p>
+          <a:p>
+            <a:r>
+              <a:rPr lang="en-US" dirty="0" err="1"/>
+              <a:t>mBraceEquip</a:t>
+            </a:r>
+            <a:r>
+              <a:rPr lang="en-US" dirty="0"/>
+              <a:t>()</a:t>
+            </a:r>
+          </a:p>
+          <a:p>
+            <a:endParaRPr lang="en-US" dirty="0"/>
+          </a:p>
+        </p:txBody>
+      </p:sp>
+    </p:spTree>
+    <p:extLst>
+      <p:ext uri="{BB962C8B-B14F-4D97-AF65-F5344CB8AC3E}">
+        <p14:creationId xmlns:p14="http://schemas.microsoft.com/office/powerpoint/2010/main" val="3283481699"/>
+      </p:ext>
+    </p:extLst>
+  </p:cSld>
+  <p:clrMapOvr>
+    <a:masterClrMapping/>
+  </p:clrMapOvr>
+</p:sld>
+</file>
+
+<file path=ppt/slides/slide23.xml><?xml version="1.0" encoding="utf-8"?>
+<p:sld xmlns:a="http://schemas.openxmlformats.org/drawingml/2006/main" xmlns:r="http://schemas.openxmlformats.org/officeDocument/2006/relationships" xmlns:p="http://schemas.openxmlformats.org/presentationml/2006/main">
+  <p:cSld>
+    <p:spTree>
+      <p:nvGrpSpPr>
+        <p:cNvPr id="1" name=""/>
+        <p:cNvGrpSpPr/>
+        <p:nvPr/>
+      </p:nvGrpSpPr>
+      <p:grpSpPr>
+        <a:xfrm>
+          <a:off x="0" y="0"/>
+          <a:ext cx="0" cy="0"/>
+          <a:chOff x="0" y="0"/>
+          <a:chExt cx="0" cy="0"/>
+        </a:xfrm>
+      </p:grpSpPr>
+      <p:sp>
+        <p:nvSpPr>
+          <p:cNvPr id="2" name="Title 1">
+            <a:extLst>
+              <a:ext uri="{FF2B5EF4-FFF2-40B4-BE49-F238E27FC236}">
+                <a16:creationId xmlns:a16="http://schemas.microsoft.com/office/drawing/2014/main" id="{2E696A49-3C0A-4036-BFB7-D614F1281F6A}"/>
+              </a:ext>
+            </a:extLst>
+          </p:cNvPr>
+          <p:cNvSpPr>
+            <a:spLocks noGrp="1"/>
+          </p:cNvSpPr>
+          <p:nvPr>
+            <p:ph type="title"/>
+          </p:nvPr>
+        </p:nvSpPr>
+        <p:spPr/>
+        <p:txBody>
+          <a:bodyPr/>
+          <a:lstStyle/>
+          <a:p>
+            <a:r>
+              <a:rPr lang="en-US" dirty="0"/>
+              <a:t>App Objectives</a:t>
+            </a:r>
+          </a:p>
+        </p:txBody>
+      </p:sp>
+      <p:sp>
+        <p:nvSpPr>
+          <p:cNvPr id="3" name="Content Placeholder 2">
+            <a:extLst>
+              <a:ext uri="{FF2B5EF4-FFF2-40B4-BE49-F238E27FC236}">
+                <a16:creationId xmlns:a16="http://schemas.microsoft.com/office/drawing/2014/main" id="{0D718805-0B7A-44F2-AEF2-C3F9EDF3E5C0}"/>
+              </a:ext>
+            </a:extLst>
+          </p:cNvPr>
+          <p:cNvSpPr>
+            <a:spLocks noGrp="1"/>
+          </p:cNvSpPr>
+          <p:nvPr>
+            <p:ph idx="1"/>
+          </p:nvPr>
+        </p:nvSpPr>
+        <p:spPr/>
+        <p:txBody>
+          <a:bodyPr/>
+          <a:lstStyle/>
+          <a:p>
+            <a:r>
+              <a:rPr lang="en-US" dirty="0"/>
+              <a:t>Can have multiple Pokémon (objects)</a:t>
+            </a:r>
+          </a:p>
+          <a:p>
+            <a:r>
+              <a:rPr lang="en-US" dirty="0"/>
+              <a:t>Proper limits set for max EV values (Gen III: 255 per stat, 510 total)</a:t>
+            </a:r>
+          </a:p>
+        </p:txBody>
+      </p:sp>
+    </p:spTree>
+    <p:extLst>
+      <p:ext uri="{BB962C8B-B14F-4D97-AF65-F5344CB8AC3E}">
+        <p14:creationId xmlns:p14="http://schemas.microsoft.com/office/powerpoint/2010/main" val="3206296773"/>
+      </p:ext>
+    </p:extLst>
+  </p:cSld>
+  <p:clrMapOvr>
+    <a:masterClrMapping/>
+  </p:clrMapOvr>
+</p:sld>
+</file>
+
+<file path=ppt/slides/slide24.xml><?xml version="1.0" encoding="utf-8"?>
+<p:sld xmlns:a="http://schemas.openxmlformats.org/drawingml/2006/main" xmlns:r="http://schemas.openxmlformats.org/officeDocument/2006/relationships" xmlns:p="http://schemas.openxmlformats.org/presentationml/2006/main">
+  <p:cSld>
+    <p:spTree>
+      <p:nvGrpSpPr>
+        <p:cNvPr id="1" name=""/>
+        <p:cNvGrpSpPr/>
+        <p:nvPr/>
+      </p:nvGrpSpPr>
+      <p:grpSpPr>
+        <a:xfrm>
+          <a:off x="0" y="0"/>
+          <a:ext cx="0" cy="0"/>
+          <a:chOff x="0" y="0"/>
+          <a:chExt cx="0" cy="0"/>
+        </a:xfrm>
+      </p:grpSpPr>
+      <p:sp>
+        <p:nvSpPr>
+          <p:cNvPr id="3" name="Title 2">
+            <a:extLst>
+              <a:ext uri="{FF2B5EF4-FFF2-40B4-BE49-F238E27FC236}">
+                <a16:creationId xmlns:a16="http://schemas.microsoft.com/office/drawing/2014/main" id="{45DE5820-B653-4759-AC50-404437FE1E86}"/>
+              </a:ext>
+            </a:extLst>
+          </p:cNvPr>
+          <p:cNvSpPr>
+            <a:spLocks noGrp="1"/>
+          </p:cNvSpPr>
+          <p:nvPr>
+            <p:ph type="title"/>
+          </p:nvPr>
+        </p:nvSpPr>
+        <p:spPr/>
+        <p:txBody>
+          <a:bodyPr/>
+          <a:lstStyle/>
+          <a:p>
+            <a:r>
+              <a:rPr lang="en-US" dirty="0"/>
+              <a:t>Next steps</a:t>
+            </a:r>
+          </a:p>
+        </p:txBody>
+      </p:sp>
+      <p:sp>
+        <p:nvSpPr>
+          <p:cNvPr id="4" name="Content Placeholder 3">
+            <a:extLst>
+              <a:ext uri="{FF2B5EF4-FFF2-40B4-BE49-F238E27FC236}">
+                <a16:creationId xmlns:a16="http://schemas.microsoft.com/office/drawing/2014/main" id="{571E808D-C156-41F2-9093-E8F3565BACEE}"/>
+              </a:ext>
+            </a:extLst>
+          </p:cNvPr>
+          <p:cNvSpPr>
+            <a:spLocks noGrp="1"/>
+          </p:cNvSpPr>
+          <p:nvPr>
+            <p:ph idx="1"/>
+          </p:nvPr>
+        </p:nvSpPr>
+        <p:spPr/>
+        <p:txBody>
+          <a:bodyPr/>
+          <a:lstStyle/>
+          <a:p>
+            <a:r>
+              <a:rPr lang="en-US" dirty="0"/>
+              <a:t>Add different definitions for different gens (3, 4)</a:t>
+            </a:r>
+          </a:p>
+          <a:p>
+            <a:r>
+              <a:rPr lang="en-US" dirty="0"/>
+              <a:t>Allow backups (to Google Drive, Dropbox, excel?)</a:t>
+            </a:r>
+          </a:p>
+          <a:p>
+            <a:r>
+              <a:rPr lang="en-US" dirty="0"/>
+              <a:t>Add buttons (1,2,3) for defeating Pokémon of different EVs</a:t>
+            </a:r>
+          </a:p>
+        </p:txBody>
+      </p:sp>
+    </p:spTree>
+    <p:extLst>
+      <p:ext uri="{BB962C8B-B14F-4D97-AF65-F5344CB8AC3E}">
+        <p14:creationId xmlns:p14="http://schemas.microsoft.com/office/powerpoint/2010/main" val="2517963255"/>
       </p:ext>
     </p:extLst>
   </p:cSld>
@@ -10705,7 +11652,7 @@
             <p:ph idx="1"/>
             <p:extLst>
               <p:ext uri="{D42A27DB-BD31-4B8C-83A1-F6EECF244321}">
-                <p14:modId xmlns:p14="http://schemas.microsoft.com/office/powerpoint/2010/main" val="2818672724"/>
+                <p14:modId xmlns:p14="http://schemas.microsoft.com/office/powerpoint/2010/main" val="1230973419"/>
               </p:ext>
             </p:extLst>
           </p:nvPr>
@@ -10813,6 +11760,26 @@
           <a:lstStyle/>
           <a:p>
             <a:r>
+              <a:rPr lang="en-US" dirty="0" err="1"/>
+              <a:t>hardSet</a:t>
+            </a:r>
+            <a:r>
+              <a:rPr lang="en-US" dirty="0"/>
+              <a:t>&lt;stat&gt;()</a:t>
+            </a:r>
+          </a:p>
+          <a:p>
+            <a:r>
+              <a:rPr lang="en-US" dirty="0" err="1"/>
+              <a:t>battleUp</a:t>
+            </a:r>
+            <a:r>
+              <a:rPr lang="en-US" dirty="0"/>
+              <a:t>&lt;stat type&gt;()</a:t>
+            </a:r>
+          </a:p>
+          <a:p>
+            <a:r>
               <a:rPr lang="en-US" dirty="0"/>
               <a:t>&lt;berry&gt;()</a:t>
             </a:r>
@@ -10831,8 +11798,21 @@
               <a:buNone/>
             </a:pPr>
             <a:r>
+              <a:rPr lang="en-US" dirty="0" err="1"/>
+              <a:t>hardSet</a:t>
+            </a:r>
+            <a:r>
               <a:rPr lang="en-US" dirty="0"/>
-              <a:t>Methods for items which modify EVs</a:t>
+              <a:t> methods set the specified stat type to the value passed in</a:t>
+            </a:r>
+          </a:p>
+          <a:p>
+            <a:pPr marL="0" indent="0">
+              <a:buNone/>
+            </a:pPr>
+            <a:r>
+              <a:rPr lang="en-US" dirty="0"/>
+              <a:t>&lt;berry&gt; and &lt;vitamin&gt; methods represent items which modify EVs</a:t>
             </a:r>
           </a:p>
         </p:txBody>
@@ -10897,8 +11877,12 @@
           <a:lstStyle/>
           <a:p>
             <a:r>
+              <a:rPr lang="en-US" dirty="0" err="1"/>
+              <a:t>battleUp</a:t>
+            </a:r>
+            <a:r>
               <a:rPr lang="en-US" dirty="0"/>
-              <a:t>&lt;berry&gt;()</a:t>
+              <a:t>&lt;stat&gt;()</a:t>
             </a:r>
           </a:p>
         </p:txBody>
@@ -10930,6 +11914,426 @@
                   <a:srgbClr val="E50101"/>
                 </a:solidFill>
               </a:rPr>
+              <a:t>battleUpHp</a:t>
+            </a:r>
+            <a:r>
+              <a:rPr lang="en-US" dirty="0">
+                <a:solidFill>
+                  <a:srgbClr val="E50101"/>
+                </a:solidFill>
+              </a:rPr>
+              <a:t>()</a:t>
+            </a:r>
+          </a:p>
+          <a:p>
+            <a:r>
+              <a:rPr lang="en-US" dirty="0" err="1">
+                <a:solidFill>
+                  <a:schemeClr val="accent2"/>
+                </a:solidFill>
+              </a:rPr>
+              <a:t>battleUpAtk</a:t>
+            </a:r>
+            <a:r>
+              <a:rPr lang="en-US" dirty="0">
+                <a:solidFill>
+                  <a:schemeClr val="accent2"/>
+                </a:solidFill>
+              </a:rPr>
+              <a:t>()</a:t>
+            </a:r>
+          </a:p>
+          <a:p>
+            <a:r>
+              <a:rPr lang="en-US" dirty="0" err="1">
+                <a:solidFill>
+                  <a:schemeClr val="accent4"/>
+                </a:solidFill>
+              </a:rPr>
+              <a:t>battleUpDef</a:t>
+            </a:r>
+            <a:r>
+              <a:rPr lang="en-US" dirty="0">
+                <a:solidFill>
+                  <a:schemeClr val="accent4"/>
+                </a:solidFill>
+              </a:rPr>
+              <a:t>()</a:t>
+            </a:r>
+          </a:p>
+          <a:p>
+            <a:r>
+              <a:rPr lang="en-US" dirty="0" err="1">
+                <a:solidFill>
+                  <a:schemeClr val="accent1"/>
+                </a:solidFill>
+              </a:rPr>
+              <a:t>battleUpAtk</a:t>
+            </a:r>
+            <a:r>
+              <a:rPr lang="en-US" dirty="0">
+                <a:solidFill>
+                  <a:schemeClr val="accent1"/>
+                </a:solidFill>
+              </a:rPr>
+              <a:t>()</a:t>
+            </a:r>
+          </a:p>
+          <a:p>
+            <a:r>
+              <a:rPr lang="en-US" dirty="0" err="1">
+                <a:solidFill>
+                  <a:schemeClr val="accent6"/>
+                </a:solidFill>
+              </a:rPr>
+              <a:t>battleUpSpDef</a:t>
+            </a:r>
+            <a:r>
+              <a:rPr lang="en-US" dirty="0">
+                <a:solidFill>
+                  <a:schemeClr val="accent6"/>
+                </a:solidFill>
+              </a:rPr>
+              <a:t>()</a:t>
+            </a:r>
+          </a:p>
+          <a:p>
+            <a:r>
+              <a:rPr lang="en-US" dirty="0" err="1">
+                <a:solidFill>
+                  <a:srgbClr val="FF118E"/>
+                </a:solidFill>
+              </a:rPr>
+              <a:t>battleUpSpd</a:t>
+            </a:r>
+            <a:r>
+              <a:rPr lang="en-US" dirty="0">
+                <a:solidFill>
+                  <a:srgbClr val="FF118E"/>
+                </a:solidFill>
+              </a:rPr>
+              <a:t>()</a:t>
+            </a:r>
+          </a:p>
+          <a:p>
+            <a:endParaRPr lang="en-US" dirty="0"/>
+          </a:p>
+          <a:p>
+            <a:pPr marL="0" indent="0">
+              <a:buNone/>
+            </a:pPr>
+            <a:r>
+              <a:rPr lang="en-US" dirty="0"/>
+              <a:t>Calculates EV earned per battle. Set to gain base 1 EV.</a:t>
+            </a:r>
+          </a:p>
+        </p:txBody>
+      </p:sp>
+    </p:spTree>
+    <p:extLst>
+      <p:ext uri="{BB962C8B-B14F-4D97-AF65-F5344CB8AC3E}">
+        <p14:creationId xmlns:p14="http://schemas.microsoft.com/office/powerpoint/2010/main" val="2436035158"/>
+      </p:ext>
+    </p:extLst>
+  </p:cSld>
+  <p:clrMapOvr>
+    <a:masterClrMapping/>
+  </p:clrMapOvr>
+</p:sld>
+</file>
+
+<file path=ppt/slides/slide6.xml><?xml version="1.0" encoding="utf-8"?>
+<p:sld xmlns:a="http://schemas.openxmlformats.org/drawingml/2006/main" xmlns:r="http://schemas.openxmlformats.org/officeDocument/2006/relationships" xmlns:p="http://schemas.openxmlformats.org/presentationml/2006/main">
+  <p:cSld>
+    <p:bg>
+      <p:bgPr>
+        <a:solidFill>
+          <a:srgbClr val="F7BBEE"/>
+        </a:solidFill>
+        <a:effectLst/>
+      </p:bgPr>
+    </p:bg>
+    <p:spTree>
+      <p:nvGrpSpPr>
+        <p:cNvPr id="1" name=""/>
+        <p:cNvGrpSpPr/>
+        <p:nvPr/>
+      </p:nvGrpSpPr>
+      <p:grpSpPr>
+        <a:xfrm>
+          <a:off x="0" y="0"/>
+          <a:ext cx="0" cy="0"/>
+          <a:chOff x="0" y="0"/>
+          <a:chExt cx="0" cy="0"/>
+        </a:xfrm>
+      </p:grpSpPr>
+      <p:sp>
+        <p:nvSpPr>
+          <p:cNvPr id="2" name="Title 1">
+            <a:extLst>
+              <a:ext uri="{FF2B5EF4-FFF2-40B4-BE49-F238E27FC236}">
+                <a16:creationId xmlns:a16="http://schemas.microsoft.com/office/drawing/2014/main" id="{DE3AD186-F4BD-4DFC-9D88-5CBECE66F389}"/>
+              </a:ext>
+            </a:extLst>
+          </p:cNvPr>
+          <p:cNvSpPr>
+            <a:spLocks noGrp="1"/>
+          </p:cNvSpPr>
+          <p:nvPr>
+            <p:ph type="title"/>
+          </p:nvPr>
+        </p:nvSpPr>
+        <p:spPr/>
+        <p:txBody>
+          <a:bodyPr/>
+          <a:lstStyle/>
+          <a:p>
+            <a:r>
+              <a:rPr lang="en-US" dirty="0" err="1"/>
+              <a:t>hardSet</a:t>
+            </a:r>
+            <a:r>
+              <a:rPr lang="en-US" dirty="0"/>
+              <a:t>&lt;stat&gt;()</a:t>
+            </a:r>
+          </a:p>
+        </p:txBody>
+      </p:sp>
+      <p:sp>
+        <p:nvSpPr>
+          <p:cNvPr id="5" name="Content Placeholder 4">
+            <a:extLst>
+              <a:ext uri="{FF2B5EF4-FFF2-40B4-BE49-F238E27FC236}">
+                <a16:creationId xmlns:a16="http://schemas.microsoft.com/office/drawing/2014/main" id="{E339DA95-E903-4B14-80A4-3E8C57351168}"/>
+              </a:ext>
+            </a:extLst>
+          </p:cNvPr>
+          <p:cNvSpPr>
+            <a:spLocks noGrp="1"/>
+          </p:cNvSpPr>
+          <p:nvPr>
+            <p:ph idx="1"/>
+          </p:nvPr>
+        </p:nvSpPr>
+        <p:spPr/>
+        <p:txBody>
+          <a:bodyPr/>
+          <a:lstStyle/>
+          <a:p>
+            <a:r>
+              <a:rPr lang="en-US" dirty="0" err="1">
+                <a:solidFill>
+                  <a:srgbClr val="E50101"/>
+                </a:solidFill>
+              </a:rPr>
+              <a:t>hardSetHp</a:t>
+            </a:r>
+            <a:r>
+              <a:rPr lang="en-US" dirty="0">
+                <a:solidFill>
+                  <a:srgbClr val="E50101"/>
+                </a:solidFill>
+              </a:rPr>
+              <a:t>()</a:t>
+            </a:r>
+          </a:p>
+          <a:p>
+            <a:r>
+              <a:rPr lang="en-US" dirty="0" err="1">
+                <a:solidFill>
+                  <a:schemeClr val="accent2"/>
+                </a:solidFill>
+              </a:rPr>
+              <a:t>hardSetAtk</a:t>
+            </a:r>
+            <a:r>
+              <a:rPr lang="en-US" dirty="0">
+                <a:solidFill>
+                  <a:schemeClr val="accent2"/>
+                </a:solidFill>
+              </a:rPr>
+              <a:t>()</a:t>
+            </a:r>
+          </a:p>
+          <a:p>
+            <a:r>
+              <a:rPr lang="en-US" dirty="0" err="1">
+                <a:solidFill>
+                  <a:schemeClr val="accent4"/>
+                </a:solidFill>
+              </a:rPr>
+              <a:t>hardSetDef</a:t>
+            </a:r>
+            <a:r>
+              <a:rPr lang="en-US" dirty="0">
+                <a:solidFill>
+                  <a:schemeClr val="accent4"/>
+                </a:solidFill>
+              </a:rPr>
+              <a:t>()</a:t>
+            </a:r>
+          </a:p>
+          <a:p>
+            <a:r>
+              <a:rPr lang="en-US" dirty="0" err="1">
+                <a:solidFill>
+                  <a:schemeClr val="accent1"/>
+                </a:solidFill>
+              </a:rPr>
+              <a:t>hardSetSpAtk</a:t>
+            </a:r>
+            <a:r>
+              <a:rPr lang="en-US" dirty="0">
+                <a:solidFill>
+                  <a:schemeClr val="accent1"/>
+                </a:solidFill>
+              </a:rPr>
+              <a:t>()</a:t>
+            </a:r>
+          </a:p>
+          <a:p>
+            <a:r>
+              <a:rPr lang="en-US" dirty="0" err="1">
+                <a:solidFill>
+                  <a:schemeClr val="accent6"/>
+                </a:solidFill>
+              </a:rPr>
+              <a:t>hardSetSpDef</a:t>
+            </a:r>
+            <a:r>
+              <a:rPr lang="en-US" dirty="0">
+                <a:solidFill>
+                  <a:schemeClr val="accent6"/>
+                </a:solidFill>
+              </a:rPr>
+              <a:t>()</a:t>
+            </a:r>
+          </a:p>
+          <a:p>
+            <a:r>
+              <a:rPr lang="en-US" dirty="0" err="1">
+                <a:solidFill>
+                  <a:srgbClr val="FF118E"/>
+                </a:solidFill>
+              </a:rPr>
+              <a:t>hardSetSpd</a:t>
+            </a:r>
+            <a:r>
+              <a:rPr lang="en-US" dirty="0">
+                <a:solidFill>
+                  <a:srgbClr val="FF118E"/>
+                </a:solidFill>
+              </a:rPr>
+              <a:t>()</a:t>
+            </a:r>
+          </a:p>
+          <a:p>
+            <a:endParaRPr lang="en-US" dirty="0"/>
+          </a:p>
+          <a:p>
+            <a:pPr marL="0" indent="0">
+              <a:buNone/>
+            </a:pPr>
+            <a:r>
+              <a:rPr lang="en-US" dirty="0"/>
+              <a:t>Setter methods for stats.</a:t>
+            </a:r>
+          </a:p>
+        </p:txBody>
+      </p:sp>
+    </p:spTree>
+    <p:extLst>
+      <p:ext uri="{BB962C8B-B14F-4D97-AF65-F5344CB8AC3E}">
+        <p14:creationId xmlns:p14="http://schemas.microsoft.com/office/powerpoint/2010/main" val="1839918016"/>
+      </p:ext>
+    </p:extLst>
+  </p:cSld>
+  <p:clrMapOvr>
+    <a:masterClrMapping/>
+  </p:clrMapOvr>
+</p:sld>
+</file>
+
+<file path=ppt/slides/slide7.xml><?xml version="1.0" encoding="utf-8"?>
+<p:sld xmlns:a="http://schemas.openxmlformats.org/drawingml/2006/main" xmlns:r="http://schemas.openxmlformats.org/officeDocument/2006/relationships" xmlns:p="http://schemas.openxmlformats.org/presentationml/2006/main">
+  <p:cSld>
+    <p:bg>
+      <p:bgPr>
+        <a:solidFill>
+          <a:srgbClr val="F7BBEE"/>
+        </a:solidFill>
+        <a:effectLst/>
+      </p:bgPr>
+    </p:bg>
+    <p:spTree>
+      <p:nvGrpSpPr>
+        <p:cNvPr id="1" name=""/>
+        <p:cNvGrpSpPr/>
+        <p:nvPr/>
+      </p:nvGrpSpPr>
+      <p:grpSpPr>
+        <a:xfrm>
+          <a:off x="0" y="0"/>
+          <a:ext cx="0" cy="0"/>
+          <a:chOff x="0" y="0"/>
+          <a:chExt cx="0" cy="0"/>
+        </a:xfrm>
+      </p:grpSpPr>
+      <p:sp>
+        <p:nvSpPr>
+          <p:cNvPr id="2" name="Title 1">
+            <a:extLst>
+              <a:ext uri="{FF2B5EF4-FFF2-40B4-BE49-F238E27FC236}">
+                <a16:creationId xmlns:a16="http://schemas.microsoft.com/office/drawing/2014/main" id="{DE3AD186-F4BD-4DFC-9D88-5CBECE66F389}"/>
+              </a:ext>
+            </a:extLst>
+          </p:cNvPr>
+          <p:cNvSpPr>
+            <a:spLocks noGrp="1"/>
+          </p:cNvSpPr>
+          <p:nvPr>
+            <p:ph type="title"/>
+          </p:nvPr>
+        </p:nvSpPr>
+        <p:spPr/>
+        <p:txBody>
+          <a:bodyPr/>
+          <a:lstStyle/>
+          <a:p>
+            <a:r>
+              <a:rPr lang="en-US" dirty="0"/>
+              <a:t>&lt;berry&gt;()</a:t>
+            </a:r>
+          </a:p>
+        </p:txBody>
+      </p:sp>
+      <p:sp>
+        <p:nvSpPr>
+          <p:cNvPr id="5" name="Content Placeholder 4">
+            <a:extLst>
+              <a:ext uri="{FF2B5EF4-FFF2-40B4-BE49-F238E27FC236}">
+                <a16:creationId xmlns:a16="http://schemas.microsoft.com/office/drawing/2014/main" id="{E339DA95-E903-4B14-80A4-3E8C57351168}"/>
+              </a:ext>
+            </a:extLst>
+          </p:cNvPr>
+          <p:cNvSpPr>
+            <a:spLocks noGrp="1"/>
+          </p:cNvSpPr>
+          <p:nvPr>
+            <p:ph idx="1"/>
+          </p:nvPr>
+        </p:nvSpPr>
+        <p:spPr/>
+        <p:txBody>
+          <a:bodyPr/>
+          <a:lstStyle/>
+          <a:p>
+            <a:r>
+              <a:rPr lang="en-US" dirty="0" err="1">
+                <a:solidFill>
+                  <a:srgbClr val="E50101"/>
+                </a:solidFill>
+              </a:rPr>
               <a:t>pomeg</a:t>
             </a:r>
             <a:r>
@@ -11058,7 +12462,7 @@
 </p:sld>
 </file>
 
-<file path=ppt/slides/slide6.xml><?xml version="1.0" encoding="utf-8"?>
+<file path=ppt/slides/slide8.xml><?xml version="1.0" encoding="utf-8"?>
 <p:sld xmlns:a="http://schemas.openxmlformats.org/drawingml/2006/main" xmlns:r="http://schemas.openxmlformats.org/officeDocument/2006/relationships" xmlns:p="http://schemas.openxmlformats.org/presentationml/2006/main">
   <p:cSld>
     <p:bg>
@@ -11213,8 +12617,8 @@
 </p:sld>
 </file>
 
-<file path=ppt/slides/slide7.xml><?xml version="1.0" encoding="utf-8"?>
-<p:sld xmlns:a="http://schemas.openxmlformats.org/drawingml/2006/main" xmlns:r="http://schemas.openxmlformats.org/officeDocument/2006/relationships" xmlns:p="http://schemas.openxmlformats.org/presentationml/2006/main">
+<file path=ppt/slides/slide9.xml><?xml version="1.0" encoding="utf-8"?>
+<p:sld xmlns:a="http://schemas.openxmlformats.org/drawingml/2006/main" xmlns:r="http://schemas.openxmlformats.org/officeDocument/2006/relationships" xmlns:p="http://schemas.openxmlformats.org/presentationml/2006/main" show="0">
   <p:cSld>
     <p:bg>
       <p:bgPr>
@@ -11313,340 +12717,6 @@
     <p:extLst>
       <p:ext uri="{BB962C8B-B14F-4D97-AF65-F5344CB8AC3E}">
         <p14:creationId xmlns:p14="http://schemas.microsoft.com/office/powerpoint/2010/main" val="1406216305"/>
-      </p:ext>
-    </p:extLst>
-  </p:cSld>
-  <p:clrMapOvr>
-    <a:masterClrMapping/>
-  </p:clrMapOvr>
-</p:sld>
-</file>
-
-<file path=ppt/slides/slide8.xml><?xml version="1.0" encoding="utf-8"?>
-<p:sld xmlns:a="http://schemas.openxmlformats.org/drawingml/2006/main" xmlns:r="http://schemas.openxmlformats.org/officeDocument/2006/relationships" xmlns:p="http://schemas.openxmlformats.org/presentationml/2006/main">
-  <p:cSld>
-    <p:bg>
-      <p:bgPr>
-        <a:solidFill>
-          <a:srgbClr val="D4B9FF"/>
-        </a:solidFill>
-        <a:effectLst/>
-      </p:bgPr>
-    </p:bg>
-    <p:spTree>
-      <p:nvGrpSpPr>
-        <p:cNvPr id="1" name=""/>
-        <p:cNvGrpSpPr/>
-        <p:nvPr/>
-      </p:nvGrpSpPr>
-      <p:grpSpPr>
-        <a:xfrm>
-          <a:off x="0" y="0"/>
-          <a:ext cx="0" cy="0"/>
-          <a:chOff x="0" y="0"/>
-          <a:chExt cx="0" cy="0"/>
-        </a:xfrm>
-      </p:grpSpPr>
-      <p:sp>
-        <p:nvSpPr>
-          <p:cNvPr id="2" name="Title 1">
-            <a:extLst>
-              <a:ext uri="{FF2B5EF4-FFF2-40B4-BE49-F238E27FC236}">
-                <a16:creationId xmlns:a16="http://schemas.microsoft.com/office/drawing/2014/main" id="{DE3AD186-F4BD-4DFC-9D88-5CBECE66F389}"/>
-              </a:ext>
-            </a:extLst>
-          </p:cNvPr>
-          <p:cNvSpPr>
-            <a:spLocks noGrp="1"/>
-          </p:cNvSpPr>
-          <p:nvPr>
-            <p:ph type="title"/>
-          </p:nvPr>
-        </p:nvSpPr>
-        <p:spPr/>
-        <p:txBody>
-          <a:bodyPr/>
-          <a:lstStyle/>
-          <a:p>
-            <a:r>
-              <a:rPr lang="en-US" dirty="0"/>
-              <a:t>Interface: EVModsG4</a:t>
-            </a:r>
-          </a:p>
-        </p:txBody>
-      </p:sp>
-      <p:sp>
-        <p:nvSpPr>
-          <p:cNvPr id="5" name="Content Placeholder 4">
-            <a:extLst>
-              <a:ext uri="{FF2B5EF4-FFF2-40B4-BE49-F238E27FC236}">
-                <a16:creationId xmlns:a16="http://schemas.microsoft.com/office/drawing/2014/main" id="{E339DA95-E903-4B14-80A4-3E8C57351168}"/>
-              </a:ext>
-            </a:extLst>
-          </p:cNvPr>
-          <p:cNvSpPr>
-            <a:spLocks noGrp="1"/>
-          </p:cNvSpPr>
-          <p:nvPr>
-            <p:ph idx="1"/>
-          </p:nvPr>
-        </p:nvSpPr>
-        <p:spPr/>
-        <p:txBody>
-          <a:bodyPr/>
-          <a:lstStyle/>
-          <a:p>
-            <a:r>
-              <a:rPr lang="en-US" dirty="0">
-                <a:solidFill>
-                  <a:srgbClr val="E50101"/>
-                </a:solidFill>
-              </a:rPr>
-              <a:t>weight()</a:t>
-            </a:r>
-          </a:p>
-          <a:p>
-            <a:r>
-              <a:rPr lang="en-US" dirty="0">
-                <a:solidFill>
-                  <a:schemeClr val="accent2"/>
-                </a:solidFill>
-              </a:rPr>
-              <a:t>bracer()</a:t>
-            </a:r>
-          </a:p>
-          <a:p>
-            <a:r>
-              <a:rPr lang="en-US" dirty="0">
-                <a:solidFill>
-                  <a:schemeClr val="accent4"/>
-                </a:solidFill>
-              </a:rPr>
-              <a:t>belt()</a:t>
-            </a:r>
-          </a:p>
-          <a:p>
-            <a:r>
-              <a:rPr lang="en-US" dirty="0">
-                <a:solidFill>
-                  <a:schemeClr val="accent5"/>
-                </a:solidFill>
-              </a:rPr>
-              <a:t>lens()</a:t>
-            </a:r>
-          </a:p>
-          <a:p>
-            <a:r>
-              <a:rPr lang="en-US" dirty="0">
-                <a:solidFill>
-                  <a:schemeClr val="accent6"/>
-                </a:solidFill>
-              </a:rPr>
-              <a:t>band()</a:t>
-            </a:r>
-          </a:p>
-          <a:p>
-            <a:r>
-              <a:rPr lang="en-US" dirty="0">
-                <a:solidFill>
-                  <a:srgbClr val="FF118E"/>
-                </a:solidFill>
-              </a:rPr>
-              <a:t>anklet()</a:t>
-            </a:r>
-          </a:p>
-          <a:p>
-            <a:endParaRPr lang="en-US" dirty="0"/>
-          </a:p>
-          <a:p>
-            <a:pPr marL="0" indent="0">
-              <a:buNone/>
-            </a:pPr>
-            <a:r>
-              <a:rPr lang="en-US" dirty="0"/>
-              <a:t>Increases EV values per battle. Implemented differently by gen.</a:t>
-            </a:r>
-          </a:p>
-        </p:txBody>
-      </p:sp>
-    </p:spTree>
-    <p:extLst>
-      <p:ext uri="{BB962C8B-B14F-4D97-AF65-F5344CB8AC3E}">
-        <p14:creationId xmlns:p14="http://schemas.microsoft.com/office/powerpoint/2010/main" val="1758318770"/>
-      </p:ext>
-    </p:extLst>
-  </p:cSld>
-  <p:clrMapOvr>
-    <a:masterClrMapping/>
-  </p:clrMapOvr>
-</p:sld>
-</file>
-
-<file path=ppt/slides/slide9.xml><?xml version="1.0" encoding="utf-8"?>
-<p:sld xmlns:a="http://schemas.openxmlformats.org/drawingml/2006/main" xmlns:r="http://schemas.openxmlformats.org/officeDocument/2006/relationships" xmlns:p="http://schemas.openxmlformats.org/presentationml/2006/main">
-  <p:cSld>
-    <p:bg>
-      <p:bgPr>
-        <a:solidFill>
-          <a:srgbClr val="BDA29F"/>
-        </a:solidFill>
-        <a:effectLst/>
-      </p:bgPr>
-    </p:bg>
-    <p:spTree>
-      <p:nvGrpSpPr>
-        <p:cNvPr id="1" name=""/>
-        <p:cNvGrpSpPr/>
-        <p:nvPr/>
-      </p:nvGrpSpPr>
-      <p:grpSpPr>
-        <a:xfrm>
-          <a:off x="0" y="0"/>
-          <a:ext cx="0" cy="0"/>
-          <a:chOff x="0" y="0"/>
-          <a:chExt cx="0" cy="0"/>
-        </a:xfrm>
-      </p:grpSpPr>
-      <p:sp>
-        <p:nvSpPr>
-          <p:cNvPr id="2" name="Title 1">
-            <a:extLst>
-              <a:ext uri="{FF2B5EF4-FFF2-40B4-BE49-F238E27FC236}">
-                <a16:creationId xmlns:a16="http://schemas.microsoft.com/office/drawing/2014/main" id="{A0258CB8-C11B-46BB-BC49-E030980140A8}"/>
-              </a:ext>
-            </a:extLst>
-          </p:cNvPr>
-          <p:cNvSpPr>
-            <a:spLocks noGrp="1"/>
-          </p:cNvSpPr>
-          <p:nvPr>
-            <p:ph type="title"/>
-          </p:nvPr>
-        </p:nvSpPr>
-        <p:spPr/>
-        <p:txBody>
-          <a:bodyPr/>
-          <a:lstStyle/>
-          <a:p>
-            <a:r>
-              <a:rPr lang="en-US" dirty="0"/>
-              <a:t>Class: PokemonG3</a:t>
-            </a:r>
-          </a:p>
-        </p:txBody>
-      </p:sp>
-      <p:sp>
-        <p:nvSpPr>
-          <p:cNvPr id="4" name="Content Placeholder 3">
-            <a:extLst>
-              <a:ext uri="{FF2B5EF4-FFF2-40B4-BE49-F238E27FC236}">
-                <a16:creationId xmlns:a16="http://schemas.microsoft.com/office/drawing/2014/main" id="{E2E0396D-392A-48E8-98F8-482AE1EE50C4}"/>
-              </a:ext>
-            </a:extLst>
-          </p:cNvPr>
-          <p:cNvSpPr>
-            <a:spLocks noGrp="1"/>
-          </p:cNvSpPr>
-          <p:nvPr>
-            <p:ph sz="half" idx="1"/>
-          </p:nvPr>
-        </p:nvSpPr>
-        <p:spPr/>
-        <p:txBody>
-          <a:bodyPr/>
-          <a:lstStyle/>
-          <a:p>
-            <a:pPr marL="0" indent="0">
-              <a:buNone/>
-            </a:pPr>
-            <a:r>
-              <a:rPr lang="en-US" dirty="0"/>
-              <a:t>Members:</a:t>
-            </a:r>
-          </a:p>
-          <a:p>
-            <a:r>
-              <a:rPr lang="en-US" dirty="0"/>
-              <a:t>&lt;stat types&gt;</a:t>
-            </a:r>
-          </a:p>
-          <a:p>
-            <a:r>
-              <a:rPr lang="en-US" dirty="0" err="1"/>
-              <a:t>totalEv</a:t>
-            </a:r>
-            <a:endParaRPr lang="en-US" dirty="0"/>
-          </a:p>
-          <a:p>
-            <a:r>
-              <a:rPr lang="en-US" dirty="0" err="1"/>
-              <a:t>mBrace</a:t>
-            </a:r>
-            <a:endParaRPr lang="en-US" dirty="0"/>
-          </a:p>
-          <a:p>
-            <a:r>
-              <a:rPr lang="en-US" dirty="0"/>
-              <a:t>name</a:t>
-            </a:r>
-          </a:p>
-        </p:txBody>
-      </p:sp>
-      <p:sp>
-        <p:nvSpPr>
-          <p:cNvPr id="5" name="Content Placeholder 4">
-            <a:extLst>
-              <a:ext uri="{FF2B5EF4-FFF2-40B4-BE49-F238E27FC236}">
-                <a16:creationId xmlns:a16="http://schemas.microsoft.com/office/drawing/2014/main" id="{6A95C44A-8A61-4569-A819-8E3DBE20F60E}"/>
-              </a:ext>
-            </a:extLst>
-          </p:cNvPr>
-          <p:cNvSpPr>
-            <a:spLocks noGrp="1"/>
-          </p:cNvSpPr>
-          <p:nvPr>
-            <p:ph sz="half" idx="2"/>
-          </p:nvPr>
-        </p:nvSpPr>
-        <p:spPr/>
-        <p:txBody>
-          <a:bodyPr/>
-          <a:lstStyle/>
-          <a:p>
-            <a:pPr marL="0" indent="0">
-              <a:buNone/>
-            </a:pPr>
-            <a:r>
-              <a:rPr lang="en-US" dirty="0"/>
-              <a:t>Methods:</a:t>
-            </a:r>
-          </a:p>
-          <a:p>
-            <a:r>
-              <a:rPr lang="en-US" dirty="0" err="1"/>
-              <a:t>battleUp</a:t>
-            </a:r>
-            <a:r>
-              <a:rPr lang="en-US" dirty="0"/>
-              <a:t>&lt;stat type&gt;()</a:t>
-            </a:r>
-          </a:p>
-          <a:p>
-            <a:r>
-              <a:rPr lang="en-US" dirty="0" err="1"/>
-              <a:t>mBraceEquip</a:t>
-            </a:r>
-            <a:r>
-              <a:rPr lang="en-US" dirty="0"/>
-              <a:t>()</a:t>
-            </a:r>
-          </a:p>
-        </p:txBody>
-      </p:sp>
-    </p:spTree>
-    <p:extLst>
-      <p:ext uri="{BB962C8B-B14F-4D97-AF65-F5344CB8AC3E}">
-        <p14:creationId xmlns:p14="http://schemas.microsoft.com/office/powerpoint/2010/main" val="795195879"/>
       </p:ext>
     </p:extLst>
   </p:cSld>

--- a/Outline_PokemonEVCounterApp.pptx
+++ b/Outline_PokemonEVCounterApp.pptx
@@ -9,26 +9,23 @@
     <p:sldId id="273" r:id="rId3"/>
     <p:sldId id="265" r:id="rId4"/>
     <p:sldId id="271" r:id="rId5"/>
-    <p:sldId id="278" r:id="rId6"/>
-    <p:sldId id="279" r:id="rId7"/>
-    <p:sldId id="260" r:id="rId8"/>
-    <p:sldId id="269" r:id="rId9"/>
-    <p:sldId id="272" r:id="rId10"/>
-    <p:sldId id="262" r:id="rId11"/>
-    <p:sldId id="259" r:id="rId12"/>
-    <p:sldId id="256" r:id="rId13"/>
-    <p:sldId id="270" r:id="rId14"/>
-    <p:sldId id="266" r:id="rId15"/>
-    <p:sldId id="274" r:id="rId16"/>
-    <p:sldId id="276" r:id="rId17"/>
-    <p:sldId id="267" r:id="rId18"/>
-    <p:sldId id="268" r:id="rId19"/>
-    <p:sldId id="261" r:id="rId20"/>
-    <p:sldId id="275" r:id="rId21"/>
-    <p:sldId id="277" r:id="rId22"/>
-    <p:sldId id="263" r:id="rId23"/>
-    <p:sldId id="258" r:id="rId24"/>
-    <p:sldId id="257" r:id="rId25"/>
+    <p:sldId id="277" r:id="rId6"/>
+    <p:sldId id="278" r:id="rId7"/>
+    <p:sldId id="279" r:id="rId8"/>
+    <p:sldId id="260" r:id="rId9"/>
+    <p:sldId id="269" r:id="rId10"/>
+    <p:sldId id="259" r:id="rId11"/>
+    <p:sldId id="256" r:id="rId12"/>
+    <p:sldId id="270" r:id="rId13"/>
+    <p:sldId id="274" r:id="rId14"/>
+    <p:sldId id="276" r:id="rId15"/>
+    <p:sldId id="267" r:id="rId16"/>
+    <p:sldId id="268" r:id="rId17"/>
+    <p:sldId id="275" r:id="rId18"/>
+    <p:sldId id="263" r:id="rId19"/>
+    <p:sldId id="280" r:id="rId20"/>
+    <p:sldId id="258" r:id="rId21"/>
+    <p:sldId id="257" r:id="rId22"/>
   </p:sldIdLst>
   <p:sldSz cx="12192000" cy="6858000"/>
   <p:notesSz cx="6858000" cy="9144000"/>
@@ -6178,7 +6175,7 @@
           <a:p>
             <a:fld id="{8683F127-5722-4A5D-A693-71685CFA9954}" type="datetimeFigureOut">
               <a:rPr lang="en-US" smtClean="0"/>
-              <a:t>7/31/2020</a:t>
+              <a:t>8/7/2020</a:t>
             </a:fld>
             <a:endParaRPr lang="en-US"/>
           </a:p>
@@ -6376,7 +6373,7 @@
           <a:p>
             <a:fld id="{8683F127-5722-4A5D-A693-71685CFA9954}" type="datetimeFigureOut">
               <a:rPr lang="en-US" smtClean="0"/>
-              <a:t>7/31/2020</a:t>
+              <a:t>8/7/2020</a:t>
             </a:fld>
             <a:endParaRPr lang="en-US"/>
           </a:p>
@@ -6584,7 +6581,7 @@
           <a:p>
             <a:fld id="{8683F127-5722-4A5D-A693-71685CFA9954}" type="datetimeFigureOut">
               <a:rPr lang="en-US" smtClean="0"/>
-              <a:t>7/31/2020</a:t>
+              <a:t>8/7/2020</a:t>
             </a:fld>
             <a:endParaRPr lang="en-US"/>
           </a:p>
@@ -6782,7 +6779,7 @@
           <a:p>
             <a:fld id="{8683F127-5722-4A5D-A693-71685CFA9954}" type="datetimeFigureOut">
               <a:rPr lang="en-US" smtClean="0"/>
-              <a:t>7/31/2020</a:t>
+              <a:t>8/7/2020</a:t>
             </a:fld>
             <a:endParaRPr lang="en-US"/>
           </a:p>
@@ -7057,7 +7054,7 @@
           <a:p>
             <a:fld id="{8683F127-5722-4A5D-A693-71685CFA9954}" type="datetimeFigureOut">
               <a:rPr lang="en-US" smtClean="0"/>
-              <a:t>7/31/2020</a:t>
+              <a:t>8/7/2020</a:t>
             </a:fld>
             <a:endParaRPr lang="en-US"/>
           </a:p>
@@ -7322,7 +7319,7 @@
           <a:p>
             <a:fld id="{8683F127-5722-4A5D-A693-71685CFA9954}" type="datetimeFigureOut">
               <a:rPr lang="en-US" smtClean="0"/>
-              <a:t>7/31/2020</a:t>
+              <a:t>8/7/2020</a:t>
             </a:fld>
             <a:endParaRPr lang="en-US"/>
           </a:p>
@@ -7734,7 +7731,7 @@
           <a:p>
             <a:fld id="{8683F127-5722-4A5D-A693-71685CFA9954}" type="datetimeFigureOut">
               <a:rPr lang="en-US" smtClean="0"/>
-              <a:t>7/31/2020</a:t>
+              <a:t>8/7/2020</a:t>
             </a:fld>
             <a:endParaRPr lang="en-US"/>
           </a:p>
@@ -7875,7 +7872,7 @@
           <a:p>
             <a:fld id="{8683F127-5722-4A5D-A693-71685CFA9954}" type="datetimeFigureOut">
               <a:rPr lang="en-US" smtClean="0"/>
-              <a:t>7/31/2020</a:t>
+              <a:t>8/7/2020</a:t>
             </a:fld>
             <a:endParaRPr lang="en-US"/>
           </a:p>
@@ -7988,7 +7985,7 @@
           <a:p>
             <a:fld id="{8683F127-5722-4A5D-A693-71685CFA9954}" type="datetimeFigureOut">
               <a:rPr lang="en-US" smtClean="0"/>
-              <a:t>7/31/2020</a:t>
+              <a:t>8/7/2020</a:t>
             </a:fld>
             <a:endParaRPr lang="en-US"/>
           </a:p>
@@ -8299,7 +8296,7 @@
           <a:p>
             <a:fld id="{8683F127-5722-4A5D-A693-71685CFA9954}" type="datetimeFigureOut">
               <a:rPr lang="en-US" smtClean="0"/>
-              <a:t>7/31/2020</a:t>
+              <a:t>8/7/2020</a:t>
             </a:fld>
             <a:endParaRPr lang="en-US"/>
           </a:p>
@@ -8587,7 +8584,7 @@
           <a:p>
             <a:fld id="{8683F127-5722-4A5D-A693-71685CFA9954}" type="datetimeFigureOut">
               <a:rPr lang="en-US" smtClean="0"/>
-              <a:t>7/31/2020</a:t>
+              <a:t>8/7/2020</a:t>
             </a:fld>
             <a:endParaRPr lang="en-US"/>
           </a:p>
@@ -8828,7 +8825,7 @@
           <a:p>
             <a:fld id="{8683F127-5722-4A5D-A693-71685CFA9954}" type="datetimeFigureOut">
               <a:rPr lang="en-US" smtClean="0"/>
-              <a:t>7/31/2020</a:t>
+              <a:t>8/7/2020</a:t>
             </a:fld>
             <a:endParaRPr lang="en-US"/>
           </a:p>
@@ -9334,166 +9331,6 @@
 </file>
 
 <file path=ppt/slides/slide10.xml><?xml version="1.0" encoding="utf-8"?>
-<p:sld xmlns:a="http://schemas.openxmlformats.org/drawingml/2006/main" xmlns:r="http://schemas.openxmlformats.org/officeDocument/2006/relationships" xmlns:p="http://schemas.openxmlformats.org/presentationml/2006/main" show="0">
-  <p:cSld>
-    <p:bg>
-      <p:bgPr>
-        <a:solidFill>
-          <a:srgbClr val="D4B9FF"/>
-        </a:solidFill>
-        <a:effectLst/>
-      </p:bgPr>
-    </p:bg>
-    <p:spTree>
-      <p:nvGrpSpPr>
-        <p:cNvPr id="1" name=""/>
-        <p:cNvGrpSpPr/>
-        <p:nvPr/>
-      </p:nvGrpSpPr>
-      <p:grpSpPr>
-        <a:xfrm>
-          <a:off x="0" y="0"/>
-          <a:ext cx="0" cy="0"/>
-          <a:chOff x="0" y="0"/>
-          <a:chExt cx="0" cy="0"/>
-        </a:xfrm>
-      </p:grpSpPr>
-      <p:sp>
-        <p:nvSpPr>
-          <p:cNvPr id="2" name="Title 1">
-            <a:extLst>
-              <a:ext uri="{FF2B5EF4-FFF2-40B4-BE49-F238E27FC236}">
-                <a16:creationId xmlns:a16="http://schemas.microsoft.com/office/drawing/2014/main" id="{DE3AD186-F4BD-4DFC-9D88-5CBECE66F389}"/>
-              </a:ext>
-            </a:extLst>
-          </p:cNvPr>
-          <p:cNvSpPr>
-            <a:spLocks noGrp="1"/>
-          </p:cNvSpPr>
-          <p:nvPr>
-            <p:ph type="title"/>
-          </p:nvPr>
-        </p:nvSpPr>
-        <p:spPr/>
-        <p:txBody>
-          <a:bodyPr/>
-          <a:lstStyle/>
-          <a:p>
-            <a:r>
-              <a:rPr lang="en-US" dirty="0"/>
-              <a:t>Interface: EVModsG4</a:t>
-            </a:r>
-          </a:p>
-        </p:txBody>
-      </p:sp>
-      <p:sp>
-        <p:nvSpPr>
-          <p:cNvPr id="5" name="Content Placeholder 4">
-            <a:extLst>
-              <a:ext uri="{FF2B5EF4-FFF2-40B4-BE49-F238E27FC236}">
-                <a16:creationId xmlns:a16="http://schemas.microsoft.com/office/drawing/2014/main" id="{E339DA95-E903-4B14-80A4-3E8C57351168}"/>
-              </a:ext>
-            </a:extLst>
-          </p:cNvPr>
-          <p:cNvSpPr>
-            <a:spLocks noGrp="1"/>
-          </p:cNvSpPr>
-          <p:nvPr>
-            <p:ph idx="1"/>
-          </p:nvPr>
-        </p:nvSpPr>
-        <p:spPr/>
-        <p:txBody>
-          <a:bodyPr/>
-          <a:lstStyle/>
-          <a:p>
-            <a:r>
-              <a:rPr lang="en-US" dirty="0">
-                <a:solidFill>
-                  <a:srgbClr val="E50101"/>
-                </a:solidFill>
-              </a:rPr>
-              <a:t>weight()</a:t>
-            </a:r>
-          </a:p>
-          <a:p>
-            <a:r>
-              <a:rPr lang="en-US" dirty="0">
-                <a:solidFill>
-                  <a:schemeClr val="accent2"/>
-                </a:solidFill>
-              </a:rPr>
-              <a:t>bracer()</a:t>
-            </a:r>
-          </a:p>
-          <a:p>
-            <a:r>
-              <a:rPr lang="en-US" dirty="0">
-                <a:solidFill>
-                  <a:schemeClr val="accent4"/>
-                </a:solidFill>
-              </a:rPr>
-              <a:t>belt()</a:t>
-            </a:r>
-          </a:p>
-          <a:p>
-            <a:r>
-              <a:rPr lang="en-US" dirty="0">
-                <a:solidFill>
-                  <a:schemeClr val="accent5"/>
-                </a:solidFill>
-              </a:rPr>
-              <a:t>lens()</a:t>
-            </a:r>
-          </a:p>
-          <a:p>
-            <a:r>
-              <a:rPr lang="en-US" dirty="0">
-                <a:solidFill>
-                  <a:schemeClr val="accent6"/>
-                </a:solidFill>
-              </a:rPr>
-              <a:t>band()</a:t>
-            </a:r>
-          </a:p>
-          <a:p>
-            <a:r>
-              <a:rPr lang="en-US" dirty="0">
-                <a:solidFill>
-                  <a:srgbClr val="FF118E"/>
-                </a:solidFill>
-              </a:rPr>
-              <a:t>anklet()</a:t>
-            </a:r>
-          </a:p>
-          <a:p>
-            <a:endParaRPr lang="en-US" dirty="0"/>
-          </a:p>
-          <a:p>
-            <a:pPr marL="0" indent="0">
-              <a:buNone/>
-            </a:pPr>
-            <a:r>
-              <a:rPr lang="en-US" dirty="0"/>
-              <a:t>Increases EV values per battle. Implemented differently by gen.</a:t>
-            </a:r>
-          </a:p>
-        </p:txBody>
-      </p:sp>
-    </p:spTree>
-    <p:extLst>
-      <p:ext uri="{BB962C8B-B14F-4D97-AF65-F5344CB8AC3E}">
-        <p14:creationId xmlns:p14="http://schemas.microsoft.com/office/powerpoint/2010/main" val="1758318770"/>
-      </p:ext>
-    </p:extLst>
-  </p:cSld>
-  <p:clrMapOvr>
-    <a:masterClrMapping/>
-  </p:clrMapOvr>
-</p:sld>
-</file>
-
-<file path=ppt/slides/slide11.xml><?xml version="1.0" encoding="utf-8"?>
 <p:sld xmlns:a="http://schemas.openxmlformats.org/drawingml/2006/main" xmlns:r="http://schemas.openxmlformats.org/officeDocument/2006/relationships" xmlns:p="http://schemas.openxmlformats.org/presentationml/2006/main">
   <p:cSld>
     <p:bg>
@@ -9669,7 +9506,7 @@
 </p:sld>
 </file>
 
-<file path=ppt/slides/slide12.xml><?xml version="1.0" encoding="utf-8"?>
+<file path=ppt/slides/slide11.xml><?xml version="1.0" encoding="utf-8"?>
 <p:sld xmlns:a="http://schemas.openxmlformats.org/drawingml/2006/main" xmlns:r="http://schemas.openxmlformats.org/officeDocument/2006/relationships" xmlns:p="http://schemas.openxmlformats.org/presentationml/2006/main">
   <p:cSld>
     <p:bg>
@@ -9814,7 +9651,7 @@
 </p:sld>
 </file>
 
-<file path=ppt/slides/slide13.xml><?xml version="1.0" encoding="utf-8"?>
+<file path=ppt/slides/slide12.xml><?xml version="1.0" encoding="utf-8"?>
 <p:sld xmlns:a="http://schemas.openxmlformats.org/drawingml/2006/main" xmlns:r="http://schemas.openxmlformats.org/officeDocument/2006/relationships" xmlns:p="http://schemas.openxmlformats.org/presentationml/2006/main">
   <p:cSld>
     <p:bg>
@@ -9927,134 +9764,7 @@
 </p:sld>
 </file>
 
-<file path=ppt/slides/slide14.xml><?xml version="1.0" encoding="utf-8"?>
-<p:sld xmlns:a="http://schemas.openxmlformats.org/drawingml/2006/main" xmlns:r="http://schemas.openxmlformats.org/officeDocument/2006/relationships" xmlns:p="http://schemas.openxmlformats.org/presentationml/2006/main" show="0">
-  <p:cSld>
-    <p:bg>
-      <p:bgPr>
-        <a:solidFill>
-          <a:srgbClr val="BDA29F"/>
-        </a:solidFill>
-        <a:effectLst/>
-      </p:bgPr>
-    </p:bg>
-    <p:spTree>
-      <p:nvGrpSpPr>
-        <p:cNvPr id="1" name=""/>
-        <p:cNvGrpSpPr/>
-        <p:nvPr/>
-      </p:nvGrpSpPr>
-      <p:grpSpPr>
-        <a:xfrm>
-          <a:off x="0" y="0"/>
-          <a:ext cx="0" cy="0"/>
-          <a:chOff x="0" y="0"/>
-          <a:chExt cx="0" cy="0"/>
-        </a:xfrm>
-      </p:grpSpPr>
-      <p:sp>
-        <p:nvSpPr>
-          <p:cNvPr id="2" name="Title 1">
-            <a:extLst>
-              <a:ext uri="{FF2B5EF4-FFF2-40B4-BE49-F238E27FC236}">
-                <a16:creationId xmlns:a16="http://schemas.microsoft.com/office/drawing/2014/main" id="{A0258CB8-C11B-46BB-BC49-E030980140A8}"/>
-              </a:ext>
-            </a:extLst>
-          </p:cNvPr>
-          <p:cNvSpPr>
-            <a:spLocks noGrp="1"/>
-          </p:cNvSpPr>
-          <p:nvPr>
-            <p:ph type="title"/>
-          </p:nvPr>
-        </p:nvSpPr>
-        <p:spPr/>
-        <p:txBody>
-          <a:bodyPr/>
-          <a:lstStyle/>
-          <a:p>
-            <a:r>
-              <a:rPr lang="en-US" dirty="0" err="1"/>
-              <a:t>mBrace</a:t>
-            </a:r>
-            <a:endParaRPr lang="en-US" dirty="0"/>
-          </a:p>
-        </p:txBody>
-      </p:sp>
-      <p:sp>
-        <p:nvSpPr>
-          <p:cNvPr id="4" name="Content Placeholder 3">
-            <a:extLst>
-              <a:ext uri="{FF2B5EF4-FFF2-40B4-BE49-F238E27FC236}">
-                <a16:creationId xmlns:a16="http://schemas.microsoft.com/office/drawing/2014/main" id="{E2E0396D-392A-48E8-98F8-482AE1EE50C4}"/>
-              </a:ext>
-            </a:extLst>
-          </p:cNvPr>
-          <p:cNvSpPr>
-            <a:spLocks noGrp="1"/>
-          </p:cNvSpPr>
-          <p:nvPr>
-            <p:ph idx="1"/>
-          </p:nvPr>
-        </p:nvSpPr>
-        <p:spPr/>
-        <p:txBody>
-          <a:bodyPr/>
-          <a:lstStyle/>
-          <a:p>
-            <a:r>
-              <a:rPr lang="en-US" dirty="0"/>
-              <a:t>Type: </a:t>
-            </a:r>
-            <a:r>
-              <a:rPr lang="en-US" dirty="0" err="1"/>
-              <a:t>boolean</a:t>
-            </a:r>
-            <a:endParaRPr lang="en-US" dirty="0"/>
-          </a:p>
-          <a:p>
-            <a:r>
-              <a:rPr lang="en-US" dirty="0"/>
-              <a:t>Modifier: private</a:t>
-            </a:r>
-          </a:p>
-          <a:p>
-            <a:endParaRPr lang="en-US" dirty="0"/>
-          </a:p>
-          <a:p>
-            <a:pPr marL="0" indent="0">
-              <a:buNone/>
-            </a:pPr>
-            <a:r>
-              <a:rPr lang="en-US" dirty="0"/>
-              <a:t>Stands for Macho Brace. Doubles amount of EV earned per battle.</a:t>
-            </a:r>
-          </a:p>
-          <a:p>
-            <a:pPr marL="0" indent="0">
-              <a:buNone/>
-            </a:pPr>
-            <a:r>
-              <a:rPr lang="en-US" dirty="0"/>
-              <a:t>true = equipped, false = unequipped</a:t>
-            </a:r>
-          </a:p>
-        </p:txBody>
-      </p:sp>
-    </p:spTree>
-    <p:extLst>
-      <p:ext uri="{BB962C8B-B14F-4D97-AF65-F5344CB8AC3E}">
-        <p14:creationId xmlns:p14="http://schemas.microsoft.com/office/powerpoint/2010/main" val="942501396"/>
-      </p:ext>
-    </p:extLst>
-  </p:cSld>
-  <p:clrMapOvr>
-    <a:masterClrMapping/>
-  </p:clrMapOvr>
-</p:sld>
-</file>
-
-<file path=ppt/slides/slide15.xml><?xml version="1.0" encoding="utf-8"?>
+<file path=ppt/slides/slide13.xml><?xml version="1.0" encoding="utf-8"?>
 <p:sld xmlns:a="http://schemas.openxmlformats.org/drawingml/2006/main" xmlns:r="http://schemas.openxmlformats.org/officeDocument/2006/relationships" xmlns:p="http://schemas.openxmlformats.org/presentationml/2006/main">
   <p:cSld>
     <p:bg>
@@ -10199,7 +9909,7 @@
 </p:sld>
 </file>
 
-<file path=ppt/slides/slide16.xml><?xml version="1.0" encoding="utf-8"?>
+<file path=ppt/slides/slide14.xml><?xml version="1.0" encoding="utf-8"?>
 <p:sld xmlns:a="http://schemas.openxmlformats.org/drawingml/2006/main" xmlns:r="http://schemas.openxmlformats.org/officeDocument/2006/relationships" xmlns:p="http://schemas.openxmlformats.org/presentationml/2006/main">
   <p:cSld>
     <p:bg>
@@ -10328,7 +10038,7 @@
 </p:sld>
 </file>
 
-<file path=ppt/slides/slide17.xml><?xml version="1.0" encoding="utf-8"?>
+<file path=ppt/slides/slide15.xml><?xml version="1.0" encoding="utf-8"?>
 <p:sld xmlns:a="http://schemas.openxmlformats.org/drawingml/2006/main" xmlns:r="http://schemas.openxmlformats.org/officeDocument/2006/relationships" xmlns:p="http://schemas.openxmlformats.org/presentationml/2006/main">
   <p:cSld>
     <p:bg>
@@ -10444,7 +10154,7 @@
 </p:sld>
 </file>
 
-<file path=ppt/slides/slide18.xml><?xml version="1.0" encoding="utf-8"?>
+<file path=ppt/slides/slide16.xml><?xml version="1.0" encoding="utf-8"?>
 <p:sld xmlns:a="http://schemas.openxmlformats.org/drawingml/2006/main" xmlns:r="http://schemas.openxmlformats.org/officeDocument/2006/relationships" xmlns:p="http://schemas.openxmlformats.org/presentationml/2006/main">
   <p:cSld>
     <p:bg>
@@ -10630,8 +10340,8 @@
 </p:sld>
 </file>
 
-<file path=ppt/slides/slide19.xml><?xml version="1.0" encoding="utf-8"?>
-<p:sld xmlns:a="http://schemas.openxmlformats.org/drawingml/2006/main" xmlns:r="http://schemas.openxmlformats.org/officeDocument/2006/relationships" xmlns:p="http://schemas.openxmlformats.org/presentationml/2006/main" show="0">
+<file path=ppt/slides/slide17.xml><?xml version="1.0" encoding="utf-8"?>
+<p:sld xmlns:a="http://schemas.openxmlformats.org/drawingml/2006/main" xmlns:r="http://schemas.openxmlformats.org/officeDocument/2006/relationships" xmlns:p="http://schemas.openxmlformats.org/presentationml/2006/main">
   <p:cSld>
     <p:bg>
       <p:bgPr>
@@ -10677,12 +10387,8 @@
           <a:lstStyle/>
           <a:p>
             <a:r>
-              <a:rPr lang="en-US" dirty="0" err="1"/>
-              <a:t>mBraceEquip</a:t>
-            </a:r>
-            <a:r>
               <a:rPr lang="en-US" dirty="0"/>
-              <a:t>()</a:t>
+              <a:t>equip()</a:t>
             </a:r>
           </a:p>
         </p:txBody>
@@ -10710,13 +10416,8 @@
           <a:p>
             <a:r>
               <a:rPr lang="en-US" dirty="0"/>
-              <a:t>Setter method for </a:t>
-            </a:r>
-            <a:r>
-              <a:rPr lang="en-US" dirty="0" err="1"/>
-              <a:t>mBrace</a:t>
-            </a:r>
-            <a:endParaRPr lang="en-US" dirty="0"/>
+              <a:t>Return: void</a:t>
+            </a:r>
           </a:p>
           <a:p>
             <a:endParaRPr lang="en-US" dirty="0"/>
@@ -10727,7 +10428,7 @@
             </a:pPr>
             <a:r>
               <a:rPr lang="en-US" dirty="0"/>
-              <a:t>Equips/unequips the Macho Brace.</a:t>
+              <a:t>Sets the equipment member with the type of equipment used.</a:t>
             </a:r>
           </a:p>
           <a:p>
@@ -10736,7 +10437,23 @@
             </a:pPr>
             <a:r>
               <a:rPr lang="en-US" dirty="0"/>
-              <a:t>Simply inverses the value.</a:t>
+              <a:t>Simply inverses the value of equipment.</a:t>
+            </a:r>
+          </a:p>
+          <a:p>
+            <a:pPr marL="0" indent="0">
+              <a:buNone/>
+            </a:pPr>
+            <a:r>
+              <a:rPr lang="en-US" dirty="0"/>
+              <a:t>0: Nothing</a:t>
+            </a:r>
+            <a:br>
+              <a:rPr lang="en-US" dirty="0"/>
+            </a:br>
+            <a:r>
+              <a:rPr lang="en-US" dirty="0"/>
+              <a:t>1: Macho Brace</a:t>
             </a:r>
           </a:p>
         </p:txBody>
@@ -10744,7 +10461,345 @@
     </p:spTree>
     <p:extLst>
       <p:ext uri="{BB962C8B-B14F-4D97-AF65-F5344CB8AC3E}">
-        <p14:creationId xmlns:p14="http://schemas.microsoft.com/office/powerpoint/2010/main" val="2538001394"/>
+        <p14:creationId xmlns:p14="http://schemas.microsoft.com/office/powerpoint/2010/main" val="939862364"/>
+      </p:ext>
+    </p:extLst>
+  </p:cSld>
+  <p:clrMapOvr>
+    <a:masterClrMapping/>
+  </p:clrMapOvr>
+</p:sld>
+</file>
+
+<file path=ppt/slides/slide18.xml><?xml version="1.0" encoding="utf-8"?>
+<p:sld xmlns:a="http://schemas.openxmlformats.org/drawingml/2006/main" xmlns:r="http://schemas.openxmlformats.org/officeDocument/2006/relationships" xmlns:p="http://schemas.openxmlformats.org/presentationml/2006/main">
+  <p:cSld>
+    <p:bg>
+      <p:bgPr>
+        <a:solidFill>
+          <a:srgbClr val="ACD0F0"/>
+        </a:solidFill>
+        <a:effectLst/>
+      </p:bgPr>
+    </p:bg>
+    <p:spTree>
+      <p:nvGrpSpPr>
+        <p:cNvPr id="1" name=""/>
+        <p:cNvGrpSpPr/>
+        <p:nvPr/>
+      </p:nvGrpSpPr>
+      <p:grpSpPr>
+        <a:xfrm>
+          <a:off x="0" y="0"/>
+          <a:ext cx="0" cy="0"/>
+          <a:chOff x="0" y="0"/>
+          <a:chExt cx="0" cy="0"/>
+        </a:xfrm>
+      </p:grpSpPr>
+      <p:sp>
+        <p:nvSpPr>
+          <p:cNvPr id="2" name="Title 1">
+            <a:extLst>
+              <a:ext uri="{FF2B5EF4-FFF2-40B4-BE49-F238E27FC236}">
+                <a16:creationId xmlns:a16="http://schemas.microsoft.com/office/drawing/2014/main" id="{3DA6AD9A-2E83-4B64-A482-B99A57BB8860}"/>
+              </a:ext>
+            </a:extLst>
+          </p:cNvPr>
+          <p:cNvSpPr>
+            <a:spLocks noGrp="1"/>
+          </p:cNvSpPr>
+          <p:nvPr>
+            <p:ph type="title"/>
+          </p:nvPr>
+        </p:nvSpPr>
+        <p:spPr/>
+        <p:txBody>
+          <a:bodyPr/>
+          <a:lstStyle/>
+          <a:p>
+            <a:r>
+              <a:rPr lang="en-US" dirty="0"/>
+              <a:t>Class: PokemonG4</a:t>
+            </a:r>
+          </a:p>
+        </p:txBody>
+      </p:sp>
+      <p:sp>
+        <p:nvSpPr>
+          <p:cNvPr id="3" name="Content Placeholder 2">
+            <a:extLst>
+              <a:ext uri="{FF2B5EF4-FFF2-40B4-BE49-F238E27FC236}">
+                <a16:creationId xmlns:a16="http://schemas.microsoft.com/office/drawing/2014/main" id="{8EBE809C-E90A-43D4-B1AE-57A0481BD4BE}"/>
+              </a:ext>
+            </a:extLst>
+          </p:cNvPr>
+          <p:cNvSpPr>
+            <a:spLocks noGrp="1"/>
+          </p:cNvSpPr>
+          <p:nvPr>
+            <p:ph sz="half" idx="1"/>
+          </p:nvPr>
+        </p:nvSpPr>
+        <p:spPr/>
+        <p:txBody>
+          <a:bodyPr/>
+          <a:lstStyle/>
+          <a:p>
+            <a:pPr marL="0" indent="0">
+              <a:buNone/>
+            </a:pPr>
+            <a:r>
+              <a:rPr lang="en-US" dirty="0"/>
+              <a:t>Members:</a:t>
+            </a:r>
+          </a:p>
+          <a:p>
+            <a:r>
+              <a:rPr lang="en-US" dirty="0"/>
+              <a:t>&lt;stat types&gt;</a:t>
+            </a:r>
+          </a:p>
+          <a:p>
+            <a:r>
+              <a:rPr lang="en-US" dirty="0" err="1"/>
+              <a:t>totalEv</a:t>
+            </a:r>
+            <a:endParaRPr lang="en-US" dirty="0"/>
+          </a:p>
+          <a:p>
+            <a:r>
+              <a:rPr lang="en-US" dirty="0"/>
+              <a:t>equipment</a:t>
+            </a:r>
+          </a:p>
+          <a:p>
+            <a:r>
+              <a:rPr lang="en-US" dirty="0"/>
+              <a:t>name</a:t>
+            </a:r>
+          </a:p>
+          <a:p>
+            <a:endParaRPr lang="en-US" dirty="0"/>
+          </a:p>
+        </p:txBody>
+      </p:sp>
+      <p:sp>
+        <p:nvSpPr>
+          <p:cNvPr id="4" name="Content Placeholder 3">
+            <a:extLst>
+              <a:ext uri="{FF2B5EF4-FFF2-40B4-BE49-F238E27FC236}">
+                <a16:creationId xmlns:a16="http://schemas.microsoft.com/office/drawing/2014/main" id="{60B9F578-AD0D-4F75-A784-39B7F9D48432}"/>
+              </a:ext>
+            </a:extLst>
+          </p:cNvPr>
+          <p:cNvSpPr>
+            <a:spLocks noGrp="1"/>
+          </p:cNvSpPr>
+          <p:nvPr>
+            <p:ph sz="half" idx="2"/>
+          </p:nvPr>
+        </p:nvSpPr>
+        <p:spPr/>
+        <p:txBody>
+          <a:bodyPr/>
+          <a:lstStyle/>
+          <a:p>
+            <a:pPr marL="0" indent="0">
+              <a:buNone/>
+            </a:pPr>
+            <a:r>
+              <a:rPr lang="en-US" dirty="0"/>
+              <a:t>Methods:</a:t>
+            </a:r>
+          </a:p>
+          <a:p>
+            <a:r>
+              <a:rPr lang="en-US" dirty="0"/>
+              <a:t>equip()</a:t>
+            </a:r>
+          </a:p>
+          <a:p>
+            <a:r>
+              <a:rPr lang="en-US" i="1" dirty="0" err="1"/>
+              <a:t>battleUp</a:t>
+            </a:r>
+            <a:r>
+              <a:rPr lang="en-US" i="1" dirty="0"/>
+              <a:t>&lt;stat type&gt;()*</a:t>
+            </a:r>
+          </a:p>
+          <a:p>
+            <a:r>
+              <a:rPr lang="en-US" i="1" dirty="0"/>
+              <a:t>berry()*</a:t>
+            </a:r>
+          </a:p>
+          <a:p>
+            <a:endParaRPr lang="en-US" i="1" dirty="0"/>
+          </a:p>
+          <a:p>
+            <a:endParaRPr lang="en-US" i="1" dirty="0"/>
+          </a:p>
+          <a:p>
+            <a:pPr marL="0" indent="0">
+              <a:buNone/>
+            </a:pPr>
+            <a:r>
+              <a:rPr lang="en-US" i="1" dirty="0"/>
+              <a:t>Overridden method due to gen differences</a:t>
+            </a:r>
+          </a:p>
+        </p:txBody>
+      </p:sp>
+    </p:spTree>
+    <p:extLst>
+      <p:ext uri="{BB962C8B-B14F-4D97-AF65-F5344CB8AC3E}">
+        <p14:creationId xmlns:p14="http://schemas.microsoft.com/office/powerpoint/2010/main" val="3283481699"/>
+      </p:ext>
+    </p:extLst>
+  </p:cSld>
+  <p:clrMapOvr>
+    <a:masterClrMapping/>
+  </p:clrMapOvr>
+</p:sld>
+</file>
+
+<file path=ppt/slides/slide19.xml><?xml version="1.0" encoding="utf-8"?>
+<p:sld xmlns:a="http://schemas.openxmlformats.org/drawingml/2006/main" xmlns:r="http://schemas.openxmlformats.org/officeDocument/2006/relationships" xmlns:p="http://schemas.openxmlformats.org/presentationml/2006/main">
+  <p:cSld>
+    <p:bg>
+      <p:bgPr>
+        <a:solidFill>
+          <a:srgbClr val="ACD0F0"/>
+        </a:solidFill>
+        <a:effectLst/>
+      </p:bgPr>
+    </p:bg>
+    <p:spTree>
+      <p:nvGrpSpPr>
+        <p:cNvPr id="1" name=""/>
+        <p:cNvGrpSpPr/>
+        <p:nvPr/>
+      </p:nvGrpSpPr>
+      <p:grpSpPr>
+        <a:xfrm>
+          <a:off x="0" y="0"/>
+          <a:ext cx="0" cy="0"/>
+          <a:chOff x="0" y="0"/>
+          <a:chExt cx="0" cy="0"/>
+        </a:xfrm>
+      </p:grpSpPr>
+      <p:sp>
+        <p:nvSpPr>
+          <p:cNvPr id="2" name="Title 1">
+            <a:extLst>
+              <a:ext uri="{FF2B5EF4-FFF2-40B4-BE49-F238E27FC236}">
+                <a16:creationId xmlns:a16="http://schemas.microsoft.com/office/drawing/2014/main" id="{3DA6AD9A-2E83-4B64-A482-B99A57BB8860}"/>
+              </a:ext>
+            </a:extLst>
+          </p:cNvPr>
+          <p:cNvSpPr>
+            <a:spLocks noGrp="1"/>
+          </p:cNvSpPr>
+          <p:nvPr>
+            <p:ph type="title"/>
+          </p:nvPr>
+        </p:nvSpPr>
+        <p:spPr/>
+        <p:txBody>
+          <a:bodyPr/>
+          <a:lstStyle/>
+          <a:p>
+            <a:r>
+              <a:rPr lang="en-US" dirty="0"/>
+              <a:t>equip()</a:t>
+            </a:r>
+          </a:p>
+        </p:txBody>
+      </p:sp>
+      <p:sp>
+        <p:nvSpPr>
+          <p:cNvPr id="5" name="Content Placeholder 4">
+            <a:extLst>
+              <a:ext uri="{FF2B5EF4-FFF2-40B4-BE49-F238E27FC236}">
+                <a16:creationId xmlns:a16="http://schemas.microsoft.com/office/drawing/2014/main" id="{CCEBDE4F-2629-4A13-BE40-1D82C0890D36}"/>
+              </a:ext>
+            </a:extLst>
+          </p:cNvPr>
+          <p:cNvSpPr>
+            <a:spLocks noGrp="1"/>
+          </p:cNvSpPr>
+          <p:nvPr>
+            <p:ph idx="1"/>
+          </p:nvPr>
+        </p:nvSpPr>
+        <p:spPr/>
+        <p:txBody>
+          <a:bodyPr/>
+          <a:lstStyle/>
+          <a:p>
+            <a:r>
+              <a:rPr lang="en-US" dirty="0"/>
+              <a:t>Parameter: int id (representing what to equip)</a:t>
+            </a:r>
+          </a:p>
+          <a:p>
+            <a:r>
+              <a:rPr lang="en-US" dirty="0"/>
+              <a:t>Return: void</a:t>
+            </a:r>
+          </a:p>
+          <a:p>
+            <a:endParaRPr lang="en-US" dirty="0"/>
+          </a:p>
+          <a:p>
+            <a:pPr marL="0" indent="0">
+              <a:buNone/>
+            </a:pPr>
+            <a:r>
+              <a:rPr lang="en-US" dirty="0"/>
+              <a:t>Sets the equipment member with the type of equipment used.</a:t>
+            </a:r>
+          </a:p>
+          <a:p>
+            <a:pPr marL="0" indent="0">
+              <a:buNone/>
+            </a:pPr>
+            <a:r>
+              <a:rPr lang="en-US" dirty="0"/>
+              <a:t>0: Nothing</a:t>
+            </a:r>
+            <a:br>
+              <a:rPr lang="en-US" dirty="0"/>
+            </a:br>
+            <a:r>
+              <a:rPr lang="en-US" dirty="0"/>
+              <a:t>1: Macho Brace</a:t>
+            </a:r>
+          </a:p>
+          <a:p>
+            <a:pPr marL="0" indent="0">
+              <a:buNone/>
+            </a:pPr>
+            <a:r>
+              <a:rPr lang="en-US" dirty="0"/>
+              <a:t>2-7: Power items (in order of HP, </a:t>
+            </a:r>
+            <a:r>
+              <a:rPr lang="en-US" dirty="0" err="1"/>
+              <a:t>Atk</a:t>
+            </a:r>
+            <a:r>
+              <a:rPr lang="en-US" dirty="0"/>
+              <a:t>, Def…)</a:t>
+            </a:r>
+          </a:p>
+        </p:txBody>
+      </p:sp>
+    </p:spTree>
+    <p:extLst>
+      <p:ext uri="{BB962C8B-B14F-4D97-AF65-F5344CB8AC3E}">
+        <p14:creationId xmlns:p14="http://schemas.microsoft.com/office/powerpoint/2010/main" val="63566222"/>
       </p:ext>
     </p:extLst>
   </p:cSld>
@@ -10881,444 +10936,6 @@
 <file path=ppt/slides/slide20.xml><?xml version="1.0" encoding="utf-8"?>
 <p:sld xmlns:a="http://schemas.openxmlformats.org/drawingml/2006/main" xmlns:r="http://schemas.openxmlformats.org/officeDocument/2006/relationships" xmlns:p="http://schemas.openxmlformats.org/presentationml/2006/main">
   <p:cSld>
-    <p:bg>
-      <p:bgPr>
-        <a:solidFill>
-          <a:srgbClr val="BDA29F"/>
-        </a:solidFill>
-        <a:effectLst/>
-      </p:bgPr>
-    </p:bg>
-    <p:spTree>
-      <p:nvGrpSpPr>
-        <p:cNvPr id="1" name=""/>
-        <p:cNvGrpSpPr/>
-        <p:nvPr/>
-      </p:nvGrpSpPr>
-      <p:grpSpPr>
-        <a:xfrm>
-          <a:off x="0" y="0"/>
-          <a:ext cx="0" cy="0"/>
-          <a:chOff x="0" y="0"/>
-          <a:chExt cx="0" cy="0"/>
-        </a:xfrm>
-      </p:grpSpPr>
-      <p:sp>
-        <p:nvSpPr>
-          <p:cNvPr id="2" name="Title 1">
-            <a:extLst>
-              <a:ext uri="{FF2B5EF4-FFF2-40B4-BE49-F238E27FC236}">
-                <a16:creationId xmlns:a16="http://schemas.microsoft.com/office/drawing/2014/main" id="{3DA6AD9A-2E83-4B64-A482-B99A57BB8860}"/>
-              </a:ext>
-            </a:extLst>
-          </p:cNvPr>
-          <p:cNvSpPr>
-            <a:spLocks noGrp="1"/>
-          </p:cNvSpPr>
-          <p:nvPr>
-            <p:ph type="title"/>
-          </p:nvPr>
-        </p:nvSpPr>
-        <p:spPr/>
-        <p:txBody>
-          <a:bodyPr/>
-          <a:lstStyle/>
-          <a:p>
-            <a:r>
-              <a:rPr lang="en-US" dirty="0"/>
-              <a:t>equip()</a:t>
-            </a:r>
-          </a:p>
-        </p:txBody>
-      </p:sp>
-      <p:sp>
-        <p:nvSpPr>
-          <p:cNvPr id="5" name="Content Placeholder 4">
-            <a:extLst>
-              <a:ext uri="{FF2B5EF4-FFF2-40B4-BE49-F238E27FC236}">
-                <a16:creationId xmlns:a16="http://schemas.microsoft.com/office/drawing/2014/main" id="{CCEBDE4F-2629-4A13-BE40-1D82C0890D36}"/>
-              </a:ext>
-            </a:extLst>
-          </p:cNvPr>
-          <p:cNvSpPr>
-            <a:spLocks noGrp="1"/>
-          </p:cNvSpPr>
-          <p:nvPr>
-            <p:ph idx="1"/>
-          </p:nvPr>
-        </p:nvSpPr>
-        <p:spPr/>
-        <p:txBody>
-          <a:bodyPr/>
-          <a:lstStyle/>
-          <a:p>
-            <a:r>
-              <a:rPr lang="en-US" dirty="0"/>
-              <a:t>Parameter: int (representing what to equip)</a:t>
-            </a:r>
-          </a:p>
-          <a:p>
-            <a:r>
-              <a:rPr lang="en-US" dirty="0"/>
-              <a:t>Return: void</a:t>
-            </a:r>
-          </a:p>
-          <a:p>
-            <a:endParaRPr lang="en-US" dirty="0"/>
-          </a:p>
-          <a:p>
-            <a:pPr marL="0" indent="0">
-              <a:buNone/>
-            </a:pPr>
-            <a:r>
-              <a:rPr lang="en-US" dirty="0"/>
-              <a:t>Sets the equipment member with the type of equipment used.</a:t>
-            </a:r>
-          </a:p>
-          <a:p>
-            <a:pPr marL="0" indent="0">
-              <a:buNone/>
-            </a:pPr>
-            <a:r>
-              <a:rPr lang="en-US" dirty="0"/>
-              <a:t>0: Nothing</a:t>
-            </a:r>
-            <a:br>
-              <a:rPr lang="en-US" dirty="0"/>
-            </a:br>
-            <a:r>
-              <a:rPr lang="en-US" dirty="0"/>
-              <a:t>1: Macho Brace</a:t>
-            </a:r>
-          </a:p>
-          <a:p>
-            <a:pPr marL="0" indent="0">
-              <a:buNone/>
-            </a:pPr>
-            <a:r>
-              <a:rPr lang="en-US" dirty="0"/>
-              <a:t>2-7: Power items (in order of HP, </a:t>
-            </a:r>
-            <a:r>
-              <a:rPr lang="en-US" dirty="0" err="1"/>
-              <a:t>Atk</a:t>
-            </a:r>
-            <a:r>
-              <a:rPr lang="en-US" dirty="0"/>
-              <a:t>, Def…)</a:t>
-            </a:r>
-          </a:p>
-        </p:txBody>
-      </p:sp>
-    </p:spTree>
-    <p:extLst>
-      <p:ext uri="{BB962C8B-B14F-4D97-AF65-F5344CB8AC3E}">
-        <p14:creationId xmlns:p14="http://schemas.microsoft.com/office/powerpoint/2010/main" val="939862364"/>
-      </p:ext>
-    </p:extLst>
-  </p:cSld>
-  <p:clrMapOvr>
-    <a:masterClrMapping/>
-  </p:clrMapOvr>
-</p:sld>
-</file>
-
-<file path=ppt/slides/slide21.xml><?xml version="1.0" encoding="utf-8"?>
-<p:sld xmlns:a="http://schemas.openxmlformats.org/drawingml/2006/main" xmlns:r="http://schemas.openxmlformats.org/officeDocument/2006/relationships" xmlns:p="http://schemas.openxmlformats.org/presentationml/2006/main">
-  <p:cSld>
-    <p:bg>
-      <p:bgPr>
-        <a:solidFill>
-          <a:srgbClr val="BDA29F"/>
-        </a:solidFill>
-        <a:effectLst/>
-      </p:bgPr>
-    </p:bg>
-    <p:spTree>
-      <p:nvGrpSpPr>
-        <p:cNvPr id="1" name=""/>
-        <p:cNvGrpSpPr/>
-        <p:nvPr/>
-      </p:nvGrpSpPr>
-      <p:grpSpPr>
-        <a:xfrm>
-          <a:off x="0" y="0"/>
-          <a:ext cx="0" cy="0"/>
-          <a:chOff x="0" y="0"/>
-          <a:chExt cx="0" cy="0"/>
-        </a:xfrm>
-      </p:grpSpPr>
-      <p:sp>
-        <p:nvSpPr>
-          <p:cNvPr id="2" name="Title 1">
-            <a:extLst>
-              <a:ext uri="{FF2B5EF4-FFF2-40B4-BE49-F238E27FC236}">
-                <a16:creationId xmlns:a16="http://schemas.microsoft.com/office/drawing/2014/main" id="{3DA6AD9A-2E83-4B64-A482-B99A57BB8860}"/>
-              </a:ext>
-            </a:extLst>
-          </p:cNvPr>
-          <p:cNvSpPr>
-            <a:spLocks noGrp="1"/>
-          </p:cNvSpPr>
-          <p:nvPr>
-            <p:ph type="title"/>
-          </p:nvPr>
-        </p:nvSpPr>
-        <p:spPr/>
-        <p:txBody>
-          <a:bodyPr/>
-          <a:lstStyle/>
-          <a:p>
-            <a:r>
-              <a:rPr lang="en-US" dirty="0" err="1"/>
-              <a:t>pokerus</a:t>
-            </a:r>
-            <a:r>
-              <a:rPr lang="en-US" dirty="0"/>
-              <a:t>()</a:t>
-            </a:r>
-          </a:p>
-        </p:txBody>
-      </p:sp>
-      <p:sp>
-        <p:nvSpPr>
-          <p:cNvPr id="5" name="Content Placeholder 4">
-            <a:extLst>
-              <a:ext uri="{FF2B5EF4-FFF2-40B4-BE49-F238E27FC236}">
-                <a16:creationId xmlns:a16="http://schemas.microsoft.com/office/drawing/2014/main" id="{CCEBDE4F-2629-4A13-BE40-1D82C0890D36}"/>
-              </a:ext>
-            </a:extLst>
-          </p:cNvPr>
-          <p:cNvSpPr>
-            <a:spLocks noGrp="1"/>
-          </p:cNvSpPr>
-          <p:nvPr>
-            <p:ph idx="1"/>
-          </p:nvPr>
-        </p:nvSpPr>
-        <p:spPr/>
-        <p:txBody>
-          <a:bodyPr/>
-          <a:lstStyle/>
-          <a:p>
-            <a:r>
-              <a:rPr lang="en-US" dirty="0"/>
-              <a:t>Setter method for </a:t>
-            </a:r>
-            <a:r>
-              <a:rPr lang="en-US" dirty="0" err="1"/>
-              <a:t>pokerus</a:t>
-            </a:r>
-            <a:endParaRPr lang="en-US" dirty="0"/>
-          </a:p>
-          <a:p>
-            <a:endParaRPr lang="en-US" dirty="0"/>
-          </a:p>
-          <a:p>
-            <a:pPr marL="0" indent="0">
-              <a:buNone/>
-            </a:pPr>
-            <a:r>
-              <a:rPr lang="en-US" dirty="0"/>
-              <a:t>Sets </a:t>
-            </a:r>
-            <a:r>
-              <a:rPr lang="en-US" dirty="0" err="1"/>
-              <a:t>Pokerus</a:t>
-            </a:r>
-            <a:r>
-              <a:rPr lang="en-US" dirty="0"/>
-              <a:t> on/off.</a:t>
-            </a:r>
-          </a:p>
-          <a:p>
-            <a:pPr marL="0" indent="0">
-              <a:buNone/>
-            </a:pPr>
-            <a:r>
-              <a:rPr lang="en-US" dirty="0"/>
-              <a:t>Simply inverses the value.</a:t>
-            </a:r>
-          </a:p>
-        </p:txBody>
-      </p:sp>
-    </p:spTree>
-    <p:extLst>
-      <p:ext uri="{BB962C8B-B14F-4D97-AF65-F5344CB8AC3E}">
-        <p14:creationId xmlns:p14="http://schemas.microsoft.com/office/powerpoint/2010/main" val="716457242"/>
-      </p:ext>
-    </p:extLst>
-  </p:cSld>
-  <p:clrMapOvr>
-    <a:masterClrMapping/>
-  </p:clrMapOvr>
-</p:sld>
-</file>
-
-<file path=ppt/slides/slide22.xml><?xml version="1.0" encoding="utf-8"?>
-<p:sld xmlns:a="http://schemas.openxmlformats.org/drawingml/2006/main" xmlns:r="http://schemas.openxmlformats.org/officeDocument/2006/relationships" xmlns:p="http://schemas.openxmlformats.org/presentationml/2006/main">
-  <p:cSld>
-    <p:spTree>
-      <p:nvGrpSpPr>
-        <p:cNvPr id="1" name=""/>
-        <p:cNvGrpSpPr/>
-        <p:nvPr/>
-      </p:nvGrpSpPr>
-      <p:grpSpPr>
-        <a:xfrm>
-          <a:off x="0" y="0"/>
-          <a:ext cx="0" cy="0"/>
-          <a:chOff x="0" y="0"/>
-          <a:chExt cx="0" cy="0"/>
-        </a:xfrm>
-      </p:grpSpPr>
-      <p:sp>
-        <p:nvSpPr>
-          <p:cNvPr id="2" name="Title 1">
-            <a:extLst>
-              <a:ext uri="{FF2B5EF4-FFF2-40B4-BE49-F238E27FC236}">
-                <a16:creationId xmlns:a16="http://schemas.microsoft.com/office/drawing/2014/main" id="{3DA6AD9A-2E83-4B64-A482-B99A57BB8860}"/>
-              </a:ext>
-            </a:extLst>
-          </p:cNvPr>
-          <p:cNvSpPr>
-            <a:spLocks noGrp="1"/>
-          </p:cNvSpPr>
-          <p:nvPr>
-            <p:ph type="title"/>
-          </p:nvPr>
-        </p:nvSpPr>
-        <p:spPr/>
-        <p:txBody>
-          <a:bodyPr/>
-          <a:lstStyle/>
-          <a:p>
-            <a:r>
-              <a:rPr lang="en-US" dirty="0"/>
-              <a:t>Class: PokemonG4</a:t>
-            </a:r>
-          </a:p>
-        </p:txBody>
-      </p:sp>
-      <p:sp>
-        <p:nvSpPr>
-          <p:cNvPr id="3" name="Content Placeholder 2">
-            <a:extLst>
-              <a:ext uri="{FF2B5EF4-FFF2-40B4-BE49-F238E27FC236}">
-                <a16:creationId xmlns:a16="http://schemas.microsoft.com/office/drawing/2014/main" id="{8EBE809C-E90A-43D4-B1AE-57A0481BD4BE}"/>
-              </a:ext>
-            </a:extLst>
-          </p:cNvPr>
-          <p:cNvSpPr>
-            <a:spLocks noGrp="1"/>
-          </p:cNvSpPr>
-          <p:nvPr>
-            <p:ph sz="half" idx="1"/>
-          </p:nvPr>
-        </p:nvSpPr>
-        <p:spPr/>
-        <p:txBody>
-          <a:bodyPr/>
-          <a:lstStyle/>
-          <a:p>
-            <a:pPr marL="0" indent="0">
-              <a:buNone/>
-            </a:pPr>
-            <a:r>
-              <a:rPr lang="en-US" dirty="0"/>
-              <a:t>Members:</a:t>
-            </a:r>
-          </a:p>
-          <a:p>
-            <a:r>
-              <a:rPr lang="en-US" dirty="0"/>
-              <a:t>&lt;stat types&gt;</a:t>
-            </a:r>
-          </a:p>
-          <a:p>
-            <a:r>
-              <a:rPr lang="en-US" dirty="0" err="1"/>
-              <a:t>totalEv</a:t>
-            </a:r>
-            <a:endParaRPr lang="en-US" dirty="0"/>
-          </a:p>
-          <a:p>
-            <a:r>
-              <a:rPr lang="en-US" dirty="0"/>
-              <a:t>equipment</a:t>
-            </a:r>
-          </a:p>
-          <a:p>
-            <a:r>
-              <a:rPr lang="en-US" dirty="0"/>
-              <a:t>name</a:t>
-            </a:r>
-          </a:p>
-          <a:p>
-            <a:endParaRPr lang="en-US" dirty="0"/>
-          </a:p>
-        </p:txBody>
-      </p:sp>
-      <p:sp>
-        <p:nvSpPr>
-          <p:cNvPr id="4" name="Content Placeholder 3">
-            <a:extLst>
-              <a:ext uri="{FF2B5EF4-FFF2-40B4-BE49-F238E27FC236}">
-                <a16:creationId xmlns:a16="http://schemas.microsoft.com/office/drawing/2014/main" id="{60B9F578-AD0D-4F75-A784-39B7F9D48432}"/>
-              </a:ext>
-            </a:extLst>
-          </p:cNvPr>
-          <p:cNvSpPr>
-            <a:spLocks noGrp="1"/>
-          </p:cNvSpPr>
-          <p:nvPr>
-            <p:ph sz="half" idx="2"/>
-          </p:nvPr>
-        </p:nvSpPr>
-        <p:spPr/>
-        <p:txBody>
-          <a:bodyPr/>
-          <a:lstStyle/>
-          <a:p>
-            <a:pPr marL="0" indent="0">
-              <a:buNone/>
-            </a:pPr>
-            <a:r>
-              <a:rPr lang="en-US" dirty="0"/>
-              <a:t>Methods:</a:t>
-            </a:r>
-          </a:p>
-          <a:p>
-            <a:r>
-              <a:rPr lang="en-US" dirty="0" err="1"/>
-              <a:t>mBraceEquip</a:t>
-            </a:r>
-            <a:r>
-              <a:rPr lang="en-US" dirty="0"/>
-              <a:t>()</a:t>
-            </a:r>
-          </a:p>
-          <a:p>
-            <a:endParaRPr lang="en-US" dirty="0"/>
-          </a:p>
-        </p:txBody>
-      </p:sp>
-    </p:spTree>
-    <p:extLst>
-      <p:ext uri="{BB962C8B-B14F-4D97-AF65-F5344CB8AC3E}">
-        <p14:creationId xmlns:p14="http://schemas.microsoft.com/office/powerpoint/2010/main" val="3283481699"/>
-      </p:ext>
-    </p:extLst>
-  </p:cSld>
-  <p:clrMapOvr>
-    <a:masterClrMapping/>
-  </p:clrMapOvr>
-</p:sld>
-</file>
-
-<file path=ppt/slides/slide23.xml><?xml version="1.0" encoding="utf-8"?>
-<p:sld xmlns:a="http://schemas.openxmlformats.org/drawingml/2006/main" xmlns:r="http://schemas.openxmlformats.org/officeDocument/2006/relationships" xmlns:p="http://schemas.openxmlformats.org/presentationml/2006/main">
-  <p:cSld>
     <p:spTree>
       <p:nvGrpSpPr>
         <p:cNvPr id="1" name=""/>
@@ -11388,10 +11005,49 @@
             </a:r>
           </a:p>
           <a:p>
+            <a:pPr lvl="1"/>
+            <a:r>
+              <a:rPr lang="en-US" dirty="0"/>
+              <a:t>Can track stats for multiple </a:t>
+            </a:r>
+            <a:r>
+              <a:rPr lang="en-US" dirty="0" err="1"/>
+              <a:t>Pokemon</a:t>
+            </a:r>
+            <a:r>
+              <a:rPr lang="en-US" dirty="0"/>
+              <a:t> on one screen</a:t>
+            </a:r>
+          </a:p>
+          <a:p>
+            <a:pPr lvl="1"/>
             <a:r>
               <a:rPr lang="en-US" dirty="0"/>
               <a:t>Proper limits set for max EV values (Gen III: 255 per stat, 510 total)</a:t>
             </a:r>
+          </a:p>
+          <a:p>
+            <a:r>
+              <a:rPr lang="en-US" dirty="0"/>
+              <a:t>Be able to back up data</a:t>
+            </a:r>
+          </a:p>
+          <a:p>
+            <a:pPr lvl="1"/>
+            <a:r>
+              <a:rPr lang="en-US" dirty="0"/>
+              <a:t>Read line by line from .txt file?</a:t>
+            </a:r>
+          </a:p>
+          <a:p>
+            <a:pPr lvl="1"/>
+            <a:r>
+              <a:rPr lang="en-US" dirty="0"/>
+              <a:t>Byte data?</a:t>
+            </a:r>
+          </a:p>
+          <a:p>
+            <a:endParaRPr lang="en-US" dirty="0"/>
           </a:p>
         </p:txBody>
       </p:sp>
@@ -11408,7 +11064,7 @@
 </p:sld>
 </file>
 
-<file path=ppt/slides/slide24.xml><?xml version="1.0" encoding="utf-8"?>
+<file path=ppt/slides/slide21.xml><?xml version="1.0" encoding="utf-8"?>
 <p:sld xmlns:a="http://schemas.openxmlformats.org/drawingml/2006/main" xmlns:r="http://schemas.openxmlformats.org/officeDocument/2006/relationships" xmlns:p="http://schemas.openxmlformats.org/presentationml/2006/main">
   <p:cSld>
     <p:spTree>
@@ -11476,8 +11132,13 @@
           <a:p>
             <a:r>
               <a:rPr lang="en-US" dirty="0"/>
-              <a:t>Add different definitions for different gens (3, 4)</a:t>
-            </a:r>
+              <a:t>Add different definitions for different </a:t>
+            </a:r>
+            <a:r>
+              <a:rPr lang="en-US"/>
+              <a:t>gens (5 and up)</a:t>
+            </a:r>
+            <a:endParaRPr lang="en-US" dirty="0"/>
           </a:p>
           <a:p>
             <a:r>
@@ -11761,6 +11422,16 @@
           <a:p>
             <a:r>
               <a:rPr lang="en-US" dirty="0" err="1"/>
+              <a:t>pokerus</a:t>
+            </a:r>
+            <a:r>
+              <a:rPr lang="en-US" dirty="0"/>
+              <a:t>()</a:t>
+            </a:r>
+          </a:p>
+          <a:p>
+            <a:r>
+              <a:rPr lang="en-US" dirty="0" err="1"/>
               <a:t>hardSet</a:t>
             </a:r>
             <a:r>
@@ -11860,7 +11531,7 @@
           <p:cNvPr id="2" name="Title 1">
             <a:extLst>
               <a:ext uri="{FF2B5EF4-FFF2-40B4-BE49-F238E27FC236}">
-                <a16:creationId xmlns:a16="http://schemas.microsoft.com/office/drawing/2014/main" id="{DE3AD186-F4BD-4DFC-9D88-5CBECE66F389}"/>
+                <a16:creationId xmlns:a16="http://schemas.microsoft.com/office/drawing/2014/main" id="{3DA6AD9A-2E83-4B64-A482-B99A57BB8860}"/>
               </a:ext>
             </a:extLst>
           </p:cNvPr>
@@ -11878,11 +11549,11 @@
           <a:p>
             <a:r>
               <a:rPr lang="en-US" dirty="0" err="1"/>
-              <a:t>battleUp</a:t>
+              <a:t>pokerus</a:t>
             </a:r>
             <a:r>
               <a:rPr lang="en-US" dirty="0"/>
-              <a:t>&lt;stat&gt;()</a:t>
+              <a:t>()</a:t>
             </a:r>
           </a:p>
         </p:txBody>
@@ -11892,7 +11563,7 @@
           <p:cNvPr id="5" name="Content Placeholder 4">
             <a:extLst>
               <a:ext uri="{FF2B5EF4-FFF2-40B4-BE49-F238E27FC236}">
-                <a16:creationId xmlns:a16="http://schemas.microsoft.com/office/drawing/2014/main" id="{E339DA95-E903-4B14-80A4-3E8C57351168}"/>
+                <a16:creationId xmlns:a16="http://schemas.microsoft.com/office/drawing/2014/main" id="{CCEBDE4F-2629-4A13-BE40-1D82C0890D36}"/>
               </a:ext>
             </a:extLst>
           </p:cNvPr>
@@ -11909,111 +11580,14 @@
           <a:lstStyle/>
           <a:p>
             <a:r>
-              <a:rPr lang="en-US" dirty="0" err="1">
-                <a:solidFill>
-                  <a:srgbClr val="E50101"/>
-                </a:solidFill>
-              </a:rPr>
-              <a:t>battleUpHp</a:t>
-            </a:r>
-            <a:r>
-              <a:rPr lang="en-US" dirty="0">
-                <a:solidFill>
-                  <a:srgbClr val="E50101"/>
-                </a:solidFill>
-              </a:rPr>
-              <a:t>()</a:t>
-            </a:r>
-          </a:p>
-          <a:p>
-            <a:r>
-              <a:rPr lang="en-US" dirty="0" err="1">
-                <a:solidFill>
-                  <a:schemeClr val="accent2"/>
-                </a:solidFill>
-              </a:rPr>
-              <a:t>battleUpAtk</a:t>
-            </a:r>
-            <a:r>
-              <a:rPr lang="en-US" dirty="0">
-                <a:solidFill>
-                  <a:schemeClr val="accent2"/>
-                </a:solidFill>
-              </a:rPr>
-              <a:t>()</a:t>
-            </a:r>
-          </a:p>
-          <a:p>
-            <a:r>
-              <a:rPr lang="en-US" dirty="0" err="1">
-                <a:solidFill>
-                  <a:schemeClr val="accent4"/>
-                </a:solidFill>
-              </a:rPr>
-              <a:t>battleUpDef</a:t>
-            </a:r>
-            <a:r>
-              <a:rPr lang="en-US" dirty="0">
-                <a:solidFill>
-                  <a:schemeClr val="accent4"/>
-                </a:solidFill>
-              </a:rPr>
-              <a:t>()</a:t>
-            </a:r>
-          </a:p>
-          <a:p>
-            <a:r>
-              <a:rPr lang="en-US" dirty="0" err="1">
-                <a:solidFill>
-                  <a:schemeClr val="accent1"/>
-                </a:solidFill>
-              </a:rPr>
-              <a:t>battleUpAtk</a:t>
-            </a:r>
-            <a:r>
-              <a:rPr lang="en-US" dirty="0">
-                <a:solidFill>
-                  <a:schemeClr val="accent1"/>
-                </a:solidFill>
-              </a:rPr>
-              <a:t>()</a:t>
-            </a:r>
-          </a:p>
-          <a:p>
-            <a:r>
-              <a:rPr lang="en-US" dirty="0" err="1">
-                <a:solidFill>
-                  <a:schemeClr val="accent6"/>
-                </a:solidFill>
-              </a:rPr>
-              <a:t>battleUpSpDef</a:t>
-            </a:r>
-            <a:r>
-              <a:rPr lang="en-US" dirty="0">
-                <a:solidFill>
-                  <a:schemeClr val="accent6"/>
-                </a:solidFill>
-              </a:rPr>
-              <a:t>()</a:t>
-            </a:r>
-          </a:p>
-          <a:p>
-            <a:r>
-              <a:rPr lang="en-US" dirty="0" err="1">
-                <a:solidFill>
-                  <a:srgbClr val="FF118E"/>
-                </a:solidFill>
-              </a:rPr>
-              <a:t>battleUpSpd</a:t>
-            </a:r>
-            <a:r>
-              <a:rPr lang="en-US" dirty="0">
-                <a:solidFill>
-                  <a:srgbClr val="FF118E"/>
-                </a:solidFill>
-              </a:rPr>
-              <a:t>()</a:t>
-            </a:r>
+              <a:rPr lang="en-US" dirty="0"/>
+              <a:t>Setter method for </a:t>
+            </a:r>
+            <a:r>
+              <a:rPr lang="en-US" dirty="0" err="1"/>
+              <a:t>pokerus</a:t>
+            </a:r>
+            <a:endParaRPr lang="en-US" dirty="0"/>
           </a:p>
           <a:p>
             <a:endParaRPr lang="en-US" dirty="0"/>
@@ -12024,7 +11598,24 @@
             </a:pPr>
             <a:r>
               <a:rPr lang="en-US" dirty="0"/>
-              <a:t>Calculates EV earned per battle. Set to gain base 1 EV.</a:t>
+              <a:t>Sets </a:t>
+            </a:r>
+            <a:r>
+              <a:rPr lang="en-US" dirty="0" err="1"/>
+              <a:t>Pokerus</a:t>
+            </a:r>
+            <a:r>
+              <a:rPr lang="en-US" dirty="0"/>
+              <a:t> on/off.</a:t>
+            </a:r>
+          </a:p>
+          <a:p>
+            <a:pPr marL="0" indent="0">
+              <a:buNone/>
+            </a:pPr>
+            <a:r>
+              <a:rPr lang="en-US" dirty="0"/>
+              <a:t>Simply inverses the value.</a:t>
             </a:r>
           </a:p>
         </p:txBody>
@@ -12032,7 +11623,7 @@
     </p:spTree>
     <p:extLst>
       <p:ext uri="{BB962C8B-B14F-4D97-AF65-F5344CB8AC3E}">
-        <p14:creationId xmlns:p14="http://schemas.microsoft.com/office/powerpoint/2010/main" val="2436035158"/>
+        <p14:creationId xmlns:p14="http://schemas.microsoft.com/office/powerpoint/2010/main" val="716457242"/>
       </p:ext>
     </p:extLst>
   </p:cSld>
@@ -12090,7 +11681,7 @@
           <a:p>
             <a:r>
               <a:rPr lang="en-US" dirty="0" err="1"/>
-              <a:t>hardSet</a:t>
+              <a:t>battleUp</a:t>
             </a:r>
             <a:r>
               <a:rPr lang="en-US" dirty="0"/>
@@ -12126,7 +11717,7 @@
                   <a:srgbClr val="E50101"/>
                 </a:solidFill>
               </a:rPr>
-              <a:t>hardSetHp</a:t>
+              <a:t>battleUpHp</a:t>
             </a:r>
             <a:r>
               <a:rPr lang="en-US" dirty="0">
@@ -12144,7 +11735,7 @@
                   <a:schemeClr val="accent2"/>
                 </a:solidFill>
               </a:rPr>
-              <a:t>hardSetAtk</a:t>
+              <a:t>battleUpAtk</a:t>
             </a:r>
             <a:r>
               <a:rPr lang="en-US" dirty="0">
@@ -12162,7 +11753,7 @@
                   <a:schemeClr val="accent4"/>
                 </a:solidFill>
               </a:rPr>
-              <a:t>hardSetDef</a:t>
+              <a:t>battleUpDef</a:t>
             </a:r>
             <a:r>
               <a:rPr lang="en-US" dirty="0">
@@ -12180,7 +11771,7 @@
                   <a:schemeClr val="accent1"/>
                 </a:solidFill>
               </a:rPr>
-              <a:t>hardSetSpAtk</a:t>
+              <a:t>battleUpAtk</a:t>
             </a:r>
             <a:r>
               <a:rPr lang="en-US" dirty="0">
@@ -12198,7 +11789,7 @@
                   <a:schemeClr val="accent6"/>
                 </a:solidFill>
               </a:rPr>
-              <a:t>hardSetSpDef</a:t>
+              <a:t>battleUpSpDef</a:t>
             </a:r>
             <a:r>
               <a:rPr lang="en-US" dirty="0">
@@ -12216,7 +11807,7 @@
                   <a:srgbClr val="FF118E"/>
                 </a:solidFill>
               </a:rPr>
-              <a:t>hardSetSpd</a:t>
+              <a:t>battleUpSpd</a:t>
             </a:r>
             <a:r>
               <a:rPr lang="en-US" dirty="0">
@@ -12236,7 +11827,7 @@
             </a:pPr>
             <a:r>
               <a:rPr lang="en-US" dirty="0"/>
-              <a:t>Setter methods for stats.</a:t>
+              <a:t>Calculates EV earned per battle. Set to gain base 1 EV.</a:t>
             </a:r>
           </a:p>
         </p:txBody>
@@ -12244,7 +11835,7 @@
     </p:spTree>
     <p:extLst>
       <p:ext uri="{BB962C8B-B14F-4D97-AF65-F5344CB8AC3E}">
-        <p14:creationId xmlns:p14="http://schemas.microsoft.com/office/powerpoint/2010/main" val="1839918016"/>
+        <p14:creationId xmlns:p14="http://schemas.microsoft.com/office/powerpoint/2010/main" val="2436035158"/>
       </p:ext>
     </p:extLst>
   </p:cSld>
@@ -12301,8 +11892,12 @@
           <a:lstStyle/>
           <a:p>
             <a:r>
+              <a:rPr lang="en-US" dirty="0" err="1"/>
+              <a:t>hardSet</a:t>
+            </a:r>
+            <a:r>
               <a:rPr lang="en-US" dirty="0"/>
-              <a:t>&lt;berry&gt;()</a:t>
+              <a:t>&lt;stat&gt;()</a:t>
             </a:r>
           </a:p>
         </p:txBody>
@@ -12334,6 +11929,214 @@
                   <a:srgbClr val="E50101"/>
                 </a:solidFill>
               </a:rPr>
+              <a:t>hardSetHp</a:t>
+            </a:r>
+            <a:r>
+              <a:rPr lang="en-US" dirty="0">
+                <a:solidFill>
+                  <a:srgbClr val="E50101"/>
+                </a:solidFill>
+              </a:rPr>
+              <a:t>()</a:t>
+            </a:r>
+          </a:p>
+          <a:p>
+            <a:r>
+              <a:rPr lang="en-US" dirty="0" err="1">
+                <a:solidFill>
+                  <a:schemeClr val="accent2"/>
+                </a:solidFill>
+              </a:rPr>
+              <a:t>hardSetAtk</a:t>
+            </a:r>
+            <a:r>
+              <a:rPr lang="en-US" dirty="0">
+                <a:solidFill>
+                  <a:schemeClr val="accent2"/>
+                </a:solidFill>
+              </a:rPr>
+              <a:t>()</a:t>
+            </a:r>
+          </a:p>
+          <a:p>
+            <a:r>
+              <a:rPr lang="en-US" dirty="0" err="1">
+                <a:solidFill>
+                  <a:schemeClr val="accent4"/>
+                </a:solidFill>
+              </a:rPr>
+              <a:t>hardSetDef</a:t>
+            </a:r>
+            <a:r>
+              <a:rPr lang="en-US" dirty="0">
+                <a:solidFill>
+                  <a:schemeClr val="accent4"/>
+                </a:solidFill>
+              </a:rPr>
+              <a:t>()</a:t>
+            </a:r>
+          </a:p>
+          <a:p>
+            <a:r>
+              <a:rPr lang="en-US" dirty="0" err="1">
+                <a:solidFill>
+                  <a:schemeClr val="accent1"/>
+                </a:solidFill>
+              </a:rPr>
+              <a:t>hardSetSpAtk</a:t>
+            </a:r>
+            <a:r>
+              <a:rPr lang="en-US" dirty="0">
+                <a:solidFill>
+                  <a:schemeClr val="accent1"/>
+                </a:solidFill>
+              </a:rPr>
+              <a:t>()</a:t>
+            </a:r>
+          </a:p>
+          <a:p>
+            <a:r>
+              <a:rPr lang="en-US" dirty="0" err="1">
+                <a:solidFill>
+                  <a:schemeClr val="accent6"/>
+                </a:solidFill>
+              </a:rPr>
+              <a:t>hardSetSpDef</a:t>
+            </a:r>
+            <a:r>
+              <a:rPr lang="en-US" dirty="0">
+                <a:solidFill>
+                  <a:schemeClr val="accent6"/>
+                </a:solidFill>
+              </a:rPr>
+              <a:t>()</a:t>
+            </a:r>
+          </a:p>
+          <a:p>
+            <a:r>
+              <a:rPr lang="en-US" dirty="0" err="1">
+                <a:solidFill>
+                  <a:srgbClr val="FF118E"/>
+                </a:solidFill>
+              </a:rPr>
+              <a:t>hardSetSpd</a:t>
+            </a:r>
+            <a:r>
+              <a:rPr lang="en-US" dirty="0">
+                <a:solidFill>
+                  <a:srgbClr val="FF118E"/>
+                </a:solidFill>
+              </a:rPr>
+              <a:t>()</a:t>
+            </a:r>
+          </a:p>
+          <a:p>
+            <a:endParaRPr lang="en-US" dirty="0"/>
+          </a:p>
+          <a:p>
+            <a:pPr marL="0" indent="0">
+              <a:buNone/>
+            </a:pPr>
+            <a:r>
+              <a:rPr lang="en-US" dirty="0"/>
+              <a:t>Setter methods for stats.</a:t>
+            </a:r>
+          </a:p>
+        </p:txBody>
+      </p:sp>
+    </p:spTree>
+    <p:extLst>
+      <p:ext uri="{BB962C8B-B14F-4D97-AF65-F5344CB8AC3E}">
+        <p14:creationId xmlns:p14="http://schemas.microsoft.com/office/powerpoint/2010/main" val="1839918016"/>
+      </p:ext>
+    </p:extLst>
+  </p:cSld>
+  <p:clrMapOvr>
+    <a:masterClrMapping/>
+  </p:clrMapOvr>
+</p:sld>
+</file>
+
+<file path=ppt/slides/slide8.xml><?xml version="1.0" encoding="utf-8"?>
+<p:sld xmlns:a="http://schemas.openxmlformats.org/drawingml/2006/main" xmlns:r="http://schemas.openxmlformats.org/officeDocument/2006/relationships" xmlns:p="http://schemas.openxmlformats.org/presentationml/2006/main">
+  <p:cSld>
+    <p:bg>
+      <p:bgPr>
+        <a:solidFill>
+          <a:srgbClr val="F7BBEE"/>
+        </a:solidFill>
+        <a:effectLst/>
+      </p:bgPr>
+    </p:bg>
+    <p:spTree>
+      <p:nvGrpSpPr>
+        <p:cNvPr id="1" name=""/>
+        <p:cNvGrpSpPr/>
+        <p:nvPr/>
+      </p:nvGrpSpPr>
+      <p:grpSpPr>
+        <a:xfrm>
+          <a:off x="0" y="0"/>
+          <a:ext cx="0" cy="0"/>
+          <a:chOff x="0" y="0"/>
+          <a:chExt cx="0" cy="0"/>
+        </a:xfrm>
+      </p:grpSpPr>
+      <p:sp>
+        <p:nvSpPr>
+          <p:cNvPr id="2" name="Title 1">
+            <a:extLst>
+              <a:ext uri="{FF2B5EF4-FFF2-40B4-BE49-F238E27FC236}">
+                <a16:creationId xmlns:a16="http://schemas.microsoft.com/office/drawing/2014/main" id="{DE3AD186-F4BD-4DFC-9D88-5CBECE66F389}"/>
+              </a:ext>
+            </a:extLst>
+          </p:cNvPr>
+          <p:cNvSpPr>
+            <a:spLocks noGrp="1"/>
+          </p:cNvSpPr>
+          <p:nvPr>
+            <p:ph type="title"/>
+          </p:nvPr>
+        </p:nvSpPr>
+        <p:spPr/>
+        <p:txBody>
+          <a:bodyPr/>
+          <a:lstStyle/>
+          <a:p>
+            <a:r>
+              <a:rPr lang="en-US" dirty="0"/>
+              <a:t>&lt;berry&gt;()</a:t>
+            </a:r>
+          </a:p>
+        </p:txBody>
+      </p:sp>
+      <p:sp>
+        <p:nvSpPr>
+          <p:cNvPr id="5" name="Content Placeholder 4">
+            <a:extLst>
+              <a:ext uri="{FF2B5EF4-FFF2-40B4-BE49-F238E27FC236}">
+                <a16:creationId xmlns:a16="http://schemas.microsoft.com/office/drawing/2014/main" id="{E339DA95-E903-4B14-80A4-3E8C57351168}"/>
+              </a:ext>
+            </a:extLst>
+          </p:cNvPr>
+          <p:cNvSpPr>
+            <a:spLocks noGrp="1"/>
+          </p:cNvSpPr>
+          <p:nvPr>
+            <p:ph idx="1"/>
+          </p:nvPr>
+        </p:nvSpPr>
+        <p:spPr/>
+        <p:txBody>
+          <a:bodyPr/>
+          <a:lstStyle/>
+          <a:p>
+            <a:r>
+              <a:rPr lang="en-US" dirty="0" err="1">
+                <a:solidFill>
+                  <a:srgbClr val="E50101"/>
+                </a:solidFill>
+              </a:rPr>
               <a:t>pomeg</a:t>
             </a:r>
             <a:r>
@@ -12462,7 +12265,7 @@
 </p:sld>
 </file>
 
-<file path=ppt/slides/slide8.xml><?xml version="1.0" encoding="utf-8"?>
+<file path=ppt/slides/slide9.xml><?xml version="1.0" encoding="utf-8"?>
 <p:sld xmlns:a="http://schemas.openxmlformats.org/drawingml/2006/main" xmlns:r="http://schemas.openxmlformats.org/officeDocument/2006/relationships" xmlns:p="http://schemas.openxmlformats.org/presentationml/2006/main">
   <p:cSld>
     <p:bg>
@@ -12608,115 +12411,6 @@
     <p:extLst>
       <p:ext uri="{BB962C8B-B14F-4D97-AF65-F5344CB8AC3E}">
         <p14:creationId xmlns:p14="http://schemas.microsoft.com/office/powerpoint/2010/main" val="825398742"/>
-      </p:ext>
-    </p:extLst>
-  </p:cSld>
-  <p:clrMapOvr>
-    <a:masterClrMapping/>
-  </p:clrMapOvr>
-</p:sld>
-</file>
-
-<file path=ppt/slides/slide9.xml><?xml version="1.0" encoding="utf-8"?>
-<p:sld xmlns:a="http://schemas.openxmlformats.org/drawingml/2006/main" xmlns:r="http://schemas.openxmlformats.org/officeDocument/2006/relationships" xmlns:p="http://schemas.openxmlformats.org/presentationml/2006/main" show="0">
-  <p:cSld>
-    <p:bg>
-      <p:bgPr>
-        <a:solidFill>
-          <a:srgbClr val="D4B9FF"/>
-        </a:solidFill>
-        <a:effectLst/>
-      </p:bgPr>
-    </p:bg>
-    <p:spTree>
-      <p:nvGrpSpPr>
-        <p:cNvPr id="1" name=""/>
-        <p:cNvGrpSpPr/>
-        <p:nvPr/>
-      </p:nvGrpSpPr>
-      <p:grpSpPr>
-        <a:xfrm>
-          <a:off x="0" y="0"/>
-          <a:ext cx="0" cy="0"/>
-          <a:chOff x="0" y="0"/>
-          <a:chExt cx="0" cy="0"/>
-        </a:xfrm>
-      </p:grpSpPr>
-      <p:sp>
-        <p:nvSpPr>
-          <p:cNvPr id="2" name="Title 1">
-            <a:extLst>
-              <a:ext uri="{FF2B5EF4-FFF2-40B4-BE49-F238E27FC236}">
-                <a16:creationId xmlns:a16="http://schemas.microsoft.com/office/drawing/2014/main" id="{DE3AD186-F4BD-4DFC-9D88-5CBECE66F389}"/>
-              </a:ext>
-            </a:extLst>
-          </p:cNvPr>
-          <p:cNvSpPr>
-            <a:spLocks noGrp="1"/>
-          </p:cNvSpPr>
-          <p:nvPr>
-            <p:ph type="title"/>
-          </p:nvPr>
-        </p:nvSpPr>
-        <p:spPr/>
-        <p:txBody>
-          <a:bodyPr/>
-          <a:lstStyle/>
-          <a:p>
-            <a:r>
-              <a:rPr lang="en-US" dirty="0"/>
-              <a:t>Interface: EVModsG4</a:t>
-            </a:r>
-          </a:p>
-        </p:txBody>
-      </p:sp>
-      <p:sp>
-        <p:nvSpPr>
-          <p:cNvPr id="5" name="Content Placeholder 4">
-            <a:extLst>
-              <a:ext uri="{FF2B5EF4-FFF2-40B4-BE49-F238E27FC236}">
-                <a16:creationId xmlns:a16="http://schemas.microsoft.com/office/drawing/2014/main" id="{E339DA95-E903-4B14-80A4-3E8C57351168}"/>
-              </a:ext>
-            </a:extLst>
-          </p:cNvPr>
-          <p:cNvSpPr>
-            <a:spLocks noGrp="1"/>
-          </p:cNvSpPr>
-          <p:nvPr>
-            <p:ph idx="1"/>
-          </p:nvPr>
-        </p:nvSpPr>
-        <p:spPr/>
-        <p:txBody>
-          <a:bodyPr/>
-          <a:lstStyle/>
-          <a:p>
-            <a:r>
-              <a:rPr lang="en-US" dirty="0"/>
-              <a:t>&lt;power item&gt;()</a:t>
-            </a:r>
-          </a:p>
-          <a:p>
-            <a:pPr marL="0" indent="0">
-              <a:buNone/>
-            </a:pPr>
-            <a:endParaRPr lang="en-US" dirty="0"/>
-          </a:p>
-          <a:p>
-            <a:pPr marL="0" indent="0">
-              <a:buNone/>
-            </a:pPr>
-            <a:r>
-              <a:rPr lang="en-US" dirty="0"/>
-              <a:t>Power items were introduced in gen IV which modify EVs gained after each battle.</a:t>
-            </a:r>
-          </a:p>
-        </p:txBody>
-      </p:sp>
-    </p:spTree>
-    <p:extLst>
-      <p:ext uri="{BB962C8B-B14F-4D97-AF65-F5344CB8AC3E}">
-        <p14:creationId xmlns:p14="http://schemas.microsoft.com/office/powerpoint/2010/main" val="1406216305"/>
       </p:ext>
     </p:extLst>
   </p:cSld>
